--- a/documentation/Quantitative Foundations Project 1 - Slide Deck.pptx
+++ b/documentation/Quantitative Foundations Project 1 - Slide Deck.pptx
@@ -34,42 +34,43 @@
     <p:sldId id="279" r:id="rId30"/>
     <p:sldId id="280" r:id="rId31"/>
     <p:sldId id="281" r:id="rId32"/>
+    <p:sldId id="282" r:id="rId33"/>
   </p:sldIdLst>
   <p:sldSz cy="5143500" cx="9144000"/>
   <p:notesSz cx="6858000" cy="9144000"/>
   <p:embeddedFontLst>
     <p:embeddedFont>
       <p:font typeface="Roboto"/>
-      <p:regular r:id="rId33"/>
-      <p:bold r:id="rId34"/>
-      <p:italic r:id="rId35"/>
-      <p:boldItalic r:id="rId36"/>
+      <p:regular r:id="rId34"/>
+      <p:bold r:id="rId35"/>
+      <p:italic r:id="rId36"/>
+      <p:boldItalic r:id="rId37"/>
     </p:embeddedFont>
     <p:embeddedFont>
       <p:font typeface="Montserrat"/>
-      <p:regular r:id="rId37"/>
-      <p:bold r:id="rId38"/>
-      <p:italic r:id="rId39"/>
-      <p:boldItalic r:id="rId40"/>
+      <p:regular r:id="rId38"/>
+      <p:bold r:id="rId39"/>
+      <p:italic r:id="rId40"/>
+      <p:boldItalic r:id="rId41"/>
     </p:embeddedFont>
     <p:embeddedFont>
       <p:font typeface="Oswald"/>
-      <p:regular r:id="rId41"/>
-      <p:bold r:id="rId42"/>
+      <p:regular r:id="rId42"/>
+      <p:bold r:id="rId43"/>
     </p:embeddedFont>
     <p:embeddedFont>
       <p:font typeface="Roboto Mono"/>
-      <p:regular r:id="rId43"/>
-      <p:bold r:id="rId44"/>
-      <p:italic r:id="rId45"/>
-      <p:boldItalic r:id="rId46"/>
+      <p:regular r:id="rId44"/>
+      <p:bold r:id="rId45"/>
+      <p:italic r:id="rId46"/>
+      <p:boldItalic r:id="rId47"/>
     </p:embeddedFont>
     <p:embeddedFont>
       <p:font typeface="Open Sans"/>
-      <p:regular r:id="rId47"/>
-      <p:bold r:id="rId48"/>
-      <p:italic r:id="rId49"/>
-      <p:boldItalic r:id="rId50"/>
+      <p:regular r:id="rId48"/>
+      <p:bold r:id="rId49"/>
+      <p:italic r:id="rId50"/>
+      <p:boldItalic r:id="rId51"/>
     </p:embeddedFont>
   </p:embeddedFontLst>
   <p:defaultTextStyle>
@@ -1806,7 +1807,7 @@
   <p:cSld>
     <p:spTree>
       <p:nvGrpSpPr>
-        <p:cNvPr id="388" name="Shape 388"/>
+        <p:cNvPr id="385" name="Shape 385"/>
         <p:cNvGrpSpPr/>
         <p:nvPr/>
       </p:nvGrpSpPr>
@@ -1820,7 +1821,7 @@
       </p:grpSpPr>
       <p:sp>
         <p:nvSpPr>
-          <p:cNvPr id="389" name="Google Shape;389;g98a4a037ec_3_139:notes"/>
+          <p:cNvPr id="386" name="Google Shape;386;g98a4a037ec_3_288:notes"/>
           <p:cNvSpPr/>
           <p:nvPr>
             <p:ph idx="2" type="sldImg"/>
@@ -1855,7 +1856,7 @@
       </p:sp>
       <p:sp>
         <p:nvSpPr>
-          <p:cNvPr id="390" name="Google Shape;390;g98a4a037ec_3_139:notes"/>
+          <p:cNvPr id="387" name="Google Shape;387;g98a4a037ec_3_288:notes"/>
           <p:cNvSpPr txBox="1"/>
           <p:nvPr>
             <p:ph idx="1" type="body"/>
@@ -2004,7 +2005,7 @@
   <p:cSld>
     <p:spTree>
       <p:nvGrpSpPr>
-        <p:cNvPr id="396" name="Shape 396"/>
+        <p:cNvPr id="395" name="Shape 395"/>
         <p:cNvGrpSpPr/>
         <p:nvPr/>
       </p:nvGrpSpPr>
@@ -2018,7 +2019,7 @@
       </p:grpSpPr>
       <p:sp>
         <p:nvSpPr>
-          <p:cNvPr id="397" name="Google Shape;397;g98a4a037ec_3_166:notes"/>
+          <p:cNvPr id="396" name="Google Shape;396;g98a4a037ec_3_139:notes"/>
           <p:cNvSpPr/>
           <p:nvPr>
             <p:ph idx="2" type="sldImg"/>
@@ -2053,7 +2054,7 @@
       </p:sp>
       <p:sp>
         <p:nvSpPr>
-          <p:cNvPr id="398" name="Google Shape;398;g98a4a037ec_3_166:notes"/>
+          <p:cNvPr id="397" name="Google Shape;397;g98a4a037ec_3_139:notes"/>
           <p:cNvSpPr txBox="1"/>
           <p:nvPr>
             <p:ph idx="1" type="body"/>
@@ -2103,7 +2104,7 @@
   <p:cSld>
     <p:spTree>
       <p:nvGrpSpPr>
-        <p:cNvPr id="404" name="Shape 404"/>
+        <p:cNvPr id="403" name="Shape 403"/>
         <p:cNvGrpSpPr/>
         <p:nvPr/>
       </p:nvGrpSpPr>
@@ -2117,7 +2118,7 @@
       </p:grpSpPr>
       <p:sp>
         <p:nvSpPr>
-          <p:cNvPr id="405" name="Google Shape;405;g9771a443de_0_605:notes"/>
+          <p:cNvPr id="404" name="Google Shape;404;g98a4a037ec_3_166:notes"/>
           <p:cNvSpPr/>
           <p:nvPr>
             <p:ph idx="2" type="sldImg"/>
@@ -2152,7 +2153,7 @@
       </p:sp>
       <p:sp>
         <p:nvSpPr>
-          <p:cNvPr id="406" name="Google Shape;406;g9771a443de_0_605:notes"/>
+          <p:cNvPr id="405" name="Google Shape;405;g98a4a037ec_3_166:notes"/>
           <p:cNvSpPr txBox="1"/>
           <p:nvPr>
             <p:ph idx="1" type="body"/>
@@ -2202,7 +2203,7 @@
   <p:cSld>
     <p:spTree>
       <p:nvGrpSpPr>
-        <p:cNvPr id="413" name="Shape 413"/>
+        <p:cNvPr id="411" name="Shape 411"/>
         <p:cNvGrpSpPr/>
         <p:nvPr/>
       </p:nvGrpSpPr>
@@ -2216,7 +2217,7 @@
       </p:grpSpPr>
       <p:sp>
         <p:nvSpPr>
-          <p:cNvPr id="414" name="Google Shape;414;g9771a443de_0_556:notes"/>
+          <p:cNvPr id="412" name="Google Shape;412;g9771a443de_0_605:notes"/>
           <p:cNvSpPr/>
           <p:nvPr>
             <p:ph idx="2" type="sldImg"/>
@@ -2251,7 +2252,7 @@
       </p:sp>
       <p:sp>
         <p:nvSpPr>
-          <p:cNvPr id="415" name="Google Shape;415;g9771a443de_0_556:notes"/>
+          <p:cNvPr id="413" name="Google Shape;413;g9771a443de_0_605:notes"/>
           <p:cNvSpPr txBox="1"/>
           <p:nvPr>
             <p:ph idx="1" type="body"/>
@@ -2301,7 +2302,7 @@
   <p:cSld>
     <p:spTree>
       <p:nvGrpSpPr>
-        <p:cNvPr id="423" name="Shape 423"/>
+        <p:cNvPr id="420" name="Shape 420"/>
         <p:cNvGrpSpPr/>
         <p:nvPr/>
       </p:nvGrpSpPr>
@@ -2315,7 +2316,7 @@
       </p:grpSpPr>
       <p:sp>
         <p:nvSpPr>
-          <p:cNvPr id="424" name="Google Shape;424;g98a4a037ec_3_248:notes"/>
+          <p:cNvPr id="421" name="Google Shape;421;g9771a443de_0_556:notes"/>
           <p:cNvSpPr/>
           <p:nvPr>
             <p:ph idx="2" type="sldImg"/>
@@ -2350,7 +2351,7 @@
       </p:sp>
       <p:sp>
         <p:nvSpPr>
-          <p:cNvPr id="425" name="Google Shape;425;g98a4a037ec_3_248:notes"/>
+          <p:cNvPr id="422" name="Google Shape;422;g9771a443de_0_556:notes"/>
           <p:cNvSpPr txBox="1"/>
           <p:nvPr>
             <p:ph idx="1" type="body"/>
@@ -2400,7 +2401,7 @@
   <p:cSld>
     <p:spTree>
       <p:nvGrpSpPr>
-        <p:cNvPr id="459" name="Shape 459"/>
+        <p:cNvPr id="430" name="Shape 430"/>
         <p:cNvGrpSpPr/>
         <p:nvPr/>
       </p:nvGrpSpPr>
@@ -2414,7 +2415,7 @@
       </p:grpSpPr>
       <p:sp>
         <p:nvSpPr>
-          <p:cNvPr id="460" name="Google Shape;460;g9771a443de_0_576:notes"/>
+          <p:cNvPr id="431" name="Google Shape;431;g98a4a037ec_3_248:notes"/>
           <p:cNvSpPr/>
           <p:nvPr>
             <p:ph idx="2" type="sldImg"/>
@@ -2449,7 +2450,7 @@
       </p:sp>
       <p:sp>
         <p:nvSpPr>
-          <p:cNvPr id="461" name="Google Shape;461;g9771a443de_0_576:notes"/>
+          <p:cNvPr id="432" name="Google Shape;432;g98a4a037ec_3_248:notes"/>
           <p:cNvSpPr txBox="1"/>
           <p:nvPr>
             <p:ph idx="1" type="body"/>
@@ -2513,7 +2514,7 @@
       </p:grpSpPr>
       <p:sp>
         <p:nvSpPr>
-          <p:cNvPr id="467" name="Google Shape;467;g9771a443de_0_571:notes"/>
+          <p:cNvPr id="467" name="Google Shape;467;g9771a443de_0_576:notes"/>
           <p:cNvSpPr/>
           <p:nvPr>
             <p:ph idx="2" type="sldImg"/>
@@ -2548,7 +2549,7 @@
       </p:sp>
       <p:sp>
         <p:nvSpPr>
-          <p:cNvPr id="468" name="Google Shape;468;g9771a443de_0_571:notes"/>
+          <p:cNvPr id="468" name="Google Shape;468;g9771a443de_0_576:notes"/>
           <p:cNvSpPr txBox="1"/>
           <p:nvPr>
             <p:ph idx="1" type="body"/>
@@ -2598,7 +2599,7 @@
   <p:cSld>
     <p:spTree>
       <p:nvGrpSpPr>
-        <p:cNvPr id="472" name="Shape 472"/>
+        <p:cNvPr id="473" name="Shape 473"/>
         <p:cNvGrpSpPr/>
         <p:nvPr/>
       </p:nvGrpSpPr>
@@ -2612,7 +2613,7 @@
       </p:grpSpPr>
       <p:sp>
         <p:nvSpPr>
-          <p:cNvPr id="473" name="Google Shape;473;g98a4a037ec_1_0:notes"/>
+          <p:cNvPr id="474" name="Google Shape;474;g9771a443de_0_571:notes"/>
           <p:cNvSpPr/>
           <p:nvPr>
             <p:ph idx="2" type="sldImg"/>
@@ -2647,7 +2648,106 @@
       </p:sp>
       <p:sp>
         <p:nvSpPr>
-          <p:cNvPr id="474" name="Google Shape;474;g98a4a037ec_1_0:notes"/>
+          <p:cNvPr id="475" name="Google Shape;475;g9771a443de_0_571:notes"/>
+          <p:cNvSpPr txBox="1"/>
+          <p:nvPr>
+            <p:ph idx="1" type="body"/>
+          </p:nvPr>
+        </p:nvSpPr>
+        <p:spPr>
+          <a:xfrm>
+            <a:off x="685800" y="4343400"/>
+            <a:ext cx="5486400" cy="4114800"/>
+          </a:xfrm>
+          <a:prstGeom prst="rect">
+            <a:avLst/>
+          </a:prstGeom>
+        </p:spPr>
+        <p:txBody>
+          <a:bodyPr anchorCtr="0" anchor="t" bIns="91425" lIns="91425" spcFirstLastPara="1" rIns="91425" wrap="square" tIns="91425">
+            <a:noAutofit/>
+          </a:bodyPr>
+          <a:lstStyle/>
+          <a:p>
+            <a:pPr indent="0" lvl="0" marL="0" rtl="0" algn="l">
+              <a:spcBef>
+                <a:spcPts val="0"/>
+              </a:spcBef>
+              <a:spcAft>
+                <a:spcPts val="0"/>
+              </a:spcAft>
+              <a:buNone/>
+            </a:pPr>
+            <a:r>
+              <a:t/>
+            </a:r>
+            <a:endParaRPr/>
+          </a:p>
+        </p:txBody>
+      </p:sp>
+    </p:spTree>
+  </p:cSld>
+  <p:clrMapOvr>
+    <a:masterClrMapping/>
+  </p:clrMapOvr>
+</p:notes>
+</file>
+
+<file path=ppt/notesSlides/notesSlide27.xml><?xml version="1.0" encoding="utf-8"?>
+<p:notes xmlns:a="http://schemas.openxmlformats.org/drawingml/2006/main" xmlns:r="http://schemas.openxmlformats.org/officeDocument/2006/relationships" xmlns:mc="http://schemas.openxmlformats.org/markup-compatibility/2006" xmlns:mv="urn:schemas-microsoft-com:mac:vml" xmlns:p="http://schemas.openxmlformats.org/presentationml/2006/main" xmlns:c="http://schemas.openxmlformats.org/drawingml/2006/chart" xmlns:dgm="http://schemas.openxmlformats.org/drawingml/2006/diagram" xmlns:o="urn:schemas-microsoft-com:office:office" xmlns:v="urn:schemas-microsoft-com:vml" xmlns:pvml="urn:schemas-microsoft-com:office:powerpoint" xmlns:com="http://schemas.openxmlformats.org/drawingml/2006/compatibility" xmlns:p14="http://schemas.microsoft.com/office/powerpoint/2010/main" xmlns:p15="http://schemas.microsoft.com/office/powerpoint/2012/main" xmlns:ahyp="http://schemas.microsoft.com/office/drawing/2018/hyperlinkcolor" showMasterPhAnim="0" showMasterSp="0">
+  <p:cSld>
+    <p:spTree>
+      <p:nvGrpSpPr>
+        <p:cNvPr id="479" name="Shape 479"/>
+        <p:cNvGrpSpPr/>
+        <p:nvPr/>
+      </p:nvGrpSpPr>
+      <p:grpSpPr>
+        <a:xfrm>
+          <a:off x="0" y="0"/>
+          <a:ext cx="0" cy="0"/>
+          <a:chOff x="0" y="0"/>
+          <a:chExt cx="0" cy="0"/>
+        </a:xfrm>
+      </p:grpSpPr>
+      <p:sp>
+        <p:nvSpPr>
+          <p:cNvPr id="480" name="Google Shape;480;g98a4a037ec_1_0:notes"/>
+          <p:cNvSpPr/>
+          <p:nvPr>
+            <p:ph idx="2" type="sldImg"/>
+          </p:nvPr>
+        </p:nvSpPr>
+        <p:spPr>
+          <a:xfrm>
+            <a:off x="381300" y="685800"/>
+            <a:ext cx="6096000" cy="3429000"/>
+          </a:xfrm>
+          <a:custGeom>
+            <a:rect b="b" l="l" r="r" t="t"/>
+            <a:pathLst>
+              <a:path extrusionOk="0" h="120000" w="120000">
+                <a:moveTo>
+                  <a:pt x="0" y="0"/>
+                </a:moveTo>
+                <a:lnTo>
+                  <a:pt x="120000" y="0"/>
+                </a:lnTo>
+                <a:lnTo>
+                  <a:pt x="120000" y="120000"/>
+                </a:lnTo>
+                <a:lnTo>
+                  <a:pt x="0" y="120000"/>
+                </a:lnTo>
+                <a:close/>
+              </a:path>
+            </a:pathLst>
+          </a:custGeom>
+        </p:spPr>
+      </p:sp>
+      <p:sp>
+        <p:nvSpPr>
+          <p:cNvPr id="481" name="Google Shape;481;g98a4a037ec_1_0:notes"/>
           <p:cNvSpPr txBox="1"/>
           <p:nvPr>
             <p:ph idx="1" type="body"/>
@@ -19685,7 +19785,7 @@
                 <a:cs typeface="Roboto"/>
                 <a:sym typeface="Roboto"/>
               </a:rPr>
-              <a:t>First, best polynomial model selected.</a:t>
+              <a:t>First, best polynomial model selected on training data.</a:t>
             </a:r>
             <a:endParaRPr sz="1800">
               <a:solidFill>
@@ -23889,9 +23989,531 @@
           <a:chExt cx="0" cy="0"/>
         </a:xfrm>
       </p:grpSpPr>
+      <p:sp>
+        <p:nvSpPr>
+          <p:cNvPr id="382" name="Google Shape;382;p32"/>
+          <p:cNvSpPr txBox="1"/>
+          <p:nvPr>
+            <p:ph type="title"/>
+          </p:nvPr>
+        </p:nvSpPr>
+        <p:spPr>
+          <a:xfrm>
+            <a:off x="311700" y="105200"/>
+            <a:ext cx="8520600" cy="607800"/>
+          </a:xfrm>
+          <a:prstGeom prst="rect">
+            <a:avLst/>
+          </a:prstGeom>
+        </p:spPr>
+        <p:txBody>
+          <a:bodyPr anchorCtr="0" anchor="t" bIns="91425" lIns="91425" spcFirstLastPara="1" rIns="91425" wrap="square" tIns="91425">
+            <a:noAutofit/>
+          </a:bodyPr>
+          <a:lstStyle/>
+          <a:p>
+            <a:pPr indent="0" lvl="0" marL="0" rtl="0" algn="l">
+              <a:spcBef>
+                <a:spcPts val="0"/>
+              </a:spcBef>
+              <a:spcAft>
+                <a:spcPts val="0"/>
+              </a:spcAft>
+              <a:buNone/>
+            </a:pPr>
+            <a:r>
+              <a:rPr lang="en"/>
+              <a:t>Results and Discussion</a:t>
+            </a:r>
+            <a:endParaRPr/>
+          </a:p>
+        </p:txBody>
+      </p:sp>
+      <p:sp>
+        <p:nvSpPr>
+          <p:cNvPr id="383" name="Google Shape;383;p32"/>
+          <p:cNvSpPr txBox="1"/>
+          <p:nvPr>
+            <p:ph idx="12" type="sldNum"/>
+          </p:nvPr>
+        </p:nvSpPr>
+        <p:spPr>
+          <a:xfrm>
+            <a:off x="8460431" y="4803590"/>
+            <a:ext cx="548700" cy="393600"/>
+          </a:xfrm>
+          <a:prstGeom prst="rect">
+            <a:avLst/>
+          </a:prstGeom>
+        </p:spPr>
+        <p:txBody>
+          <a:bodyPr anchorCtr="0" anchor="ctr" bIns="91425" lIns="91425" spcFirstLastPara="1" rIns="91425" wrap="square" tIns="91425">
+            <a:noAutofit/>
+          </a:bodyPr>
+          <a:lstStyle/>
+          <a:p>
+            <a:pPr indent="0" lvl="0" marL="0" rtl="0" algn="r">
+              <a:spcBef>
+                <a:spcPts val="0"/>
+              </a:spcBef>
+              <a:spcAft>
+                <a:spcPts val="0"/>
+              </a:spcAft>
+              <a:buNone/>
+            </a:pPr>
+            <a:fld id="{00000000-1234-1234-1234-123412341234}" type="slidenum">
+              <a:rPr lang="en"/>
+              <a:t>‹#›</a:t>
+            </a:fld>
+            <a:endParaRPr/>
+          </a:p>
+        </p:txBody>
+      </p:sp>
+      <p:sp>
+        <p:nvSpPr>
+          <p:cNvPr id="384" name="Google Shape;384;p32"/>
+          <p:cNvSpPr txBox="1"/>
+          <p:nvPr/>
+        </p:nvSpPr>
+        <p:spPr>
+          <a:xfrm>
+            <a:off x="379625" y="807825"/>
+            <a:ext cx="7756200" cy="3918900"/>
+          </a:xfrm>
+          <a:prstGeom prst="rect">
+            <a:avLst/>
+          </a:prstGeom>
+          <a:noFill/>
+          <a:ln>
+            <a:noFill/>
+          </a:ln>
+        </p:spPr>
+        <p:txBody>
+          <a:bodyPr anchorCtr="0" anchor="t" bIns="91425" lIns="91425" spcFirstLastPara="1" rIns="91425" wrap="square" tIns="91425">
+            <a:noAutofit/>
+          </a:bodyPr>
+          <a:lstStyle/>
+          <a:p>
+            <a:pPr indent="-342900" lvl="0" marL="457200" rtl="0" algn="l">
+              <a:spcBef>
+                <a:spcPts val="0"/>
+              </a:spcBef>
+              <a:spcAft>
+                <a:spcPts val="0"/>
+              </a:spcAft>
+              <a:buSzPts val="1800"/>
+              <a:buFont typeface="Roboto"/>
+              <a:buChar char="●"/>
+            </a:pPr>
+            <a:r>
+              <a:rPr lang="en" sz="1800">
+                <a:latin typeface="Roboto"/>
+                <a:ea typeface="Roboto"/>
+                <a:cs typeface="Roboto"/>
+                <a:sym typeface="Roboto"/>
+              </a:rPr>
+              <a:t>Running the main function </a:t>
+            </a:r>
+            <a:endParaRPr sz="1800">
+              <a:latin typeface="Roboto"/>
+              <a:ea typeface="Roboto"/>
+              <a:cs typeface="Roboto"/>
+              <a:sym typeface="Roboto"/>
+            </a:endParaRPr>
+          </a:p>
+          <a:p>
+            <a:pPr indent="0" lvl="0" marL="0" rtl="0" algn="l">
+              <a:spcBef>
+                <a:spcPts val="0"/>
+              </a:spcBef>
+              <a:spcAft>
+                <a:spcPts val="0"/>
+              </a:spcAft>
+              <a:buNone/>
+            </a:pPr>
+            <a:r>
+              <a:t/>
+            </a:r>
+            <a:endParaRPr>
+              <a:latin typeface="Roboto"/>
+              <a:ea typeface="Roboto"/>
+              <a:cs typeface="Roboto"/>
+              <a:sym typeface="Roboto"/>
+            </a:endParaRPr>
+          </a:p>
+          <a:p>
+            <a:pPr indent="457200" lvl="0" marL="0" rtl="0" algn="l">
+              <a:spcBef>
+                <a:spcPts val="0"/>
+              </a:spcBef>
+              <a:spcAft>
+                <a:spcPts val="0"/>
+              </a:spcAft>
+              <a:buNone/>
+            </a:pPr>
+            <a:r>
+              <a:rPr lang="en" sz="1800">
+                <a:solidFill>
+                  <a:srgbClr val="37474F"/>
+                </a:solidFill>
+                <a:latin typeface="Roboto Mono"/>
+                <a:ea typeface="Roboto Mono"/>
+                <a:cs typeface="Roboto Mono"/>
+                <a:sym typeface="Roboto Mono"/>
+              </a:rPr>
+              <a:t>&gt;&gt; y_pred = get_predictions();</a:t>
+            </a:r>
+            <a:endParaRPr sz="1800">
+              <a:solidFill>
+                <a:srgbClr val="37474F"/>
+              </a:solidFill>
+              <a:latin typeface="Roboto Mono"/>
+              <a:ea typeface="Roboto Mono"/>
+              <a:cs typeface="Roboto Mono"/>
+              <a:sym typeface="Roboto Mono"/>
+            </a:endParaRPr>
+          </a:p>
+          <a:p>
+            <a:pPr indent="457200" lvl="0" marL="0" rtl="0" algn="l">
+              <a:spcBef>
+                <a:spcPts val="0"/>
+              </a:spcBef>
+              <a:spcAft>
+                <a:spcPts val="0"/>
+              </a:spcAft>
+              <a:buNone/>
+            </a:pPr>
+            <a:r>
+              <a:rPr lang="en" sz="1800">
+                <a:solidFill>
+                  <a:srgbClr val="37474F"/>
+                </a:solidFill>
+                <a:latin typeface="Roboto Mono"/>
+                <a:ea typeface="Roboto Mono"/>
+                <a:cs typeface="Roboto Mono"/>
+                <a:sym typeface="Roboto Mono"/>
+              </a:rPr>
+              <a:t>% </a:t>
+            </a:r>
+            <a:r>
+              <a:rPr lang="en" sz="1800">
+                <a:solidFill>
+                  <a:srgbClr val="C53929"/>
+                </a:solidFill>
+                <a:latin typeface="Roboto Mono"/>
+                <a:ea typeface="Roboto Mono"/>
+                <a:cs typeface="Roboto Mono"/>
+                <a:sym typeface="Roboto Mono"/>
+              </a:rPr>
+              <a:t>OR</a:t>
+            </a:r>
+            <a:endParaRPr sz="1800">
+              <a:solidFill>
+                <a:srgbClr val="37474F"/>
+              </a:solidFill>
+              <a:latin typeface="Roboto Mono"/>
+              <a:ea typeface="Roboto Mono"/>
+              <a:cs typeface="Roboto Mono"/>
+              <a:sym typeface="Roboto Mono"/>
+            </a:endParaRPr>
+          </a:p>
+          <a:p>
+            <a:pPr indent="457200" lvl="0" marL="0" rtl="0" algn="l">
+              <a:lnSpc>
+                <a:spcPct val="150000"/>
+              </a:lnSpc>
+              <a:spcBef>
+                <a:spcPts val="0"/>
+              </a:spcBef>
+              <a:spcAft>
+                <a:spcPts val="0"/>
+              </a:spcAft>
+              <a:buNone/>
+            </a:pPr>
+            <a:r>
+              <a:rPr lang="en" sz="1800">
+                <a:solidFill>
+                  <a:srgbClr val="37474F"/>
+                </a:solidFill>
+                <a:latin typeface="Roboto Mono"/>
+                <a:ea typeface="Roboto Mono"/>
+                <a:cs typeface="Roboto Mono"/>
+                <a:sym typeface="Roboto Mono"/>
+              </a:rPr>
+              <a:t>&gt;&gt; y_pred = get_predictions(</a:t>
+            </a:r>
+            <a:r>
+              <a:rPr lang="en" sz="1800">
+                <a:solidFill>
+                  <a:srgbClr val="C53929"/>
+                </a:solidFill>
+                <a:latin typeface="Roboto Mono"/>
+                <a:ea typeface="Roboto Mono"/>
+                <a:cs typeface="Roboto Mono"/>
+                <a:sym typeface="Roboto Mono"/>
+              </a:rPr>
+              <a:t>0</a:t>
+            </a:r>
+            <a:r>
+              <a:rPr lang="en" sz="1800">
+                <a:solidFill>
+                  <a:srgbClr val="37474F"/>
+                </a:solidFill>
+                <a:latin typeface="Roboto Mono"/>
+                <a:ea typeface="Roboto Mono"/>
+                <a:cs typeface="Roboto Mono"/>
+                <a:sym typeface="Roboto Mono"/>
+              </a:rPr>
+              <a:t>:</a:t>
+            </a:r>
+            <a:r>
+              <a:rPr lang="en" sz="1800">
+                <a:solidFill>
+                  <a:srgbClr val="C53929"/>
+                </a:solidFill>
+                <a:latin typeface="Roboto Mono"/>
+                <a:ea typeface="Roboto Mono"/>
+                <a:cs typeface="Roboto Mono"/>
+                <a:sym typeface="Roboto Mono"/>
+              </a:rPr>
+              <a:t>10</a:t>
+            </a:r>
+            <a:r>
+              <a:rPr lang="en" sz="1800">
+                <a:solidFill>
+                  <a:srgbClr val="37474F"/>
+                </a:solidFill>
+                <a:latin typeface="Roboto Mono"/>
+                <a:ea typeface="Roboto Mono"/>
+                <a:cs typeface="Roboto Mono"/>
+                <a:sym typeface="Roboto Mono"/>
+              </a:rPr>
+              <a:t>, </a:t>
+            </a:r>
+            <a:r>
+              <a:rPr lang="en" sz="1800">
+                <a:solidFill>
+                  <a:srgbClr val="C53929"/>
+                </a:solidFill>
+                <a:latin typeface="Roboto Mono"/>
+                <a:ea typeface="Roboto Mono"/>
+                <a:cs typeface="Roboto Mono"/>
+                <a:sym typeface="Roboto Mono"/>
+              </a:rPr>
+              <a:t>10</a:t>
+            </a:r>
+            <a:r>
+              <a:rPr lang="en" sz="1800">
+                <a:solidFill>
+                  <a:srgbClr val="37474F"/>
+                </a:solidFill>
+                <a:latin typeface="Roboto Mono"/>
+                <a:ea typeface="Roboto Mono"/>
+                <a:cs typeface="Roboto Mono"/>
+                <a:sym typeface="Roboto Mono"/>
+              </a:rPr>
+              <a:t>);</a:t>
+            </a:r>
+            <a:endParaRPr sz="1800">
+              <a:solidFill>
+                <a:srgbClr val="37474F"/>
+              </a:solidFill>
+              <a:latin typeface="Roboto Mono"/>
+              <a:ea typeface="Roboto Mono"/>
+              <a:cs typeface="Roboto Mono"/>
+              <a:sym typeface="Roboto Mono"/>
+            </a:endParaRPr>
+          </a:p>
+          <a:p>
+            <a:pPr indent="457200" lvl="0" marL="0" rtl="0" algn="l">
+              <a:spcBef>
+                <a:spcPts val="0"/>
+              </a:spcBef>
+              <a:spcAft>
+                <a:spcPts val="0"/>
+              </a:spcAft>
+              <a:buNone/>
+            </a:pPr>
+            <a:r>
+              <a:t/>
+            </a:r>
+            <a:endParaRPr sz="1800">
+              <a:latin typeface="Roboto"/>
+              <a:ea typeface="Roboto"/>
+              <a:cs typeface="Roboto"/>
+              <a:sym typeface="Roboto"/>
+            </a:endParaRPr>
+          </a:p>
+          <a:p>
+            <a:pPr indent="-342900" lvl="0" marL="457200" rtl="0" algn="l">
+              <a:spcBef>
+                <a:spcPts val="0"/>
+              </a:spcBef>
+              <a:spcAft>
+                <a:spcPts val="0"/>
+              </a:spcAft>
+              <a:buSzPts val="1800"/>
+              <a:buFont typeface="Roboto"/>
+              <a:buChar char="●"/>
+            </a:pPr>
+            <a:r>
+              <a:rPr lang="en" sz="1800">
+                <a:latin typeface="Roboto"/>
+                <a:ea typeface="Roboto"/>
+                <a:cs typeface="Roboto"/>
+                <a:sym typeface="Roboto"/>
+              </a:rPr>
+              <a:t>The code runs the training on the training data by calling the train() function.</a:t>
+            </a:r>
+            <a:endParaRPr sz="1800">
+              <a:latin typeface="Roboto"/>
+              <a:ea typeface="Roboto"/>
+              <a:cs typeface="Roboto"/>
+              <a:sym typeface="Roboto"/>
+            </a:endParaRPr>
+          </a:p>
+          <a:p>
+            <a:pPr indent="-342900" lvl="0" marL="457200" rtl="0" algn="l">
+              <a:spcBef>
+                <a:spcPts val="0"/>
+              </a:spcBef>
+              <a:spcAft>
+                <a:spcPts val="0"/>
+              </a:spcAft>
+              <a:buSzPts val="1800"/>
+              <a:buFont typeface="Roboto"/>
+              <a:buChar char="●"/>
+            </a:pPr>
+            <a:r>
+              <a:rPr lang="en" sz="1800">
+                <a:latin typeface="Roboto"/>
+                <a:ea typeface="Roboto"/>
+                <a:cs typeface="Roboto"/>
+                <a:sym typeface="Roboto"/>
+              </a:rPr>
+              <a:t>Selects the best model automatically with least validation error using K-fold cross validation.</a:t>
+            </a:r>
+            <a:endParaRPr sz="1800">
+              <a:latin typeface="Roboto"/>
+              <a:ea typeface="Roboto"/>
+              <a:cs typeface="Roboto"/>
+              <a:sym typeface="Roboto"/>
+            </a:endParaRPr>
+          </a:p>
+          <a:p>
+            <a:pPr indent="-342900" lvl="0" marL="457200" rtl="0" algn="l">
+              <a:spcBef>
+                <a:spcPts val="0"/>
+              </a:spcBef>
+              <a:spcAft>
+                <a:spcPts val="0"/>
+              </a:spcAft>
+              <a:buSzPts val="1800"/>
+              <a:buFont typeface="Roboto"/>
+              <a:buChar char="●"/>
+            </a:pPr>
+            <a:r>
+              <a:rPr lang="en" sz="1800">
+                <a:latin typeface="Roboto"/>
+                <a:ea typeface="Roboto"/>
+                <a:cs typeface="Roboto"/>
+                <a:sym typeface="Roboto"/>
+              </a:rPr>
+              <a:t>Reads the test data.</a:t>
+            </a:r>
+            <a:endParaRPr sz="1800">
+              <a:latin typeface="Roboto"/>
+              <a:ea typeface="Roboto"/>
+              <a:cs typeface="Roboto"/>
+              <a:sym typeface="Roboto"/>
+            </a:endParaRPr>
+          </a:p>
+          <a:p>
+            <a:pPr indent="-342900" lvl="0" marL="457200" rtl="0" algn="l">
+              <a:spcBef>
+                <a:spcPts val="0"/>
+              </a:spcBef>
+              <a:spcAft>
+                <a:spcPts val="0"/>
+              </a:spcAft>
+              <a:buSzPts val="1800"/>
+              <a:buFont typeface="Roboto"/>
+              <a:buChar char="●"/>
+            </a:pPr>
+            <a:r>
+              <a:rPr lang="en" sz="1800">
+                <a:latin typeface="Roboto"/>
+                <a:ea typeface="Roboto"/>
+                <a:cs typeface="Roboto"/>
+                <a:sym typeface="Roboto"/>
+              </a:rPr>
+              <a:t>Calculates the predictions on test data using the trained model.</a:t>
+            </a:r>
+            <a:endParaRPr sz="1800">
+              <a:latin typeface="Roboto"/>
+              <a:ea typeface="Roboto"/>
+              <a:cs typeface="Roboto"/>
+              <a:sym typeface="Roboto"/>
+            </a:endParaRPr>
+          </a:p>
+          <a:p>
+            <a:pPr indent="-342900" lvl="0" marL="457200" rtl="0" algn="l">
+              <a:spcBef>
+                <a:spcPts val="0"/>
+              </a:spcBef>
+              <a:spcAft>
+                <a:spcPts val="0"/>
+              </a:spcAft>
+              <a:buSzPts val="1800"/>
+              <a:buFont typeface="Roboto"/>
+              <a:buChar char="●"/>
+            </a:pPr>
+            <a:r>
+              <a:rPr lang="en" sz="1800">
+                <a:latin typeface="Roboto"/>
+                <a:ea typeface="Roboto"/>
+                <a:cs typeface="Roboto"/>
+                <a:sym typeface="Roboto"/>
+              </a:rPr>
+              <a:t>Writes the prediction to the file predictions.txt.</a:t>
+            </a:r>
+            <a:endParaRPr sz="1800">
+              <a:latin typeface="Roboto"/>
+              <a:ea typeface="Roboto"/>
+              <a:cs typeface="Roboto"/>
+              <a:sym typeface="Roboto"/>
+            </a:endParaRPr>
+          </a:p>
+        </p:txBody>
+      </p:sp>
+    </p:spTree>
+  </p:cSld>
+  <p:clrMapOvr>
+    <a:masterClrMapping/>
+  </p:clrMapOvr>
+</p:sld>
+</file>
+
+<file path=ppt/slides/slide19.xml><?xml version="1.0" encoding="utf-8"?>
+<p:sld xmlns:a="http://schemas.openxmlformats.org/drawingml/2006/main" xmlns:r="http://schemas.openxmlformats.org/officeDocument/2006/relationships" xmlns:mc="http://schemas.openxmlformats.org/markup-compatibility/2006" xmlns:mv="urn:schemas-microsoft-com:mac:vml" xmlns:p="http://schemas.openxmlformats.org/presentationml/2006/main" xmlns:c="http://schemas.openxmlformats.org/drawingml/2006/chart" xmlns:dgm="http://schemas.openxmlformats.org/drawingml/2006/diagram" xmlns:o="urn:schemas-microsoft-com:office:office" xmlns:v="urn:schemas-microsoft-com:vml" xmlns:pvml="urn:schemas-microsoft-com:office:powerpoint" xmlns:com="http://schemas.openxmlformats.org/drawingml/2006/compatibility" xmlns:p14="http://schemas.microsoft.com/office/powerpoint/2010/main" xmlns:p15="http://schemas.microsoft.com/office/powerpoint/2012/main" xmlns:ahyp="http://schemas.microsoft.com/office/drawing/2018/hyperlinkcolor">
+  <p:cSld>
+    <p:spTree>
+      <p:nvGrpSpPr>
+        <p:cNvPr id="388" name="Shape 388"/>
+        <p:cNvGrpSpPr/>
+        <p:nvPr/>
+      </p:nvGrpSpPr>
+      <p:grpSpPr>
+        <a:xfrm>
+          <a:off x="0" y="0"/>
+          <a:ext cx="0" cy="0"/>
+          <a:chOff x="0" y="0"/>
+          <a:chExt cx="0" cy="0"/>
+        </a:xfrm>
+      </p:grpSpPr>
       <p:graphicFrame>
         <p:nvGraphicFramePr>
-          <p:cNvPr id="382" name="Google Shape;382;p32"/>
+          <p:cNvPr id="389" name="Google Shape;389;p33"/>
           <p:cNvGraphicFramePr/>
           <p:nvPr/>
         </p:nvGraphicFramePr>
@@ -23904,7 +24526,7 @@
             <a:tbl>
               <a:tblPr>
                 <a:noFill/>
-                <a:tableStyleId>{9E483F10-4186-4F37-9A7A-42602BA6B658}</a:tableStyleId>
+                <a:tableStyleId>{88DC93F5-E580-45B9-867B-4424B62B69A4}</a:tableStyleId>
               </a:tblPr>
               <a:tblGrid>
                 <a:gridCol w="953050"/>
@@ -25141,7 +25763,7 @@
       </p:graphicFrame>
       <p:sp>
         <p:nvSpPr>
-          <p:cNvPr id="383" name="Google Shape;383;p32"/>
+          <p:cNvPr id="390" name="Google Shape;390;p33"/>
           <p:cNvSpPr txBox="1"/>
           <p:nvPr>
             <p:ph type="title"/>
@@ -25181,7 +25803,7 @@
       </p:sp>
       <p:pic>
         <p:nvPicPr>
-          <p:cNvPr id="384" name="Google Shape;384;p32"/>
+          <p:cNvPr id="391" name="Google Shape;391;p33"/>
           <p:cNvPicPr preferRelativeResize="0"/>
           <p:nvPr/>
         </p:nvPicPr>
@@ -25209,7 +25831,7 @@
       </p:pic>
       <p:sp>
         <p:nvSpPr>
-          <p:cNvPr id="385" name="Google Shape;385;p32"/>
+          <p:cNvPr id="392" name="Google Shape;392;p33"/>
           <p:cNvSpPr/>
           <p:nvPr/>
         </p:nvSpPr>
@@ -25261,7 +25883,7 @@
       </p:sp>
       <p:sp>
         <p:nvSpPr>
-          <p:cNvPr id="386" name="Google Shape;386;p32"/>
+          <p:cNvPr id="393" name="Google Shape;393;p33"/>
           <p:cNvSpPr/>
           <p:nvPr/>
         </p:nvSpPr>
@@ -25313,7 +25935,7 @@
       </p:sp>
       <p:sp>
         <p:nvSpPr>
-          <p:cNvPr id="387" name="Google Shape;387;p32"/>
+          <p:cNvPr id="394" name="Google Shape;394;p33"/>
           <p:cNvSpPr txBox="1"/>
           <p:nvPr>
             <p:ph idx="12" type="sldNum"/>
@@ -25390,7 +26012,7 @@
                                           </p:stCondLst>
                                         </p:cTn>
                                         <p:tgtEl>
-                                          <p:spTgt spid="382"/>
+                                          <p:spTgt spid="389"/>
                                         </p:tgtEl>
                                         <p:attrNameLst>
                                           <p:attrName>style.visibility</p:attrName>
@@ -25404,7 +26026,7 @@
                                       <p:cBhvr>
                                         <p:cTn dur="1000"/>
                                         <p:tgtEl>
-                                          <p:spTgt spid="382"/>
+                                          <p:spTgt spid="389"/>
                                         </p:tgtEl>
                                       </p:cBhvr>
                                     </p:animEffect>
@@ -25425,7 +26047,7 @@
                                           </p:stCondLst>
                                         </p:cTn>
                                         <p:tgtEl>
-                                          <p:spTgt spid="384"/>
+                                          <p:spTgt spid="391"/>
                                         </p:tgtEl>
                                         <p:attrNameLst>
                                           <p:attrName>style.visibility</p:attrName>
@@ -25439,7 +26061,7 @@
                                       <p:cBhvr>
                                         <p:cTn dur="1000"/>
                                         <p:tgtEl>
-                                          <p:spTgt spid="384"/>
+                                          <p:spTgt spid="391"/>
                                         </p:tgtEl>
                                       </p:cBhvr>
                                     </p:animEffect>
@@ -25478,7 +26100,7 @@
                                           </p:stCondLst>
                                         </p:cTn>
                                         <p:tgtEl>
-                                          <p:spTgt spid="386"/>
+                                          <p:spTgt spid="393"/>
                                         </p:tgtEl>
                                         <p:attrNameLst>
                                           <p:attrName>style.visibility</p:attrName>
@@ -25492,7 +26114,7 @@
                                       <p:cBhvr additive="base">
                                         <p:cTn dur="1000"/>
                                         <p:tgtEl>
-                                          <p:spTgt spid="386"/>
+                                          <p:spTgt spid="393"/>
                                         </p:tgtEl>
                                         <p:attrNameLst>
                                           <p:attrName>ppt_x</p:attrName>
@@ -25528,7 +26150,7 @@
                                           </p:stCondLst>
                                         </p:cTn>
                                         <p:tgtEl>
-                                          <p:spTgt spid="385"/>
+                                          <p:spTgt spid="392"/>
                                         </p:tgtEl>
                                         <p:attrNameLst>
                                           <p:attrName>style.visibility</p:attrName>
@@ -25542,7 +26164,7 @@
                                       <p:cBhvr additive="base">
                                         <p:cTn dur="1000"/>
                                         <p:tgtEl>
-                                          <p:spTgt spid="385"/>
+                                          <p:spTgt spid="392"/>
                                         </p:tgtEl>
                                         <p:attrNameLst>
                                           <p:attrName>ppt_y</p:attrName>
@@ -25595,12 +26217,1421 @@
 </p:sld>
 </file>
 
-<file path=ppt/slides/slide19.xml><?xml version="1.0" encoding="utf-8"?>
+<file path=ppt/slides/slide2.xml><?xml version="1.0" encoding="utf-8"?>
 <p:sld xmlns:a="http://schemas.openxmlformats.org/drawingml/2006/main" xmlns:r="http://schemas.openxmlformats.org/officeDocument/2006/relationships" xmlns:mc="http://schemas.openxmlformats.org/markup-compatibility/2006" xmlns:mv="urn:schemas-microsoft-com:mac:vml" xmlns:p="http://schemas.openxmlformats.org/presentationml/2006/main" xmlns:c="http://schemas.openxmlformats.org/drawingml/2006/chart" xmlns:dgm="http://schemas.openxmlformats.org/drawingml/2006/diagram" xmlns:o="urn:schemas-microsoft-com:office:office" xmlns:v="urn:schemas-microsoft-com:vml" xmlns:pvml="urn:schemas-microsoft-com:office:powerpoint" xmlns:com="http://schemas.openxmlformats.org/drawingml/2006/compatibility" xmlns:p14="http://schemas.microsoft.com/office/powerpoint/2010/main" xmlns:p15="http://schemas.microsoft.com/office/powerpoint/2012/main" xmlns:ahyp="http://schemas.microsoft.com/office/drawing/2018/hyperlinkcolor">
   <p:cSld>
     <p:spTree>
       <p:nvGrpSpPr>
-        <p:cNvPr id="391" name="Shape 391"/>
+        <p:cNvPr id="90" name="Shape 90"/>
+        <p:cNvGrpSpPr/>
+        <p:nvPr/>
+      </p:nvGrpSpPr>
+      <p:grpSpPr>
+        <a:xfrm>
+          <a:off x="0" y="0"/>
+          <a:ext cx="0" cy="0"/>
+          <a:chOff x="0" y="0"/>
+          <a:chExt cx="0" cy="0"/>
+        </a:xfrm>
+      </p:grpSpPr>
+      <p:sp>
+        <p:nvSpPr>
+          <p:cNvPr id="91" name="Google Shape;91;p16"/>
+          <p:cNvSpPr txBox="1"/>
+          <p:nvPr>
+            <p:ph type="title"/>
+          </p:nvPr>
+        </p:nvSpPr>
+        <p:spPr>
+          <a:xfrm>
+            <a:off x="311700" y="410000"/>
+            <a:ext cx="8520600" cy="607800"/>
+          </a:xfrm>
+          <a:prstGeom prst="rect">
+            <a:avLst/>
+          </a:prstGeom>
+        </p:spPr>
+        <p:txBody>
+          <a:bodyPr anchorCtr="0" anchor="t" bIns="91425" lIns="91425" spcFirstLastPara="1" rIns="91425" wrap="square" tIns="91425">
+            <a:noAutofit/>
+          </a:bodyPr>
+          <a:lstStyle/>
+          <a:p>
+            <a:pPr indent="0" lvl="0" marL="0" rtl="0" algn="l">
+              <a:spcBef>
+                <a:spcPts val="0"/>
+              </a:spcBef>
+              <a:spcAft>
+                <a:spcPts val="0"/>
+              </a:spcAft>
+              <a:buNone/>
+            </a:pPr>
+            <a:r>
+              <a:rPr lang="en"/>
+              <a:t>Overview</a:t>
+            </a:r>
+            <a:endParaRPr/>
+          </a:p>
+        </p:txBody>
+      </p:sp>
+      <p:grpSp>
+        <p:nvGrpSpPr>
+          <p:cNvPr id="92" name="Google Shape;92;p16"/>
+          <p:cNvGrpSpPr/>
+          <p:nvPr/>
+        </p:nvGrpSpPr>
+        <p:grpSpPr>
+          <a:xfrm>
+            <a:off x="457167" y="1810634"/>
+            <a:ext cx="2273393" cy="301434"/>
+            <a:chOff x="712693" y="1608034"/>
+            <a:chExt cx="1513779" cy="348600"/>
+          </a:xfrm>
+        </p:grpSpPr>
+        <p:sp>
+          <p:nvSpPr>
+            <p:cNvPr id="93" name="Google Shape;93;p16"/>
+            <p:cNvSpPr txBox="1"/>
+            <p:nvPr/>
+          </p:nvSpPr>
+          <p:spPr>
+            <a:xfrm>
+              <a:off x="1030372" y="1624269"/>
+              <a:ext cx="1196100" cy="246300"/>
+            </a:xfrm>
+            <a:prstGeom prst="rect">
+              <a:avLst/>
+            </a:prstGeom>
+            <a:noFill/>
+            <a:ln>
+              <a:noFill/>
+            </a:ln>
+          </p:spPr>
+          <p:txBody>
+            <a:bodyPr anchorCtr="0" anchor="t" bIns="0" lIns="0" spcFirstLastPara="1" rIns="0" wrap="square" tIns="0">
+              <a:noAutofit/>
+            </a:bodyPr>
+            <a:lstStyle/>
+            <a:p>
+              <a:pPr indent="0" lvl="0" marL="0" rtl="0" algn="l">
+                <a:lnSpc>
+                  <a:spcPct val="115000"/>
+                </a:lnSpc>
+                <a:spcBef>
+                  <a:spcPts val="0"/>
+                </a:spcBef>
+                <a:spcAft>
+                  <a:spcPts val="0"/>
+                </a:spcAft>
+                <a:buNone/>
+              </a:pPr>
+              <a:r>
+                <a:rPr b="1" lang="en" sz="1800">
+                  <a:latin typeface="Roboto"/>
+                  <a:ea typeface="Roboto"/>
+                  <a:cs typeface="Roboto"/>
+                  <a:sym typeface="Roboto"/>
+                </a:rPr>
+                <a:t>Data Analysis</a:t>
+              </a:r>
+              <a:endParaRPr b="1" i="0" sz="1600" u="none" cap="none" strike="noStrike">
+                <a:latin typeface="Montserrat"/>
+                <a:ea typeface="Montserrat"/>
+                <a:cs typeface="Montserrat"/>
+                <a:sym typeface="Montserrat"/>
+              </a:endParaRPr>
+            </a:p>
+            <a:p>
+              <a:pPr indent="0" lvl="0" marL="0" marR="0" rtl="0" algn="l">
+                <a:lnSpc>
+                  <a:spcPct val="100000"/>
+                </a:lnSpc>
+                <a:spcBef>
+                  <a:spcPts val="1600"/>
+                </a:spcBef>
+                <a:spcAft>
+                  <a:spcPts val="0"/>
+                </a:spcAft>
+                <a:buClr>
+                  <a:srgbClr val="000000"/>
+                </a:buClr>
+                <a:buSzPts val="1600"/>
+                <a:buFont typeface="Arial"/>
+                <a:buNone/>
+              </a:pPr>
+              <a:r>
+                <a:t/>
+              </a:r>
+              <a:endParaRPr b="1" i="0" sz="1600" u="none" cap="none" strike="noStrike">
+                <a:latin typeface="Montserrat"/>
+                <a:ea typeface="Montserrat"/>
+                <a:cs typeface="Montserrat"/>
+                <a:sym typeface="Montserrat"/>
+              </a:endParaRPr>
+            </a:p>
+          </p:txBody>
+        </p:sp>
+        <p:sp>
+          <p:nvSpPr>
+            <p:cNvPr id="94" name="Google Shape;94;p16"/>
+            <p:cNvSpPr/>
+            <p:nvPr/>
+          </p:nvSpPr>
+          <p:spPr>
+            <a:xfrm>
+              <a:off x="712693" y="1608034"/>
+              <a:ext cx="183600" cy="348600"/>
+            </a:xfrm>
+            <a:prstGeom prst="rect">
+              <a:avLst/>
+            </a:prstGeom>
+            <a:solidFill>
+              <a:srgbClr val="2074B9"/>
+            </a:solidFill>
+            <a:ln>
+              <a:noFill/>
+            </a:ln>
+          </p:spPr>
+          <p:txBody>
+            <a:bodyPr anchorCtr="0" anchor="ctr" bIns="45700" lIns="91425" spcFirstLastPara="1" rIns="91425" wrap="square" tIns="45700">
+              <a:noAutofit/>
+            </a:bodyPr>
+            <a:lstStyle/>
+            <a:p>
+              <a:pPr indent="0" lvl="0" marL="0" marR="0" rtl="0" algn="ctr">
+                <a:lnSpc>
+                  <a:spcPct val="100000"/>
+                </a:lnSpc>
+                <a:spcBef>
+                  <a:spcPts val="0"/>
+                </a:spcBef>
+                <a:spcAft>
+                  <a:spcPts val="0"/>
+                </a:spcAft>
+                <a:buClr>
+                  <a:srgbClr val="000000"/>
+                </a:buClr>
+                <a:buSzPts val="1800"/>
+                <a:buFont typeface="Arial"/>
+                <a:buNone/>
+              </a:pPr>
+              <a:r>
+                <a:t/>
+              </a:r>
+              <a:endParaRPr b="0" i="0" sz="1800" u="none" cap="none" strike="noStrike">
+                <a:solidFill>
+                  <a:srgbClr val="FFFFFF"/>
+                </a:solidFill>
+                <a:latin typeface="Calibri"/>
+                <a:ea typeface="Calibri"/>
+                <a:cs typeface="Calibri"/>
+                <a:sym typeface="Calibri"/>
+              </a:endParaRPr>
+            </a:p>
+          </p:txBody>
+        </p:sp>
+        <p:sp>
+          <p:nvSpPr>
+            <p:cNvPr id="95" name="Google Shape;95;p16"/>
+            <p:cNvSpPr txBox="1"/>
+            <p:nvPr/>
+          </p:nvSpPr>
+          <p:spPr>
+            <a:xfrm>
+              <a:off x="784851" y="1659259"/>
+              <a:ext cx="111600" cy="246300"/>
+            </a:xfrm>
+            <a:prstGeom prst="rect">
+              <a:avLst/>
+            </a:prstGeom>
+            <a:noFill/>
+            <a:ln>
+              <a:noFill/>
+            </a:ln>
+          </p:spPr>
+          <p:txBody>
+            <a:bodyPr anchorCtr="0" anchor="t" bIns="0" lIns="0" spcFirstLastPara="1" rIns="0" wrap="square" tIns="0">
+              <a:noAutofit/>
+            </a:bodyPr>
+            <a:lstStyle/>
+            <a:p>
+              <a:pPr indent="0" lvl="0" marL="0" marR="0" rtl="0" algn="l">
+                <a:lnSpc>
+                  <a:spcPct val="100000"/>
+                </a:lnSpc>
+                <a:spcBef>
+                  <a:spcPts val="0"/>
+                </a:spcBef>
+                <a:spcAft>
+                  <a:spcPts val="0"/>
+                </a:spcAft>
+                <a:buClr>
+                  <a:srgbClr val="000000"/>
+                </a:buClr>
+                <a:buSzPts val="1600"/>
+                <a:buFont typeface="Arial"/>
+                <a:buNone/>
+              </a:pPr>
+              <a:r>
+                <a:rPr b="1" lang="en" sz="1600">
+                  <a:solidFill>
+                    <a:srgbClr val="FFFFFF"/>
+                  </a:solidFill>
+                  <a:latin typeface="Montserrat"/>
+                  <a:ea typeface="Montserrat"/>
+                  <a:cs typeface="Montserrat"/>
+                  <a:sym typeface="Montserrat"/>
+                </a:rPr>
+                <a:t>2</a:t>
+              </a:r>
+              <a:endParaRPr b="1" i="0" sz="1600" u="none" cap="none" strike="noStrike">
+                <a:solidFill>
+                  <a:srgbClr val="FFFFFF"/>
+                </a:solidFill>
+                <a:latin typeface="Montserrat"/>
+                <a:ea typeface="Montserrat"/>
+                <a:cs typeface="Montserrat"/>
+                <a:sym typeface="Montserrat"/>
+              </a:endParaRPr>
+            </a:p>
+          </p:txBody>
+        </p:sp>
+      </p:grpSp>
+      <p:grpSp>
+        <p:nvGrpSpPr>
+          <p:cNvPr id="96" name="Google Shape;96;p16"/>
+          <p:cNvGrpSpPr/>
+          <p:nvPr/>
+        </p:nvGrpSpPr>
+        <p:grpSpPr>
+          <a:xfrm>
+            <a:off x="457167" y="1429634"/>
+            <a:ext cx="2273393" cy="301434"/>
+            <a:chOff x="712693" y="1608034"/>
+            <a:chExt cx="1513779" cy="348600"/>
+          </a:xfrm>
+        </p:grpSpPr>
+        <p:sp>
+          <p:nvSpPr>
+            <p:cNvPr id="97" name="Google Shape;97;p16"/>
+            <p:cNvSpPr txBox="1"/>
+            <p:nvPr/>
+          </p:nvSpPr>
+          <p:spPr>
+            <a:xfrm>
+              <a:off x="1030372" y="1624269"/>
+              <a:ext cx="1196100" cy="246300"/>
+            </a:xfrm>
+            <a:prstGeom prst="rect">
+              <a:avLst/>
+            </a:prstGeom>
+            <a:noFill/>
+            <a:ln>
+              <a:noFill/>
+            </a:ln>
+          </p:spPr>
+          <p:txBody>
+            <a:bodyPr anchorCtr="0" anchor="t" bIns="0" lIns="0" spcFirstLastPara="1" rIns="0" wrap="square" tIns="0">
+              <a:noAutofit/>
+            </a:bodyPr>
+            <a:lstStyle/>
+            <a:p>
+              <a:pPr indent="0" lvl="0" marL="0" rtl="0" algn="l">
+                <a:lnSpc>
+                  <a:spcPct val="115000"/>
+                </a:lnSpc>
+                <a:spcBef>
+                  <a:spcPts val="0"/>
+                </a:spcBef>
+                <a:spcAft>
+                  <a:spcPts val="1600"/>
+                </a:spcAft>
+                <a:buNone/>
+              </a:pPr>
+              <a:r>
+                <a:rPr b="1" lang="en" sz="1800">
+                  <a:latin typeface="Roboto"/>
+                  <a:ea typeface="Roboto"/>
+                  <a:cs typeface="Roboto"/>
+                  <a:sym typeface="Roboto"/>
+                </a:rPr>
+                <a:t>Introduction</a:t>
+              </a:r>
+              <a:endParaRPr b="1" i="0" sz="1600" u="none" cap="none" strike="noStrike">
+                <a:latin typeface="Montserrat"/>
+                <a:ea typeface="Montserrat"/>
+                <a:cs typeface="Montserrat"/>
+                <a:sym typeface="Montserrat"/>
+              </a:endParaRPr>
+            </a:p>
+          </p:txBody>
+        </p:sp>
+        <p:sp>
+          <p:nvSpPr>
+            <p:cNvPr id="98" name="Google Shape;98;p16"/>
+            <p:cNvSpPr/>
+            <p:nvPr/>
+          </p:nvSpPr>
+          <p:spPr>
+            <a:xfrm>
+              <a:off x="712693" y="1608034"/>
+              <a:ext cx="183600" cy="348600"/>
+            </a:xfrm>
+            <a:prstGeom prst="rect">
+              <a:avLst/>
+            </a:prstGeom>
+            <a:solidFill>
+              <a:srgbClr val="2074B9"/>
+            </a:solidFill>
+            <a:ln>
+              <a:noFill/>
+            </a:ln>
+          </p:spPr>
+          <p:txBody>
+            <a:bodyPr anchorCtr="0" anchor="ctr" bIns="45700" lIns="91425" spcFirstLastPara="1" rIns="91425" wrap="square" tIns="45700">
+              <a:noAutofit/>
+            </a:bodyPr>
+            <a:lstStyle/>
+            <a:p>
+              <a:pPr indent="0" lvl="0" marL="0" marR="0" rtl="0" algn="ctr">
+                <a:lnSpc>
+                  <a:spcPct val="100000"/>
+                </a:lnSpc>
+                <a:spcBef>
+                  <a:spcPts val="0"/>
+                </a:spcBef>
+                <a:spcAft>
+                  <a:spcPts val="0"/>
+                </a:spcAft>
+                <a:buClr>
+                  <a:srgbClr val="000000"/>
+                </a:buClr>
+                <a:buSzPts val="1800"/>
+                <a:buFont typeface="Arial"/>
+                <a:buNone/>
+              </a:pPr>
+              <a:r>
+                <a:t/>
+              </a:r>
+              <a:endParaRPr b="0" i="0" sz="1800" u="none" cap="none" strike="noStrike">
+                <a:solidFill>
+                  <a:srgbClr val="FFFFFF"/>
+                </a:solidFill>
+                <a:latin typeface="Calibri"/>
+                <a:ea typeface="Calibri"/>
+                <a:cs typeface="Calibri"/>
+                <a:sym typeface="Calibri"/>
+              </a:endParaRPr>
+            </a:p>
+          </p:txBody>
+        </p:sp>
+        <p:sp>
+          <p:nvSpPr>
+            <p:cNvPr id="99" name="Google Shape;99;p16"/>
+            <p:cNvSpPr txBox="1"/>
+            <p:nvPr/>
+          </p:nvSpPr>
+          <p:spPr>
+            <a:xfrm>
+              <a:off x="784851" y="1659259"/>
+              <a:ext cx="111600" cy="246300"/>
+            </a:xfrm>
+            <a:prstGeom prst="rect">
+              <a:avLst/>
+            </a:prstGeom>
+            <a:noFill/>
+            <a:ln>
+              <a:noFill/>
+            </a:ln>
+          </p:spPr>
+          <p:txBody>
+            <a:bodyPr anchorCtr="0" anchor="t" bIns="0" lIns="0" spcFirstLastPara="1" rIns="0" wrap="square" tIns="0">
+              <a:noAutofit/>
+            </a:bodyPr>
+            <a:lstStyle/>
+            <a:p>
+              <a:pPr indent="0" lvl="0" marL="0" marR="0" rtl="0" algn="l">
+                <a:lnSpc>
+                  <a:spcPct val="100000"/>
+                </a:lnSpc>
+                <a:spcBef>
+                  <a:spcPts val="0"/>
+                </a:spcBef>
+                <a:spcAft>
+                  <a:spcPts val="0"/>
+                </a:spcAft>
+                <a:buClr>
+                  <a:srgbClr val="000000"/>
+                </a:buClr>
+                <a:buSzPts val="1600"/>
+                <a:buFont typeface="Arial"/>
+                <a:buNone/>
+              </a:pPr>
+              <a:r>
+                <a:rPr b="1" i="0" lang="en" sz="1600" u="none" cap="none" strike="noStrike">
+                  <a:solidFill>
+                    <a:srgbClr val="FFFFFF"/>
+                  </a:solidFill>
+                  <a:latin typeface="Montserrat"/>
+                  <a:ea typeface="Montserrat"/>
+                  <a:cs typeface="Montserrat"/>
+                  <a:sym typeface="Montserrat"/>
+                </a:rPr>
+                <a:t>1</a:t>
+              </a:r>
+              <a:endParaRPr b="1" i="0" sz="1600" u="none" cap="none" strike="noStrike">
+                <a:solidFill>
+                  <a:srgbClr val="FFFFFF"/>
+                </a:solidFill>
+                <a:latin typeface="Montserrat"/>
+                <a:ea typeface="Montserrat"/>
+                <a:cs typeface="Montserrat"/>
+                <a:sym typeface="Montserrat"/>
+              </a:endParaRPr>
+            </a:p>
+          </p:txBody>
+        </p:sp>
+      </p:grpSp>
+      <p:grpSp>
+        <p:nvGrpSpPr>
+          <p:cNvPr id="100" name="Google Shape;100;p16"/>
+          <p:cNvGrpSpPr/>
+          <p:nvPr/>
+        </p:nvGrpSpPr>
+        <p:grpSpPr>
+          <a:xfrm>
+            <a:off x="457167" y="2572634"/>
+            <a:ext cx="3848467" cy="301434"/>
+            <a:chOff x="712693" y="1608034"/>
+            <a:chExt cx="2562570" cy="348600"/>
+          </a:xfrm>
+        </p:grpSpPr>
+        <p:sp>
+          <p:nvSpPr>
+            <p:cNvPr id="101" name="Google Shape;101;p16"/>
+            <p:cNvSpPr txBox="1"/>
+            <p:nvPr/>
+          </p:nvSpPr>
+          <p:spPr>
+            <a:xfrm>
+              <a:off x="1030363" y="1624272"/>
+              <a:ext cx="2244900" cy="246300"/>
+            </a:xfrm>
+            <a:prstGeom prst="rect">
+              <a:avLst/>
+            </a:prstGeom>
+            <a:noFill/>
+            <a:ln>
+              <a:noFill/>
+            </a:ln>
+          </p:spPr>
+          <p:txBody>
+            <a:bodyPr anchorCtr="0" anchor="t" bIns="0" lIns="0" spcFirstLastPara="1" rIns="0" wrap="square" tIns="0">
+              <a:noAutofit/>
+            </a:bodyPr>
+            <a:lstStyle/>
+            <a:p>
+              <a:pPr indent="0" lvl="0" marL="0" rtl="0" algn="l">
+                <a:lnSpc>
+                  <a:spcPct val="115000"/>
+                </a:lnSpc>
+                <a:spcBef>
+                  <a:spcPts val="0"/>
+                </a:spcBef>
+                <a:spcAft>
+                  <a:spcPts val="0"/>
+                </a:spcAft>
+                <a:buNone/>
+              </a:pPr>
+              <a:r>
+                <a:rPr b="1" lang="en" sz="1800">
+                  <a:latin typeface="Roboto"/>
+                  <a:ea typeface="Roboto"/>
+                  <a:cs typeface="Roboto"/>
+                  <a:sym typeface="Roboto"/>
+                </a:rPr>
+                <a:t>Dealing with Overfitting</a:t>
+              </a:r>
+              <a:endParaRPr b="1" sz="1600">
+                <a:latin typeface="Montserrat"/>
+                <a:ea typeface="Montserrat"/>
+                <a:cs typeface="Montserrat"/>
+                <a:sym typeface="Montserrat"/>
+              </a:endParaRPr>
+            </a:p>
+            <a:p>
+              <a:pPr indent="0" lvl="0" marL="0" rtl="0" algn="l">
+                <a:spcBef>
+                  <a:spcPts val="1600"/>
+                </a:spcBef>
+                <a:spcAft>
+                  <a:spcPts val="0"/>
+                </a:spcAft>
+                <a:buClr>
+                  <a:srgbClr val="000000"/>
+                </a:buClr>
+                <a:buSzPts val="1600"/>
+                <a:buFont typeface="Arial"/>
+                <a:buNone/>
+              </a:pPr>
+              <a:r>
+                <a:t/>
+              </a:r>
+              <a:endParaRPr b="1" sz="1600">
+                <a:latin typeface="Montserrat"/>
+                <a:ea typeface="Montserrat"/>
+                <a:cs typeface="Montserrat"/>
+                <a:sym typeface="Montserrat"/>
+              </a:endParaRPr>
+            </a:p>
+            <a:p>
+              <a:pPr indent="0" lvl="0" marL="0" marR="0" rtl="0" algn="l">
+                <a:lnSpc>
+                  <a:spcPct val="100000"/>
+                </a:lnSpc>
+                <a:spcBef>
+                  <a:spcPts val="0"/>
+                </a:spcBef>
+                <a:spcAft>
+                  <a:spcPts val="0"/>
+                </a:spcAft>
+                <a:buClr>
+                  <a:srgbClr val="000000"/>
+                </a:buClr>
+                <a:buSzPts val="1600"/>
+                <a:buFont typeface="Arial"/>
+                <a:buNone/>
+              </a:pPr>
+              <a:r>
+                <a:t/>
+              </a:r>
+              <a:endParaRPr b="1" sz="1800">
+                <a:latin typeface="Roboto"/>
+                <a:ea typeface="Roboto"/>
+                <a:cs typeface="Roboto"/>
+                <a:sym typeface="Roboto"/>
+              </a:endParaRPr>
+            </a:p>
+          </p:txBody>
+        </p:sp>
+        <p:sp>
+          <p:nvSpPr>
+            <p:cNvPr id="102" name="Google Shape;102;p16"/>
+            <p:cNvSpPr/>
+            <p:nvPr/>
+          </p:nvSpPr>
+          <p:spPr>
+            <a:xfrm>
+              <a:off x="712693" y="1608034"/>
+              <a:ext cx="183600" cy="348600"/>
+            </a:xfrm>
+            <a:prstGeom prst="rect">
+              <a:avLst/>
+            </a:prstGeom>
+            <a:solidFill>
+              <a:srgbClr val="2074B9"/>
+            </a:solidFill>
+            <a:ln>
+              <a:noFill/>
+            </a:ln>
+          </p:spPr>
+          <p:txBody>
+            <a:bodyPr anchorCtr="0" anchor="ctr" bIns="45700" lIns="91425" spcFirstLastPara="1" rIns="91425" wrap="square" tIns="45700">
+              <a:noAutofit/>
+            </a:bodyPr>
+            <a:lstStyle/>
+            <a:p>
+              <a:pPr indent="0" lvl="0" marL="0" marR="0" rtl="0" algn="ctr">
+                <a:lnSpc>
+                  <a:spcPct val="100000"/>
+                </a:lnSpc>
+                <a:spcBef>
+                  <a:spcPts val="0"/>
+                </a:spcBef>
+                <a:spcAft>
+                  <a:spcPts val="0"/>
+                </a:spcAft>
+                <a:buClr>
+                  <a:srgbClr val="000000"/>
+                </a:buClr>
+                <a:buSzPts val="1800"/>
+                <a:buFont typeface="Arial"/>
+                <a:buNone/>
+              </a:pPr>
+              <a:r>
+                <a:t/>
+              </a:r>
+              <a:endParaRPr b="0" i="0" sz="1800" u="none" cap="none" strike="noStrike">
+                <a:solidFill>
+                  <a:srgbClr val="FFFFFF"/>
+                </a:solidFill>
+                <a:latin typeface="Calibri"/>
+                <a:ea typeface="Calibri"/>
+                <a:cs typeface="Calibri"/>
+                <a:sym typeface="Calibri"/>
+              </a:endParaRPr>
+            </a:p>
+          </p:txBody>
+        </p:sp>
+        <p:sp>
+          <p:nvSpPr>
+            <p:cNvPr id="103" name="Google Shape;103;p16"/>
+            <p:cNvSpPr txBox="1"/>
+            <p:nvPr/>
+          </p:nvSpPr>
+          <p:spPr>
+            <a:xfrm>
+              <a:off x="784851" y="1659259"/>
+              <a:ext cx="111600" cy="246300"/>
+            </a:xfrm>
+            <a:prstGeom prst="rect">
+              <a:avLst/>
+            </a:prstGeom>
+            <a:noFill/>
+            <a:ln>
+              <a:noFill/>
+            </a:ln>
+          </p:spPr>
+          <p:txBody>
+            <a:bodyPr anchorCtr="0" anchor="t" bIns="0" lIns="0" spcFirstLastPara="1" rIns="0" wrap="square" tIns="0">
+              <a:noAutofit/>
+            </a:bodyPr>
+            <a:lstStyle/>
+            <a:p>
+              <a:pPr indent="0" lvl="0" marL="0" marR="0" rtl="0" algn="l">
+                <a:lnSpc>
+                  <a:spcPct val="100000"/>
+                </a:lnSpc>
+                <a:spcBef>
+                  <a:spcPts val="0"/>
+                </a:spcBef>
+                <a:spcAft>
+                  <a:spcPts val="0"/>
+                </a:spcAft>
+                <a:buClr>
+                  <a:srgbClr val="000000"/>
+                </a:buClr>
+                <a:buSzPts val="1600"/>
+                <a:buFont typeface="Arial"/>
+                <a:buNone/>
+              </a:pPr>
+              <a:r>
+                <a:rPr b="1" lang="en" sz="1600">
+                  <a:solidFill>
+                    <a:srgbClr val="FFFFFF"/>
+                  </a:solidFill>
+                  <a:latin typeface="Montserrat"/>
+                  <a:ea typeface="Montserrat"/>
+                  <a:cs typeface="Montserrat"/>
+                  <a:sym typeface="Montserrat"/>
+                </a:rPr>
+                <a:t>4</a:t>
+              </a:r>
+              <a:endParaRPr b="1" i="0" sz="1600" u="none" cap="none" strike="noStrike">
+                <a:solidFill>
+                  <a:srgbClr val="FFFFFF"/>
+                </a:solidFill>
+                <a:latin typeface="Montserrat"/>
+                <a:ea typeface="Montserrat"/>
+                <a:cs typeface="Montserrat"/>
+                <a:sym typeface="Montserrat"/>
+              </a:endParaRPr>
+            </a:p>
+          </p:txBody>
+        </p:sp>
+      </p:grpSp>
+      <p:grpSp>
+        <p:nvGrpSpPr>
+          <p:cNvPr id="104" name="Google Shape;104;p16"/>
+          <p:cNvGrpSpPr/>
+          <p:nvPr/>
+        </p:nvGrpSpPr>
+        <p:grpSpPr>
+          <a:xfrm>
+            <a:off x="457167" y="2191634"/>
+            <a:ext cx="2508116" cy="301434"/>
+            <a:chOff x="712693" y="1608034"/>
+            <a:chExt cx="1670073" cy="348600"/>
+          </a:xfrm>
+        </p:grpSpPr>
+        <p:sp>
+          <p:nvSpPr>
+            <p:cNvPr id="105" name="Google Shape;105;p16"/>
+            <p:cNvSpPr txBox="1"/>
+            <p:nvPr/>
+          </p:nvSpPr>
+          <p:spPr>
+            <a:xfrm>
+              <a:off x="1030366" y="1624272"/>
+              <a:ext cx="1352400" cy="246300"/>
+            </a:xfrm>
+            <a:prstGeom prst="rect">
+              <a:avLst/>
+            </a:prstGeom>
+            <a:noFill/>
+            <a:ln>
+              <a:noFill/>
+            </a:ln>
+          </p:spPr>
+          <p:txBody>
+            <a:bodyPr anchorCtr="0" anchor="t" bIns="0" lIns="0" spcFirstLastPara="1" rIns="0" wrap="square" tIns="0">
+              <a:noAutofit/>
+            </a:bodyPr>
+            <a:lstStyle/>
+            <a:p>
+              <a:pPr indent="0" lvl="0" marL="0" rtl="0" algn="l">
+                <a:lnSpc>
+                  <a:spcPct val="115000"/>
+                </a:lnSpc>
+                <a:spcBef>
+                  <a:spcPts val="0"/>
+                </a:spcBef>
+                <a:spcAft>
+                  <a:spcPts val="1600"/>
+                </a:spcAft>
+                <a:buNone/>
+              </a:pPr>
+              <a:r>
+                <a:rPr b="1" lang="en" sz="1800">
+                  <a:latin typeface="Roboto"/>
+                  <a:ea typeface="Roboto"/>
+                  <a:cs typeface="Roboto"/>
+                  <a:sym typeface="Roboto"/>
+                </a:rPr>
+                <a:t>Feature Selection</a:t>
+              </a:r>
+              <a:endParaRPr b="1" i="0" sz="1600" u="none" cap="none" strike="noStrike">
+                <a:latin typeface="Montserrat"/>
+                <a:ea typeface="Montserrat"/>
+                <a:cs typeface="Montserrat"/>
+                <a:sym typeface="Montserrat"/>
+              </a:endParaRPr>
+            </a:p>
+          </p:txBody>
+        </p:sp>
+        <p:sp>
+          <p:nvSpPr>
+            <p:cNvPr id="106" name="Google Shape;106;p16"/>
+            <p:cNvSpPr/>
+            <p:nvPr/>
+          </p:nvSpPr>
+          <p:spPr>
+            <a:xfrm>
+              <a:off x="712693" y="1608034"/>
+              <a:ext cx="183600" cy="348600"/>
+            </a:xfrm>
+            <a:prstGeom prst="rect">
+              <a:avLst/>
+            </a:prstGeom>
+            <a:solidFill>
+              <a:srgbClr val="2074B9"/>
+            </a:solidFill>
+            <a:ln>
+              <a:noFill/>
+            </a:ln>
+          </p:spPr>
+          <p:txBody>
+            <a:bodyPr anchorCtr="0" anchor="ctr" bIns="45700" lIns="91425" spcFirstLastPara="1" rIns="91425" wrap="square" tIns="45700">
+              <a:noAutofit/>
+            </a:bodyPr>
+            <a:lstStyle/>
+            <a:p>
+              <a:pPr indent="0" lvl="0" marL="0" marR="0" rtl="0" algn="ctr">
+                <a:lnSpc>
+                  <a:spcPct val="100000"/>
+                </a:lnSpc>
+                <a:spcBef>
+                  <a:spcPts val="0"/>
+                </a:spcBef>
+                <a:spcAft>
+                  <a:spcPts val="0"/>
+                </a:spcAft>
+                <a:buClr>
+                  <a:srgbClr val="000000"/>
+                </a:buClr>
+                <a:buSzPts val="1800"/>
+                <a:buFont typeface="Arial"/>
+                <a:buNone/>
+              </a:pPr>
+              <a:r>
+                <a:t/>
+              </a:r>
+              <a:endParaRPr b="0" i="0" sz="1800" u="none" cap="none" strike="noStrike">
+                <a:solidFill>
+                  <a:srgbClr val="FFFFFF"/>
+                </a:solidFill>
+                <a:latin typeface="Calibri"/>
+                <a:ea typeface="Calibri"/>
+                <a:cs typeface="Calibri"/>
+                <a:sym typeface="Calibri"/>
+              </a:endParaRPr>
+            </a:p>
+          </p:txBody>
+        </p:sp>
+        <p:sp>
+          <p:nvSpPr>
+            <p:cNvPr id="107" name="Google Shape;107;p16"/>
+            <p:cNvSpPr txBox="1"/>
+            <p:nvPr/>
+          </p:nvSpPr>
+          <p:spPr>
+            <a:xfrm>
+              <a:off x="784851" y="1659259"/>
+              <a:ext cx="111600" cy="246300"/>
+            </a:xfrm>
+            <a:prstGeom prst="rect">
+              <a:avLst/>
+            </a:prstGeom>
+            <a:noFill/>
+            <a:ln>
+              <a:noFill/>
+            </a:ln>
+          </p:spPr>
+          <p:txBody>
+            <a:bodyPr anchorCtr="0" anchor="t" bIns="0" lIns="0" spcFirstLastPara="1" rIns="0" wrap="square" tIns="0">
+              <a:noAutofit/>
+            </a:bodyPr>
+            <a:lstStyle/>
+            <a:p>
+              <a:pPr indent="0" lvl="0" marL="0" marR="0" rtl="0" algn="l">
+                <a:lnSpc>
+                  <a:spcPct val="100000"/>
+                </a:lnSpc>
+                <a:spcBef>
+                  <a:spcPts val="0"/>
+                </a:spcBef>
+                <a:spcAft>
+                  <a:spcPts val="0"/>
+                </a:spcAft>
+                <a:buClr>
+                  <a:srgbClr val="000000"/>
+                </a:buClr>
+                <a:buSzPts val="1600"/>
+                <a:buFont typeface="Arial"/>
+                <a:buNone/>
+              </a:pPr>
+              <a:r>
+                <a:rPr b="1" lang="en" sz="1600">
+                  <a:solidFill>
+                    <a:srgbClr val="FFFFFF"/>
+                  </a:solidFill>
+                  <a:latin typeface="Montserrat"/>
+                  <a:ea typeface="Montserrat"/>
+                  <a:cs typeface="Montserrat"/>
+                  <a:sym typeface="Montserrat"/>
+                </a:rPr>
+                <a:t>3</a:t>
+              </a:r>
+              <a:endParaRPr b="1" i="0" sz="1600" u="none" cap="none" strike="noStrike">
+                <a:solidFill>
+                  <a:srgbClr val="FFFFFF"/>
+                </a:solidFill>
+                <a:latin typeface="Montserrat"/>
+                <a:ea typeface="Montserrat"/>
+                <a:cs typeface="Montserrat"/>
+                <a:sym typeface="Montserrat"/>
+              </a:endParaRPr>
+            </a:p>
+          </p:txBody>
+        </p:sp>
+      </p:grpSp>
+      <p:grpSp>
+        <p:nvGrpSpPr>
+          <p:cNvPr id="108" name="Google Shape;108;p16"/>
+          <p:cNvGrpSpPr/>
+          <p:nvPr/>
+        </p:nvGrpSpPr>
+        <p:grpSpPr>
+          <a:xfrm>
+            <a:off x="457167" y="2953634"/>
+            <a:ext cx="3233933" cy="301434"/>
+            <a:chOff x="712693" y="1608034"/>
+            <a:chExt cx="2153371" cy="348600"/>
+          </a:xfrm>
+        </p:grpSpPr>
+        <p:sp>
+          <p:nvSpPr>
+            <p:cNvPr id="109" name="Google Shape;109;p16"/>
+            <p:cNvSpPr txBox="1"/>
+            <p:nvPr/>
+          </p:nvSpPr>
+          <p:spPr>
+            <a:xfrm>
+              <a:off x="1030364" y="1624272"/>
+              <a:ext cx="1835700" cy="246300"/>
+            </a:xfrm>
+            <a:prstGeom prst="rect">
+              <a:avLst/>
+            </a:prstGeom>
+            <a:noFill/>
+            <a:ln>
+              <a:noFill/>
+            </a:ln>
+          </p:spPr>
+          <p:txBody>
+            <a:bodyPr anchorCtr="0" anchor="t" bIns="0" lIns="0" spcFirstLastPara="1" rIns="0" wrap="square" tIns="0">
+              <a:noAutofit/>
+            </a:bodyPr>
+            <a:lstStyle/>
+            <a:p>
+              <a:pPr indent="0" lvl="0" marL="0" rtl="0" algn="l">
+                <a:lnSpc>
+                  <a:spcPct val="115000"/>
+                </a:lnSpc>
+                <a:spcBef>
+                  <a:spcPts val="0"/>
+                </a:spcBef>
+                <a:spcAft>
+                  <a:spcPts val="0"/>
+                </a:spcAft>
+                <a:buNone/>
+              </a:pPr>
+              <a:r>
+                <a:rPr b="1" lang="en" sz="1800">
+                  <a:latin typeface="Roboto"/>
+                  <a:ea typeface="Roboto"/>
+                  <a:cs typeface="Roboto"/>
+                  <a:sym typeface="Roboto"/>
+                </a:rPr>
+                <a:t>Results and Discussion</a:t>
+              </a:r>
+              <a:endParaRPr b="1" sz="1600">
+                <a:latin typeface="Montserrat"/>
+                <a:ea typeface="Montserrat"/>
+                <a:cs typeface="Montserrat"/>
+                <a:sym typeface="Montserrat"/>
+              </a:endParaRPr>
+            </a:p>
+            <a:p>
+              <a:pPr indent="0" lvl="0" marL="0" marR="0" rtl="0" algn="l">
+                <a:lnSpc>
+                  <a:spcPct val="100000"/>
+                </a:lnSpc>
+                <a:spcBef>
+                  <a:spcPts val="1600"/>
+                </a:spcBef>
+                <a:spcAft>
+                  <a:spcPts val="0"/>
+                </a:spcAft>
+                <a:buClr>
+                  <a:srgbClr val="000000"/>
+                </a:buClr>
+                <a:buSzPts val="1600"/>
+                <a:buFont typeface="Arial"/>
+                <a:buNone/>
+              </a:pPr>
+              <a:r>
+                <a:t/>
+              </a:r>
+              <a:endParaRPr b="1" sz="1800">
+                <a:latin typeface="Roboto"/>
+                <a:ea typeface="Roboto"/>
+                <a:cs typeface="Roboto"/>
+                <a:sym typeface="Roboto"/>
+              </a:endParaRPr>
+            </a:p>
+          </p:txBody>
+        </p:sp>
+        <p:sp>
+          <p:nvSpPr>
+            <p:cNvPr id="110" name="Google Shape;110;p16"/>
+            <p:cNvSpPr/>
+            <p:nvPr/>
+          </p:nvSpPr>
+          <p:spPr>
+            <a:xfrm>
+              <a:off x="712693" y="1608034"/>
+              <a:ext cx="183600" cy="348600"/>
+            </a:xfrm>
+            <a:prstGeom prst="rect">
+              <a:avLst/>
+            </a:prstGeom>
+            <a:solidFill>
+              <a:srgbClr val="2074B9"/>
+            </a:solidFill>
+            <a:ln>
+              <a:noFill/>
+            </a:ln>
+          </p:spPr>
+          <p:txBody>
+            <a:bodyPr anchorCtr="0" anchor="ctr" bIns="45700" lIns="91425" spcFirstLastPara="1" rIns="91425" wrap="square" tIns="45700">
+              <a:noAutofit/>
+            </a:bodyPr>
+            <a:lstStyle/>
+            <a:p>
+              <a:pPr indent="0" lvl="0" marL="0" marR="0" rtl="0" algn="ctr">
+                <a:lnSpc>
+                  <a:spcPct val="100000"/>
+                </a:lnSpc>
+                <a:spcBef>
+                  <a:spcPts val="0"/>
+                </a:spcBef>
+                <a:spcAft>
+                  <a:spcPts val="0"/>
+                </a:spcAft>
+                <a:buClr>
+                  <a:srgbClr val="000000"/>
+                </a:buClr>
+                <a:buSzPts val="1800"/>
+                <a:buFont typeface="Arial"/>
+                <a:buNone/>
+              </a:pPr>
+              <a:r>
+                <a:t/>
+              </a:r>
+              <a:endParaRPr b="0" i="0" sz="1800" u="none" cap="none" strike="noStrike">
+                <a:solidFill>
+                  <a:srgbClr val="FFFFFF"/>
+                </a:solidFill>
+                <a:latin typeface="Calibri"/>
+                <a:ea typeface="Calibri"/>
+                <a:cs typeface="Calibri"/>
+                <a:sym typeface="Calibri"/>
+              </a:endParaRPr>
+            </a:p>
+          </p:txBody>
+        </p:sp>
+        <p:sp>
+          <p:nvSpPr>
+            <p:cNvPr id="111" name="Google Shape;111;p16"/>
+            <p:cNvSpPr txBox="1"/>
+            <p:nvPr/>
+          </p:nvSpPr>
+          <p:spPr>
+            <a:xfrm>
+              <a:off x="784851" y="1659259"/>
+              <a:ext cx="111600" cy="246300"/>
+            </a:xfrm>
+            <a:prstGeom prst="rect">
+              <a:avLst/>
+            </a:prstGeom>
+            <a:noFill/>
+            <a:ln>
+              <a:noFill/>
+            </a:ln>
+          </p:spPr>
+          <p:txBody>
+            <a:bodyPr anchorCtr="0" anchor="t" bIns="0" lIns="0" spcFirstLastPara="1" rIns="0" wrap="square" tIns="0">
+              <a:noAutofit/>
+            </a:bodyPr>
+            <a:lstStyle/>
+            <a:p>
+              <a:pPr indent="0" lvl="0" marL="0" marR="0" rtl="0" algn="l">
+                <a:lnSpc>
+                  <a:spcPct val="100000"/>
+                </a:lnSpc>
+                <a:spcBef>
+                  <a:spcPts val="0"/>
+                </a:spcBef>
+                <a:spcAft>
+                  <a:spcPts val="0"/>
+                </a:spcAft>
+                <a:buClr>
+                  <a:srgbClr val="000000"/>
+                </a:buClr>
+                <a:buSzPts val="1600"/>
+                <a:buFont typeface="Arial"/>
+                <a:buNone/>
+              </a:pPr>
+              <a:r>
+                <a:rPr b="1" lang="en" sz="1600">
+                  <a:solidFill>
+                    <a:srgbClr val="FFFFFF"/>
+                  </a:solidFill>
+                  <a:latin typeface="Montserrat"/>
+                  <a:ea typeface="Montserrat"/>
+                  <a:cs typeface="Montserrat"/>
+                  <a:sym typeface="Montserrat"/>
+                </a:rPr>
+                <a:t>5</a:t>
+              </a:r>
+              <a:endParaRPr b="1" i="0" sz="1600" u="none" cap="none" strike="noStrike">
+                <a:solidFill>
+                  <a:srgbClr val="FFFFFF"/>
+                </a:solidFill>
+                <a:latin typeface="Montserrat"/>
+                <a:ea typeface="Montserrat"/>
+                <a:cs typeface="Montserrat"/>
+                <a:sym typeface="Montserrat"/>
+              </a:endParaRPr>
+            </a:p>
+          </p:txBody>
+        </p:sp>
+      </p:grpSp>
+      <p:grpSp>
+        <p:nvGrpSpPr>
+          <p:cNvPr id="112" name="Google Shape;112;p16"/>
+          <p:cNvGrpSpPr/>
+          <p:nvPr/>
+        </p:nvGrpSpPr>
+        <p:grpSpPr>
+          <a:xfrm>
+            <a:off x="457167" y="3334634"/>
+            <a:ext cx="2931622" cy="301434"/>
+            <a:chOff x="712693" y="1608034"/>
+            <a:chExt cx="1952072" cy="348600"/>
+          </a:xfrm>
+        </p:grpSpPr>
+        <p:sp>
+          <p:nvSpPr>
+            <p:cNvPr id="113" name="Google Shape;113;p16"/>
+            <p:cNvSpPr txBox="1"/>
+            <p:nvPr/>
+          </p:nvSpPr>
+          <p:spPr>
+            <a:xfrm>
+              <a:off x="1030365" y="1624272"/>
+              <a:ext cx="1634400" cy="246300"/>
+            </a:xfrm>
+            <a:prstGeom prst="rect">
+              <a:avLst/>
+            </a:prstGeom>
+            <a:noFill/>
+            <a:ln>
+              <a:noFill/>
+            </a:ln>
+          </p:spPr>
+          <p:txBody>
+            <a:bodyPr anchorCtr="0" anchor="t" bIns="0" lIns="0" spcFirstLastPara="1" rIns="0" wrap="square" tIns="0">
+              <a:noAutofit/>
+            </a:bodyPr>
+            <a:lstStyle/>
+            <a:p>
+              <a:pPr indent="0" lvl="0" marL="0" rtl="0" algn="l">
+                <a:spcBef>
+                  <a:spcPts val="0"/>
+                </a:spcBef>
+                <a:spcAft>
+                  <a:spcPts val="0"/>
+                </a:spcAft>
+                <a:buClr>
+                  <a:srgbClr val="000000"/>
+                </a:buClr>
+                <a:buSzPts val="1600"/>
+                <a:buFont typeface="Arial"/>
+                <a:buNone/>
+              </a:pPr>
+              <a:r>
+                <a:rPr b="1" lang="en" sz="1800">
+                  <a:latin typeface="Roboto"/>
+                  <a:ea typeface="Roboto"/>
+                  <a:cs typeface="Roboto"/>
+                  <a:sym typeface="Roboto"/>
+                </a:rPr>
+                <a:t>Conclusion</a:t>
+              </a:r>
+              <a:endParaRPr b="1" sz="1600">
+                <a:latin typeface="Montserrat"/>
+                <a:ea typeface="Montserrat"/>
+                <a:cs typeface="Montserrat"/>
+                <a:sym typeface="Montserrat"/>
+              </a:endParaRPr>
+            </a:p>
+            <a:p>
+              <a:pPr indent="0" lvl="0" marL="0" rtl="0" algn="l">
+                <a:lnSpc>
+                  <a:spcPct val="115000"/>
+                </a:lnSpc>
+                <a:spcBef>
+                  <a:spcPts val="0"/>
+                </a:spcBef>
+                <a:spcAft>
+                  <a:spcPts val="1600"/>
+                </a:spcAft>
+                <a:buNone/>
+              </a:pPr>
+              <a:r>
+                <a:t/>
+              </a:r>
+              <a:endParaRPr b="1" sz="1800">
+                <a:latin typeface="Roboto"/>
+                <a:ea typeface="Roboto"/>
+                <a:cs typeface="Roboto"/>
+                <a:sym typeface="Roboto"/>
+              </a:endParaRPr>
+            </a:p>
+          </p:txBody>
+        </p:sp>
+        <p:sp>
+          <p:nvSpPr>
+            <p:cNvPr id="114" name="Google Shape;114;p16"/>
+            <p:cNvSpPr/>
+            <p:nvPr/>
+          </p:nvSpPr>
+          <p:spPr>
+            <a:xfrm>
+              <a:off x="712693" y="1608034"/>
+              <a:ext cx="183600" cy="348600"/>
+            </a:xfrm>
+            <a:prstGeom prst="rect">
+              <a:avLst/>
+            </a:prstGeom>
+            <a:solidFill>
+              <a:srgbClr val="2074B9"/>
+            </a:solidFill>
+            <a:ln>
+              <a:noFill/>
+            </a:ln>
+          </p:spPr>
+          <p:txBody>
+            <a:bodyPr anchorCtr="0" anchor="ctr" bIns="45700" lIns="91425" spcFirstLastPara="1" rIns="91425" wrap="square" tIns="45700">
+              <a:noAutofit/>
+            </a:bodyPr>
+            <a:lstStyle/>
+            <a:p>
+              <a:pPr indent="0" lvl="0" marL="0" marR="0" rtl="0" algn="ctr">
+                <a:lnSpc>
+                  <a:spcPct val="100000"/>
+                </a:lnSpc>
+                <a:spcBef>
+                  <a:spcPts val="0"/>
+                </a:spcBef>
+                <a:spcAft>
+                  <a:spcPts val="0"/>
+                </a:spcAft>
+                <a:buClr>
+                  <a:srgbClr val="000000"/>
+                </a:buClr>
+                <a:buSzPts val="1800"/>
+                <a:buFont typeface="Arial"/>
+                <a:buNone/>
+              </a:pPr>
+              <a:r>
+                <a:t/>
+              </a:r>
+              <a:endParaRPr b="0" i="0" sz="1800" u="none" cap="none" strike="noStrike">
+                <a:solidFill>
+                  <a:srgbClr val="FFFFFF"/>
+                </a:solidFill>
+                <a:latin typeface="Calibri"/>
+                <a:ea typeface="Calibri"/>
+                <a:cs typeface="Calibri"/>
+                <a:sym typeface="Calibri"/>
+              </a:endParaRPr>
+            </a:p>
+          </p:txBody>
+        </p:sp>
+        <p:sp>
+          <p:nvSpPr>
+            <p:cNvPr id="115" name="Google Shape;115;p16"/>
+            <p:cNvSpPr txBox="1"/>
+            <p:nvPr/>
+          </p:nvSpPr>
+          <p:spPr>
+            <a:xfrm>
+              <a:off x="784851" y="1659259"/>
+              <a:ext cx="111600" cy="246300"/>
+            </a:xfrm>
+            <a:prstGeom prst="rect">
+              <a:avLst/>
+            </a:prstGeom>
+            <a:noFill/>
+            <a:ln>
+              <a:noFill/>
+            </a:ln>
+          </p:spPr>
+          <p:txBody>
+            <a:bodyPr anchorCtr="0" anchor="t" bIns="0" lIns="0" spcFirstLastPara="1" rIns="0" wrap="square" tIns="0">
+              <a:noAutofit/>
+            </a:bodyPr>
+            <a:lstStyle/>
+            <a:p>
+              <a:pPr indent="0" lvl="0" marL="0" marR="0" rtl="0" algn="l">
+                <a:lnSpc>
+                  <a:spcPct val="100000"/>
+                </a:lnSpc>
+                <a:spcBef>
+                  <a:spcPts val="0"/>
+                </a:spcBef>
+                <a:spcAft>
+                  <a:spcPts val="0"/>
+                </a:spcAft>
+                <a:buClr>
+                  <a:srgbClr val="000000"/>
+                </a:buClr>
+                <a:buSzPts val="1600"/>
+                <a:buFont typeface="Arial"/>
+                <a:buNone/>
+              </a:pPr>
+              <a:r>
+                <a:rPr b="1" lang="en" sz="1600">
+                  <a:solidFill>
+                    <a:srgbClr val="FFFFFF"/>
+                  </a:solidFill>
+                  <a:latin typeface="Montserrat"/>
+                  <a:ea typeface="Montserrat"/>
+                  <a:cs typeface="Montserrat"/>
+                  <a:sym typeface="Montserrat"/>
+                </a:rPr>
+                <a:t>6</a:t>
+              </a:r>
+              <a:endParaRPr b="1" i="0" sz="1600" u="none" cap="none" strike="noStrike">
+                <a:solidFill>
+                  <a:srgbClr val="FFFFFF"/>
+                </a:solidFill>
+                <a:latin typeface="Montserrat"/>
+                <a:ea typeface="Montserrat"/>
+                <a:cs typeface="Montserrat"/>
+                <a:sym typeface="Montserrat"/>
+              </a:endParaRPr>
+            </a:p>
+          </p:txBody>
+        </p:sp>
+      </p:grpSp>
+      <p:sp>
+        <p:nvSpPr>
+          <p:cNvPr id="116" name="Google Shape;116;p16"/>
+          <p:cNvSpPr txBox="1"/>
+          <p:nvPr>
+            <p:ph idx="12" type="sldNum"/>
+          </p:nvPr>
+        </p:nvSpPr>
+        <p:spPr>
+          <a:xfrm>
+            <a:off x="8460431" y="4803590"/>
+            <a:ext cx="548700" cy="393600"/>
+          </a:xfrm>
+          <a:prstGeom prst="rect">
+            <a:avLst/>
+          </a:prstGeom>
+        </p:spPr>
+        <p:txBody>
+          <a:bodyPr anchorCtr="0" anchor="ctr" bIns="91425" lIns="91425" spcFirstLastPara="1" rIns="91425" wrap="square" tIns="91425">
+            <a:noAutofit/>
+          </a:bodyPr>
+          <a:lstStyle/>
+          <a:p>
+            <a:pPr indent="0" lvl="0" marL="0" rtl="0" algn="r">
+              <a:spcBef>
+                <a:spcPts val="0"/>
+              </a:spcBef>
+              <a:spcAft>
+                <a:spcPts val="0"/>
+              </a:spcAft>
+              <a:buNone/>
+            </a:pPr>
+            <a:fld id="{00000000-1234-1234-1234-123412341234}" type="slidenum">
+              <a:rPr lang="en"/>
+              <a:t>‹#›</a:t>
+            </a:fld>
+            <a:endParaRPr/>
+          </a:p>
+        </p:txBody>
+      </p:sp>
+    </p:spTree>
+  </p:cSld>
+  <p:clrMapOvr>
+    <a:masterClrMapping/>
+  </p:clrMapOvr>
+</p:sld>
+</file>
+
+<file path=ppt/slides/slide20.xml><?xml version="1.0" encoding="utf-8"?>
+<p:sld xmlns:a="http://schemas.openxmlformats.org/drawingml/2006/main" xmlns:r="http://schemas.openxmlformats.org/officeDocument/2006/relationships" xmlns:mc="http://schemas.openxmlformats.org/markup-compatibility/2006" xmlns:mv="urn:schemas-microsoft-com:mac:vml" xmlns:p="http://schemas.openxmlformats.org/presentationml/2006/main" xmlns:c="http://schemas.openxmlformats.org/drawingml/2006/chart" xmlns:dgm="http://schemas.openxmlformats.org/drawingml/2006/diagram" xmlns:o="urn:schemas-microsoft-com:office:office" xmlns:v="urn:schemas-microsoft-com:vml" xmlns:pvml="urn:schemas-microsoft-com:office:powerpoint" xmlns:com="http://schemas.openxmlformats.org/drawingml/2006/compatibility" xmlns:p14="http://schemas.microsoft.com/office/powerpoint/2010/main" xmlns:p15="http://schemas.microsoft.com/office/powerpoint/2012/main" xmlns:ahyp="http://schemas.microsoft.com/office/drawing/2018/hyperlinkcolor">
+  <p:cSld>
+    <p:spTree>
+      <p:nvGrpSpPr>
+        <p:cNvPr id="398" name="Shape 398"/>
         <p:cNvGrpSpPr/>
         <p:nvPr/>
       </p:nvGrpSpPr>
@@ -25614,7 +27645,7 @@
       </p:grpSpPr>
       <p:graphicFrame>
         <p:nvGraphicFramePr>
-          <p:cNvPr id="392" name="Google Shape;392;p33"/>
+          <p:cNvPr id="399" name="Google Shape;399;p34"/>
           <p:cNvGraphicFramePr/>
           <p:nvPr/>
         </p:nvGraphicFramePr>
@@ -25627,7 +27658,7 @@
             <a:tbl>
               <a:tblPr>
                 <a:noFill/>
-                <a:tableStyleId>{9E483F10-4186-4F37-9A7A-42602BA6B658}</a:tableStyleId>
+                <a:tableStyleId>{88DC93F5-E580-45B9-867B-4424B62B69A4}</a:tableStyleId>
               </a:tblPr>
               <a:tblGrid>
                 <a:gridCol w="1646775"/>
@@ -26729,7 +28760,7 @@
       </p:graphicFrame>
       <p:sp>
         <p:nvSpPr>
-          <p:cNvPr id="393" name="Google Shape;393;p33"/>
+          <p:cNvPr id="400" name="Google Shape;400;p34"/>
           <p:cNvSpPr txBox="1"/>
           <p:nvPr>
             <p:ph type="title"/>
@@ -26769,7 +28800,7 @@
       </p:sp>
       <p:sp>
         <p:nvSpPr>
-          <p:cNvPr id="394" name="Google Shape;394;p33"/>
+          <p:cNvPr id="401" name="Google Shape;401;p34"/>
           <p:cNvSpPr txBox="1"/>
           <p:nvPr>
             <p:ph idx="12" type="sldNum"/>
@@ -26809,7 +28840,7 @@
       </p:sp>
       <p:sp>
         <p:nvSpPr>
-          <p:cNvPr id="395" name="Google Shape;395;p33"/>
+          <p:cNvPr id="402" name="Google Shape;402;p34"/>
           <p:cNvSpPr txBox="1"/>
           <p:nvPr/>
         </p:nvSpPr>
@@ -29426,7 +31457,7 @@
                                           </p:stCondLst>
                                         </p:cTn>
                                         <p:tgtEl>
-                                          <p:spTgt spid="392"/>
+                                          <p:spTgt spid="399"/>
                                         </p:tgtEl>
                                         <p:attrNameLst>
                                           <p:attrName>style.visibility</p:attrName>
@@ -29440,7 +31471,7 @@
                                       <p:cBhvr>
                                         <p:cTn dur="1000"/>
                                         <p:tgtEl>
-                                          <p:spTgt spid="392"/>
+                                          <p:spTgt spid="399"/>
                                         </p:tgtEl>
                                       </p:cBhvr>
                                     </p:animEffect>
@@ -29479,7 +31510,7 @@
                                           </p:stCondLst>
                                         </p:cTn>
                                         <p:tgtEl>
-                                          <p:spTgt spid="395"/>
+                                          <p:spTgt spid="402"/>
                                         </p:tgtEl>
                                         <p:attrNameLst>
                                           <p:attrName>style.visibility</p:attrName>
@@ -29493,7 +31524,7 @@
                                       <p:cBhvr>
                                         <p:cTn dur="1000"/>
                                         <p:tgtEl>
-                                          <p:spTgt spid="395"/>
+                                          <p:spTgt spid="402"/>
                                         </p:tgtEl>
                                       </p:cBhvr>
                                     </p:animEffect>
@@ -29531,1421 +31562,12 @@
 </p:sld>
 </file>
 
-<file path=ppt/slides/slide2.xml><?xml version="1.0" encoding="utf-8"?>
+<file path=ppt/slides/slide21.xml><?xml version="1.0" encoding="utf-8"?>
 <p:sld xmlns:a="http://schemas.openxmlformats.org/drawingml/2006/main" xmlns:r="http://schemas.openxmlformats.org/officeDocument/2006/relationships" xmlns:mc="http://schemas.openxmlformats.org/markup-compatibility/2006" xmlns:mv="urn:schemas-microsoft-com:mac:vml" xmlns:p="http://schemas.openxmlformats.org/presentationml/2006/main" xmlns:c="http://schemas.openxmlformats.org/drawingml/2006/chart" xmlns:dgm="http://schemas.openxmlformats.org/drawingml/2006/diagram" xmlns:o="urn:schemas-microsoft-com:office:office" xmlns:v="urn:schemas-microsoft-com:vml" xmlns:pvml="urn:schemas-microsoft-com:office:powerpoint" xmlns:com="http://schemas.openxmlformats.org/drawingml/2006/compatibility" xmlns:p14="http://schemas.microsoft.com/office/powerpoint/2010/main" xmlns:p15="http://schemas.microsoft.com/office/powerpoint/2012/main" xmlns:ahyp="http://schemas.microsoft.com/office/drawing/2018/hyperlinkcolor">
   <p:cSld>
     <p:spTree>
       <p:nvGrpSpPr>
-        <p:cNvPr id="90" name="Shape 90"/>
-        <p:cNvGrpSpPr/>
-        <p:nvPr/>
-      </p:nvGrpSpPr>
-      <p:grpSpPr>
-        <a:xfrm>
-          <a:off x="0" y="0"/>
-          <a:ext cx="0" cy="0"/>
-          <a:chOff x="0" y="0"/>
-          <a:chExt cx="0" cy="0"/>
-        </a:xfrm>
-      </p:grpSpPr>
-      <p:sp>
-        <p:nvSpPr>
-          <p:cNvPr id="91" name="Google Shape;91;p16"/>
-          <p:cNvSpPr txBox="1"/>
-          <p:nvPr>
-            <p:ph type="title"/>
-          </p:nvPr>
-        </p:nvSpPr>
-        <p:spPr>
-          <a:xfrm>
-            <a:off x="311700" y="410000"/>
-            <a:ext cx="8520600" cy="607800"/>
-          </a:xfrm>
-          <a:prstGeom prst="rect">
-            <a:avLst/>
-          </a:prstGeom>
-        </p:spPr>
-        <p:txBody>
-          <a:bodyPr anchorCtr="0" anchor="t" bIns="91425" lIns="91425" spcFirstLastPara="1" rIns="91425" wrap="square" tIns="91425">
-            <a:noAutofit/>
-          </a:bodyPr>
-          <a:lstStyle/>
-          <a:p>
-            <a:pPr indent="0" lvl="0" marL="0" rtl="0" algn="l">
-              <a:spcBef>
-                <a:spcPts val="0"/>
-              </a:spcBef>
-              <a:spcAft>
-                <a:spcPts val="0"/>
-              </a:spcAft>
-              <a:buNone/>
-            </a:pPr>
-            <a:r>
-              <a:rPr lang="en"/>
-              <a:t>Overview</a:t>
-            </a:r>
-            <a:endParaRPr/>
-          </a:p>
-        </p:txBody>
-      </p:sp>
-      <p:grpSp>
-        <p:nvGrpSpPr>
-          <p:cNvPr id="92" name="Google Shape;92;p16"/>
-          <p:cNvGrpSpPr/>
-          <p:nvPr/>
-        </p:nvGrpSpPr>
-        <p:grpSpPr>
-          <a:xfrm>
-            <a:off x="457167" y="1810634"/>
-            <a:ext cx="2273393" cy="301434"/>
-            <a:chOff x="712693" y="1608034"/>
-            <a:chExt cx="1513779" cy="348600"/>
-          </a:xfrm>
-        </p:grpSpPr>
-        <p:sp>
-          <p:nvSpPr>
-            <p:cNvPr id="93" name="Google Shape;93;p16"/>
-            <p:cNvSpPr txBox="1"/>
-            <p:nvPr/>
-          </p:nvSpPr>
-          <p:spPr>
-            <a:xfrm>
-              <a:off x="1030372" y="1624269"/>
-              <a:ext cx="1196100" cy="246300"/>
-            </a:xfrm>
-            <a:prstGeom prst="rect">
-              <a:avLst/>
-            </a:prstGeom>
-            <a:noFill/>
-            <a:ln>
-              <a:noFill/>
-            </a:ln>
-          </p:spPr>
-          <p:txBody>
-            <a:bodyPr anchorCtr="0" anchor="t" bIns="0" lIns="0" spcFirstLastPara="1" rIns="0" wrap="square" tIns="0">
-              <a:noAutofit/>
-            </a:bodyPr>
-            <a:lstStyle/>
-            <a:p>
-              <a:pPr indent="0" lvl="0" marL="0" rtl="0" algn="l">
-                <a:lnSpc>
-                  <a:spcPct val="115000"/>
-                </a:lnSpc>
-                <a:spcBef>
-                  <a:spcPts val="0"/>
-                </a:spcBef>
-                <a:spcAft>
-                  <a:spcPts val="0"/>
-                </a:spcAft>
-                <a:buNone/>
-              </a:pPr>
-              <a:r>
-                <a:rPr b="1" lang="en" sz="1800">
-                  <a:latin typeface="Roboto"/>
-                  <a:ea typeface="Roboto"/>
-                  <a:cs typeface="Roboto"/>
-                  <a:sym typeface="Roboto"/>
-                </a:rPr>
-                <a:t>Data Analysis</a:t>
-              </a:r>
-              <a:endParaRPr b="1" i="0" sz="1600" u="none" cap="none" strike="noStrike">
-                <a:latin typeface="Montserrat"/>
-                <a:ea typeface="Montserrat"/>
-                <a:cs typeface="Montserrat"/>
-                <a:sym typeface="Montserrat"/>
-              </a:endParaRPr>
-            </a:p>
-            <a:p>
-              <a:pPr indent="0" lvl="0" marL="0" marR="0" rtl="0" algn="l">
-                <a:lnSpc>
-                  <a:spcPct val="100000"/>
-                </a:lnSpc>
-                <a:spcBef>
-                  <a:spcPts val="1600"/>
-                </a:spcBef>
-                <a:spcAft>
-                  <a:spcPts val="0"/>
-                </a:spcAft>
-                <a:buClr>
-                  <a:srgbClr val="000000"/>
-                </a:buClr>
-                <a:buSzPts val="1600"/>
-                <a:buFont typeface="Arial"/>
-                <a:buNone/>
-              </a:pPr>
-              <a:r>
-                <a:t/>
-              </a:r>
-              <a:endParaRPr b="1" i="0" sz="1600" u="none" cap="none" strike="noStrike">
-                <a:latin typeface="Montserrat"/>
-                <a:ea typeface="Montserrat"/>
-                <a:cs typeface="Montserrat"/>
-                <a:sym typeface="Montserrat"/>
-              </a:endParaRPr>
-            </a:p>
-          </p:txBody>
-        </p:sp>
-        <p:sp>
-          <p:nvSpPr>
-            <p:cNvPr id="94" name="Google Shape;94;p16"/>
-            <p:cNvSpPr/>
-            <p:nvPr/>
-          </p:nvSpPr>
-          <p:spPr>
-            <a:xfrm>
-              <a:off x="712693" y="1608034"/>
-              <a:ext cx="183600" cy="348600"/>
-            </a:xfrm>
-            <a:prstGeom prst="rect">
-              <a:avLst/>
-            </a:prstGeom>
-            <a:solidFill>
-              <a:srgbClr val="2074B9"/>
-            </a:solidFill>
-            <a:ln>
-              <a:noFill/>
-            </a:ln>
-          </p:spPr>
-          <p:txBody>
-            <a:bodyPr anchorCtr="0" anchor="ctr" bIns="45700" lIns="91425" spcFirstLastPara="1" rIns="91425" wrap="square" tIns="45700">
-              <a:noAutofit/>
-            </a:bodyPr>
-            <a:lstStyle/>
-            <a:p>
-              <a:pPr indent="0" lvl="0" marL="0" marR="0" rtl="0" algn="ctr">
-                <a:lnSpc>
-                  <a:spcPct val="100000"/>
-                </a:lnSpc>
-                <a:spcBef>
-                  <a:spcPts val="0"/>
-                </a:spcBef>
-                <a:spcAft>
-                  <a:spcPts val="0"/>
-                </a:spcAft>
-                <a:buClr>
-                  <a:srgbClr val="000000"/>
-                </a:buClr>
-                <a:buSzPts val="1800"/>
-                <a:buFont typeface="Arial"/>
-                <a:buNone/>
-              </a:pPr>
-              <a:r>
-                <a:t/>
-              </a:r>
-              <a:endParaRPr b="0" i="0" sz="1800" u="none" cap="none" strike="noStrike">
-                <a:solidFill>
-                  <a:srgbClr val="FFFFFF"/>
-                </a:solidFill>
-                <a:latin typeface="Calibri"/>
-                <a:ea typeface="Calibri"/>
-                <a:cs typeface="Calibri"/>
-                <a:sym typeface="Calibri"/>
-              </a:endParaRPr>
-            </a:p>
-          </p:txBody>
-        </p:sp>
-        <p:sp>
-          <p:nvSpPr>
-            <p:cNvPr id="95" name="Google Shape;95;p16"/>
-            <p:cNvSpPr txBox="1"/>
-            <p:nvPr/>
-          </p:nvSpPr>
-          <p:spPr>
-            <a:xfrm>
-              <a:off x="784851" y="1659259"/>
-              <a:ext cx="111600" cy="246300"/>
-            </a:xfrm>
-            <a:prstGeom prst="rect">
-              <a:avLst/>
-            </a:prstGeom>
-            <a:noFill/>
-            <a:ln>
-              <a:noFill/>
-            </a:ln>
-          </p:spPr>
-          <p:txBody>
-            <a:bodyPr anchorCtr="0" anchor="t" bIns="0" lIns="0" spcFirstLastPara="1" rIns="0" wrap="square" tIns="0">
-              <a:noAutofit/>
-            </a:bodyPr>
-            <a:lstStyle/>
-            <a:p>
-              <a:pPr indent="0" lvl="0" marL="0" marR="0" rtl="0" algn="l">
-                <a:lnSpc>
-                  <a:spcPct val="100000"/>
-                </a:lnSpc>
-                <a:spcBef>
-                  <a:spcPts val="0"/>
-                </a:spcBef>
-                <a:spcAft>
-                  <a:spcPts val="0"/>
-                </a:spcAft>
-                <a:buClr>
-                  <a:srgbClr val="000000"/>
-                </a:buClr>
-                <a:buSzPts val="1600"/>
-                <a:buFont typeface="Arial"/>
-                <a:buNone/>
-              </a:pPr>
-              <a:r>
-                <a:rPr b="1" lang="en" sz="1600">
-                  <a:solidFill>
-                    <a:srgbClr val="FFFFFF"/>
-                  </a:solidFill>
-                  <a:latin typeface="Montserrat"/>
-                  <a:ea typeface="Montserrat"/>
-                  <a:cs typeface="Montserrat"/>
-                  <a:sym typeface="Montserrat"/>
-                </a:rPr>
-                <a:t>2</a:t>
-              </a:r>
-              <a:endParaRPr b="1" i="0" sz="1600" u="none" cap="none" strike="noStrike">
-                <a:solidFill>
-                  <a:srgbClr val="FFFFFF"/>
-                </a:solidFill>
-                <a:latin typeface="Montserrat"/>
-                <a:ea typeface="Montserrat"/>
-                <a:cs typeface="Montserrat"/>
-                <a:sym typeface="Montserrat"/>
-              </a:endParaRPr>
-            </a:p>
-          </p:txBody>
-        </p:sp>
-      </p:grpSp>
-      <p:grpSp>
-        <p:nvGrpSpPr>
-          <p:cNvPr id="96" name="Google Shape;96;p16"/>
-          <p:cNvGrpSpPr/>
-          <p:nvPr/>
-        </p:nvGrpSpPr>
-        <p:grpSpPr>
-          <a:xfrm>
-            <a:off x="457167" y="1429634"/>
-            <a:ext cx="2273393" cy="301434"/>
-            <a:chOff x="712693" y="1608034"/>
-            <a:chExt cx="1513779" cy="348600"/>
-          </a:xfrm>
-        </p:grpSpPr>
-        <p:sp>
-          <p:nvSpPr>
-            <p:cNvPr id="97" name="Google Shape;97;p16"/>
-            <p:cNvSpPr txBox="1"/>
-            <p:nvPr/>
-          </p:nvSpPr>
-          <p:spPr>
-            <a:xfrm>
-              <a:off x="1030372" y="1624269"/>
-              <a:ext cx="1196100" cy="246300"/>
-            </a:xfrm>
-            <a:prstGeom prst="rect">
-              <a:avLst/>
-            </a:prstGeom>
-            <a:noFill/>
-            <a:ln>
-              <a:noFill/>
-            </a:ln>
-          </p:spPr>
-          <p:txBody>
-            <a:bodyPr anchorCtr="0" anchor="t" bIns="0" lIns="0" spcFirstLastPara="1" rIns="0" wrap="square" tIns="0">
-              <a:noAutofit/>
-            </a:bodyPr>
-            <a:lstStyle/>
-            <a:p>
-              <a:pPr indent="0" lvl="0" marL="0" rtl="0" algn="l">
-                <a:lnSpc>
-                  <a:spcPct val="115000"/>
-                </a:lnSpc>
-                <a:spcBef>
-                  <a:spcPts val="0"/>
-                </a:spcBef>
-                <a:spcAft>
-                  <a:spcPts val="1600"/>
-                </a:spcAft>
-                <a:buNone/>
-              </a:pPr>
-              <a:r>
-                <a:rPr b="1" lang="en" sz="1800">
-                  <a:latin typeface="Roboto"/>
-                  <a:ea typeface="Roboto"/>
-                  <a:cs typeface="Roboto"/>
-                  <a:sym typeface="Roboto"/>
-                </a:rPr>
-                <a:t>Introduction</a:t>
-              </a:r>
-              <a:endParaRPr b="1" i="0" sz="1600" u="none" cap="none" strike="noStrike">
-                <a:latin typeface="Montserrat"/>
-                <a:ea typeface="Montserrat"/>
-                <a:cs typeface="Montserrat"/>
-                <a:sym typeface="Montserrat"/>
-              </a:endParaRPr>
-            </a:p>
-          </p:txBody>
-        </p:sp>
-        <p:sp>
-          <p:nvSpPr>
-            <p:cNvPr id="98" name="Google Shape;98;p16"/>
-            <p:cNvSpPr/>
-            <p:nvPr/>
-          </p:nvSpPr>
-          <p:spPr>
-            <a:xfrm>
-              <a:off x="712693" y="1608034"/>
-              <a:ext cx="183600" cy="348600"/>
-            </a:xfrm>
-            <a:prstGeom prst="rect">
-              <a:avLst/>
-            </a:prstGeom>
-            <a:solidFill>
-              <a:srgbClr val="2074B9"/>
-            </a:solidFill>
-            <a:ln>
-              <a:noFill/>
-            </a:ln>
-          </p:spPr>
-          <p:txBody>
-            <a:bodyPr anchorCtr="0" anchor="ctr" bIns="45700" lIns="91425" spcFirstLastPara="1" rIns="91425" wrap="square" tIns="45700">
-              <a:noAutofit/>
-            </a:bodyPr>
-            <a:lstStyle/>
-            <a:p>
-              <a:pPr indent="0" lvl="0" marL="0" marR="0" rtl="0" algn="ctr">
-                <a:lnSpc>
-                  <a:spcPct val="100000"/>
-                </a:lnSpc>
-                <a:spcBef>
-                  <a:spcPts val="0"/>
-                </a:spcBef>
-                <a:spcAft>
-                  <a:spcPts val="0"/>
-                </a:spcAft>
-                <a:buClr>
-                  <a:srgbClr val="000000"/>
-                </a:buClr>
-                <a:buSzPts val="1800"/>
-                <a:buFont typeface="Arial"/>
-                <a:buNone/>
-              </a:pPr>
-              <a:r>
-                <a:t/>
-              </a:r>
-              <a:endParaRPr b="0" i="0" sz="1800" u="none" cap="none" strike="noStrike">
-                <a:solidFill>
-                  <a:srgbClr val="FFFFFF"/>
-                </a:solidFill>
-                <a:latin typeface="Calibri"/>
-                <a:ea typeface="Calibri"/>
-                <a:cs typeface="Calibri"/>
-                <a:sym typeface="Calibri"/>
-              </a:endParaRPr>
-            </a:p>
-          </p:txBody>
-        </p:sp>
-        <p:sp>
-          <p:nvSpPr>
-            <p:cNvPr id="99" name="Google Shape;99;p16"/>
-            <p:cNvSpPr txBox="1"/>
-            <p:nvPr/>
-          </p:nvSpPr>
-          <p:spPr>
-            <a:xfrm>
-              <a:off x="784851" y="1659259"/>
-              <a:ext cx="111600" cy="246300"/>
-            </a:xfrm>
-            <a:prstGeom prst="rect">
-              <a:avLst/>
-            </a:prstGeom>
-            <a:noFill/>
-            <a:ln>
-              <a:noFill/>
-            </a:ln>
-          </p:spPr>
-          <p:txBody>
-            <a:bodyPr anchorCtr="0" anchor="t" bIns="0" lIns="0" spcFirstLastPara="1" rIns="0" wrap="square" tIns="0">
-              <a:noAutofit/>
-            </a:bodyPr>
-            <a:lstStyle/>
-            <a:p>
-              <a:pPr indent="0" lvl="0" marL="0" marR="0" rtl="0" algn="l">
-                <a:lnSpc>
-                  <a:spcPct val="100000"/>
-                </a:lnSpc>
-                <a:spcBef>
-                  <a:spcPts val="0"/>
-                </a:spcBef>
-                <a:spcAft>
-                  <a:spcPts val="0"/>
-                </a:spcAft>
-                <a:buClr>
-                  <a:srgbClr val="000000"/>
-                </a:buClr>
-                <a:buSzPts val="1600"/>
-                <a:buFont typeface="Arial"/>
-                <a:buNone/>
-              </a:pPr>
-              <a:r>
-                <a:rPr b="1" i="0" lang="en" sz="1600" u="none" cap="none" strike="noStrike">
-                  <a:solidFill>
-                    <a:srgbClr val="FFFFFF"/>
-                  </a:solidFill>
-                  <a:latin typeface="Montserrat"/>
-                  <a:ea typeface="Montserrat"/>
-                  <a:cs typeface="Montserrat"/>
-                  <a:sym typeface="Montserrat"/>
-                </a:rPr>
-                <a:t>1</a:t>
-              </a:r>
-              <a:endParaRPr b="1" i="0" sz="1600" u="none" cap="none" strike="noStrike">
-                <a:solidFill>
-                  <a:srgbClr val="FFFFFF"/>
-                </a:solidFill>
-                <a:latin typeface="Montserrat"/>
-                <a:ea typeface="Montserrat"/>
-                <a:cs typeface="Montserrat"/>
-                <a:sym typeface="Montserrat"/>
-              </a:endParaRPr>
-            </a:p>
-          </p:txBody>
-        </p:sp>
-      </p:grpSp>
-      <p:grpSp>
-        <p:nvGrpSpPr>
-          <p:cNvPr id="100" name="Google Shape;100;p16"/>
-          <p:cNvGrpSpPr/>
-          <p:nvPr/>
-        </p:nvGrpSpPr>
-        <p:grpSpPr>
-          <a:xfrm>
-            <a:off x="457167" y="2572634"/>
-            <a:ext cx="3848467" cy="301434"/>
-            <a:chOff x="712693" y="1608034"/>
-            <a:chExt cx="2562570" cy="348600"/>
-          </a:xfrm>
-        </p:grpSpPr>
-        <p:sp>
-          <p:nvSpPr>
-            <p:cNvPr id="101" name="Google Shape;101;p16"/>
-            <p:cNvSpPr txBox="1"/>
-            <p:nvPr/>
-          </p:nvSpPr>
-          <p:spPr>
-            <a:xfrm>
-              <a:off x="1030363" y="1624272"/>
-              <a:ext cx="2244900" cy="246300"/>
-            </a:xfrm>
-            <a:prstGeom prst="rect">
-              <a:avLst/>
-            </a:prstGeom>
-            <a:noFill/>
-            <a:ln>
-              <a:noFill/>
-            </a:ln>
-          </p:spPr>
-          <p:txBody>
-            <a:bodyPr anchorCtr="0" anchor="t" bIns="0" lIns="0" spcFirstLastPara="1" rIns="0" wrap="square" tIns="0">
-              <a:noAutofit/>
-            </a:bodyPr>
-            <a:lstStyle/>
-            <a:p>
-              <a:pPr indent="0" lvl="0" marL="0" rtl="0" algn="l">
-                <a:lnSpc>
-                  <a:spcPct val="115000"/>
-                </a:lnSpc>
-                <a:spcBef>
-                  <a:spcPts val="0"/>
-                </a:spcBef>
-                <a:spcAft>
-                  <a:spcPts val="0"/>
-                </a:spcAft>
-                <a:buNone/>
-              </a:pPr>
-              <a:r>
-                <a:rPr b="1" lang="en" sz="1800">
-                  <a:latin typeface="Roboto"/>
-                  <a:ea typeface="Roboto"/>
-                  <a:cs typeface="Roboto"/>
-                  <a:sym typeface="Roboto"/>
-                </a:rPr>
-                <a:t>Dealing with Overfitting</a:t>
-              </a:r>
-              <a:endParaRPr b="1" sz="1600">
-                <a:latin typeface="Montserrat"/>
-                <a:ea typeface="Montserrat"/>
-                <a:cs typeface="Montserrat"/>
-                <a:sym typeface="Montserrat"/>
-              </a:endParaRPr>
-            </a:p>
-            <a:p>
-              <a:pPr indent="0" lvl="0" marL="0" rtl="0" algn="l">
-                <a:spcBef>
-                  <a:spcPts val="1600"/>
-                </a:spcBef>
-                <a:spcAft>
-                  <a:spcPts val="0"/>
-                </a:spcAft>
-                <a:buClr>
-                  <a:srgbClr val="000000"/>
-                </a:buClr>
-                <a:buSzPts val="1600"/>
-                <a:buFont typeface="Arial"/>
-                <a:buNone/>
-              </a:pPr>
-              <a:r>
-                <a:t/>
-              </a:r>
-              <a:endParaRPr b="1" sz="1600">
-                <a:latin typeface="Montserrat"/>
-                <a:ea typeface="Montserrat"/>
-                <a:cs typeface="Montserrat"/>
-                <a:sym typeface="Montserrat"/>
-              </a:endParaRPr>
-            </a:p>
-            <a:p>
-              <a:pPr indent="0" lvl="0" marL="0" marR="0" rtl="0" algn="l">
-                <a:lnSpc>
-                  <a:spcPct val="100000"/>
-                </a:lnSpc>
-                <a:spcBef>
-                  <a:spcPts val="0"/>
-                </a:spcBef>
-                <a:spcAft>
-                  <a:spcPts val="0"/>
-                </a:spcAft>
-                <a:buClr>
-                  <a:srgbClr val="000000"/>
-                </a:buClr>
-                <a:buSzPts val="1600"/>
-                <a:buFont typeface="Arial"/>
-                <a:buNone/>
-              </a:pPr>
-              <a:r>
-                <a:t/>
-              </a:r>
-              <a:endParaRPr b="1" sz="1800">
-                <a:latin typeface="Roboto"/>
-                <a:ea typeface="Roboto"/>
-                <a:cs typeface="Roboto"/>
-                <a:sym typeface="Roboto"/>
-              </a:endParaRPr>
-            </a:p>
-          </p:txBody>
-        </p:sp>
-        <p:sp>
-          <p:nvSpPr>
-            <p:cNvPr id="102" name="Google Shape;102;p16"/>
-            <p:cNvSpPr/>
-            <p:nvPr/>
-          </p:nvSpPr>
-          <p:spPr>
-            <a:xfrm>
-              <a:off x="712693" y="1608034"/>
-              <a:ext cx="183600" cy="348600"/>
-            </a:xfrm>
-            <a:prstGeom prst="rect">
-              <a:avLst/>
-            </a:prstGeom>
-            <a:solidFill>
-              <a:srgbClr val="2074B9"/>
-            </a:solidFill>
-            <a:ln>
-              <a:noFill/>
-            </a:ln>
-          </p:spPr>
-          <p:txBody>
-            <a:bodyPr anchorCtr="0" anchor="ctr" bIns="45700" lIns="91425" spcFirstLastPara="1" rIns="91425" wrap="square" tIns="45700">
-              <a:noAutofit/>
-            </a:bodyPr>
-            <a:lstStyle/>
-            <a:p>
-              <a:pPr indent="0" lvl="0" marL="0" marR="0" rtl="0" algn="ctr">
-                <a:lnSpc>
-                  <a:spcPct val="100000"/>
-                </a:lnSpc>
-                <a:spcBef>
-                  <a:spcPts val="0"/>
-                </a:spcBef>
-                <a:spcAft>
-                  <a:spcPts val="0"/>
-                </a:spcAft>
-                <a:buClr>
-                  <a:srgbClr val="000000"/>
-                </a:buClr>
-                <a:buSzPts val="1800"/>
-                <a:buFont typeface="Arial"/>
-                <a:buNone/>
-              </a:pPr>
-              <a:r>
-                <a:t/>
-              </a:r>
-              <a:endParaRPr b="0" i="0" sz="1800" u="none" cap="none" strike="noStrike">
-                <a:solidFill>
-                  <a:srgbClr val="FFFFFF"/>
-                </a:solidFill>
-                <a:latin typeface="Calibri"/>
-                <a:ea typeface="Calibri"/>
-                <a:cs typeface="Calibri"/>
-                <a:sym typeface="Calibri"/>
-              </a:endParaRPr>
-            </a:p>
-          </p:txBody>
-        </p:sp>
-        <p:sp>
-          <p:nvSpPr>
-            <p:cNvPr id="103" name="Google Shape;103;p16"/>
-            <p:cNvSpPr txBox="1"/>
-            <p:nvPr/>
-          </p:nvSpPr>
-          <p:spPr>
-            <a:xfrm>
-              <a:off x="784851" y="1659259"/>
-              <a:ext cx="111600" cy="246300"/>
-            </a:xfrm>
-            <a:prstGeom prst="rect">
-              <a:avLst/>
-            </a:prstGeom>
-            <a:noFill/>
-            <a:ln>
-              <a:noFill/>
-            </a:ln>
-          </p:spPr>
-          <p:txBody>
-            <a:bodyPr anchorCtr="0" anchor="t" bIns="0" lIns="0" spcFirstLastPara="1" rIns="0" wrap="square" tIns="0">
-              <a:noAutofit/>
-            </a:bodyPr>
-            <a:lstStyle/>
-            <a:p>
-              <a:pPr indent="0" lvl="0" marL="0" marR="0" rtl="0" algn="l">
-                <a:lnSpc>
-                  <a:spcPct val="100000"/>
-                </a:lnSpc>
-                <a:spcBef>
-                  <a:spcPts val="0"/>
-                </a:spcBef>
-                <a:spcAft>
-                  <a:spcPts val="0"/>
-                </a:spcAft>
-                <a:buClr>
-                  <a:srgbClr val="000000"/>
-                </a:buClr>
-                <a:buSzPts val="1600"/>
-                <a:buFont typeface="Arial"/>
-                <a:buNone/>
-              </a:pPr>
-              <a:r>
-                <a:rPr b="1" lang="en" sz="1600">
-                  <a:solidFill>
-                    <a:srgbClr val="FFFFFF"/>
-                  </a:solidFill>
-                  <a:latin typeface="Montserrat"/>
-                  <a:ea typeface="Montserrat"/>
-                  <a:cs typeface="Montserrat"/>
-                  <a:sym typeface="Montserrat"/>
-                </a:rPr>
-                <a:t>4</a:t>
-              </a:r>
-              <a:endParaRPr b="1" i="0" sz="1600" u="none" cap="none" strike="noStrike">
-                <a:solidFill>
-                  <a:srgbClr val="FFFFFF"/>
-                </a:solidFill>
-                <a:latin typeface="Montserrat"/>
-                <a:ea typeface="Montserrat"/>
-                <a:cs typeface="Montserrat"/>
-                <a:sym typeface="Montserrat"/>
-              </a:endParaRPr>
-            </a:p>
-          </p:txBody>
-        </p:sp>
-      </p:grpSp>
-      <p:grpSp>
-        <p:nvGrpSpPr>
-          <p:cNvPr id="104" name="Google Shape;104;p16"/>
-          <p:cNvGrpSpPr/>
-          <p:nvPr/>
-        </p:nvGrpSpPr>
-        <p:grpSpPr>
-          <a:xfrm>
-            <a:off x="457167" y="2191634"/>
-            <a:ext cx="2508116" cy="301434"/>
-            <a:chOff x="712693" y="1608034"/>
-            <a:chExt cx="1670073" cy="348600"/>
-          </a:xfrm>
-        </p:grpSpPr>
-        <p:sp>
-          <p:nvSpPr>
-            <p:cNvPr id="105" name="Google Shape;105;p16"/>
-            <p:cNvSpPr txBox="1"/>
-            <p:nvPr/>
-          </p:nvSpPr>
-          <p:spPr>
-            <a:xfrm>
-              <a:off x="1030366" y="1624272"/>
-              <a:ext cx="1352400" cy="246300"/>
-            </a:xfrm>
-            <a:prstGeom prst="rect">
-              <a:avLst/>
-            </a:prstGeom>
-            <a:noFill/>
-            <a:ln>
-              <a:noFill/>
-            </a:ln>
-          </p:spPr>
-          <p:txBody>
-            <a:bodyPr anchorCtr="0" anchor="t" bIns="0" lIns="0" spcFirstLastPara="1" rIns="0" wrap="square" tIns="0">
-              <a:noAutofit/>
-            </a:bodyPr>
-            <a:lstStyle/>
-            <a:p>
-              <a:pPr indent="0" lvl="0" marL="0" rtl="0" algn="l">
-                <a:lnSpc>
-                  <a:spcPct val="115000"/>
-                </a:lnSpc>
-                <a:spcBef>
-                  <a:spcPts val="0"/>
-                </a:spcBef>
-                <a:spcAft>
-                  <a:spcPts val="1600"/>
-                </a:spcAft>
-                <a:buNone/>
-              </a:pPr>
-              <a:r>
-                <a:rPr b="1" lang="en" sz="1800">
-                  <a:latin typeface="Roboto"/>
-                  <a:ea typeface="Roboto"/>
-                  <a:cs typeface="Roboto"/>
-                  <a:sym typeface="Roboto"/>
-                </a:rPr>
-                <a:t>Feature Selection</a:t>
-              </a:r>
-              <a:endParaRPr b="1" i="0" sz="1600" u="none" cap="none" strike="noStrike">
-                <a:latin typeface="Montserrat"/>
-                <a:ea typeface="Montserrat"/>
-                <a:cs typeface="Montserrat"/>
-                <a:sym typeface="Montserrat"/>
-              </a:endParaRPr>
-            </a:p>
-          </p:txBody>
-        </p:sp>
-        <p:sp>
-          <p:nvSpPr>
-            <p:cNvPr id="106" name="Google Shape;106;p16"/>
-            <p:cNvSpPr/>
-            <p:nvPr/>
-          </p:nvSpPr>
-          <p:spPr>
-            <a:xfrm>
-              <a:off x="712693" y="1608034"/>
-              <a:ext cx="183600" cy="348600"/>
-            </a:xfrm>
-            <a:prstGeom prst="rect">
-              <a:avLst/>
-            </a:prstGeom>
-            <a:solidFill>
-              <a:srgbClr val="2074B9"/>
-            </a:solidFill>
-            <a:ln>
-              <a:noFill/>
-            </a:ln>
-          </p:spPr>
-          <p:txBody>
-            <a:bodyPr anchorCtr="0" anchor="ctr" bIns="45700" lIns="91425" spcFirstLastPara="1" rIns="91425" wrap="square" tIns="45700">
-              <a:noAutofit/>
-            </a:bodyPr>
-            <a:lstStyle/>
-            <a:p>
-              <a:pPr indent="0" lvl="0" marL="0" marR="0" rtl="0" algn="ctr">
-                <a:lnSpc>
-                  <a:spcPct val="100000"/>
-                </a:lnSpc>
-                <a:spcBef>
-                  <a:spcPts val="0"/>
-                </a:spcBef>
-                <a:spcAft>
-                  <a:spcPts val="0"/>
-                </a:spcAft>
-                <a:buClr>
-                  <a:srgbClr val="000000"/>
-                </a:buClr>
-                <a:buSzPts val="1800"/>
-                <a:buFont typeface="Arial"/>
-                <a:buNone/>
-              </a:pPr>
-              <a:r>
-                <a:t/>
-              </a:r>
-              <a:endParaRPr b="0" i="0" sz="1800" u="none" cap="none" strike="noStrike">
-                <a:solidFill>
-                  <a:srgbClr val="FFFFFF"/>
-                </a:solidFill>
-                <a:latin typeface="Calibri"/>
-                <a:ea typeface="Calibri"/>
-                <a:cs typeface="Calibri"/>
-                <a:sym typeface="Calibri"/>
-              </a:endParaRPr>
-            </a:p>
-          </p:txBody>
-        </p:sp>
-        <p:sp>
-          <p:nvSpPr>
-            <p:cNvPr id="107" name="Google Shape;107;p16"/>
-            <p:cNvSpPr txBox="1"/>
-            <p:nvPr/>
-          </p:nvSpPr>
-          <p:spPr>
-            <a:xfrm>
-              <a:off x="784851" y="1659259"/>
-              <a:ext cx="111600" cy="246300"/>
-            </a:xfrm>
-            <a:prstGeom prst="rect">
-              <a:avLst/>
-            </a:prstGeom>
-            <a:noFill/>
-            <a:ln>
-              <a:noFill/>
-            </a:ln>
-          </p:spPr>
-          <p:txBody>
-            <a:bodyPr anchorCtr="0" anchor="t" bIns="0" lIns="0" spcFirstLastPara="1" rIns="0" wrap="square" tIns="0">
-              <a:noAutofit/>
-            </a:bodyPr>
-            <a:lstStyle/>
-            <a:p>
-              <a:pPr indent="0" lvl="0" marL="0" marR="0" rtl="0" algn="l">
-                <a:lnSpc>
-                  <a:spcPct val="100000"/>
-                </a:lnSpc>
-                <a:spcBef>
-                  <a:spcPts val="0"/>
-                </a:spcBef>
-                <a:spcAft>
-                  <a:spcPts val="0"/>
-                </a:spcAft>
-                <a:buClr>
-                  <a:srgbClr val="000000"/>
-                </a:buClr>
-                <a:buSzPts val="1600"/>
-                <a:buFont typeface="Arial"/>
-                <a:buNone/>
-              </a:pPr>
-              <a:r>
-                <a:rPr b="1" lang="en" sz="1600">
-                  <a:solidFill>
-                    <a:srgbClr val="FFFFFF"/>
-                  </a:solidFill>
-                  <a:latin typeface="Montserrat"/>
-                  <a:ea typeface="Montserrat"/>
-                  <a:cs typeface="Montserrat"/>
-                  <a:sym typeface="Montserrat"/>
-                </a:rPr>
-                <a:t>3</a:t>
-              </a:r>
-              <a:endParaRPr b="1" i="0" sz="1600" u="none" cap="none" strike="noStrike">
-                <a:solidFill>
-                  <a:srgbClr val="FFFFFF"/>
-                </a:solidFill>
-                <a:latin typeface="Montserrat"/>
-                <a:ea typeface="Montserrat"/>
-                <a:cs typeface="Montserrat"/>
-                <a:sym typeface="Montserrat"/>
-              </a:endParaRPr>
-            </a:p>
-          </p:txBody>
-        </p:sp>
-      </p:grpSp>
-      <p:grpSp>
-        <p:nvGrpSpPr>
-          <p:cNvPr id="108" name="Google Shape;108;p16"/>
-          <p:cNvGrpSpPr/>
-          <p:nvPr/>
-        </p:nvGrpSpPr>
-        <p:grpSpPr>
-          <a:xfrm>
-            <a:off x="457167" y="2953634"/>
-            <a:ext cx="3233933" cy="301434"/>
-            <a:chOff x="712693" y="1608034"/>
-            <a:chExt cx="2153371" cy="348600"/>
-          </a:xfrm>
-        </p:grpSpPr>
-        <p:sp>
-          <p:nvSpPr>
-            <p:cNvPr id="109" name="Google Shape;109;p16"/>
-            <p:cNvSpPr txBox="1"/>
-            <p:nvPr/>
-          </p:nvSpPr>
-          <p:spPr>
-            <a:xfrm>
-              <a:off x="1030364" y="1624272"/>
-              <a:ext cx="1835700" cy="246300"/>
-            </a:xfrm>
-            <a:prstGeom prst="rect">
-              <a:avLst/>
-            </a:prstGeom>
-            <a:noFill/>
-            <a:ln>
-              <a:noFill/>
-            </a:ln>
-          </p:spPr>
-          <p:txBody>
-            <a:bodyPr anchorCtr="0" anchor="t" bIns="0" lIns="0" spcFirstLastPara="1" rIns="0" wrap="square" tIns="0">
-              <a:noAutofit/>
-            </a:bodyPr>
-            <a:lstStyle/>
-            <a:p>
-              <a:pPr indent="0" lvl="0" marL="0" rtl="0" algn="l">
-                <a:lnSpc>
-                  <a:spcPct val="115000"/>
-                </a:lnSpc>
-                <a:spcBef>
-                  <a:spcPts val="0"/>
-                </a:spcBef>
-                <a:spcAft>
-                  <a:spcPts val="0"/>
-                </a:spcAft>
-                <a:buNone/>
-              </a:pPr>
-              <a:r>
-                <a:rPr b="1" lang="en" sz="1800">
-                  <a:latin typeface="Roboto"/>
-                  <a:ea typeface="Roboto"/>
-                  <a:cs typeface="Roboto"/>
-                  <a:sym typeface="Roboto"/>
-                </a:rPr>
-                <a:t>Results and Discussion</a:t>
-              </a:r>
-              <a:endParaRPr b="1" sz="1600">
-                <a:latin typeface="Montserrat"/>
-                <a:ea typeface="Montserrat"/>
-                <a:cs typeface="Montserrat"/>
-                <a:sym typeface="Montserrat"/>
-              </a:endParaRPr>
-            </a:p>
-            <a:p>
-              <a:pPr indent="0" lvl="0" marL="0" marR="0" rtl="0" algn="l">
-                <a:lnSpc>
-                  <a:spcPct val="100000"/>
-                </a:lnSpc>
-                <a:spcBef>
-                  <a:spcPts val="1600"/>
-                </a:spcBef>
-                <a:spcAft>
-                  <a:spcPts val="0"/>
-                </a:spcAft>
-                <a:buClr>
-                  <a:srgbClr val="000000"/>
-                </a:buClr>
-                <a:buSzPts val="1600"/>
-                <a:buFont typeface="Arial"/>
-                <a:buNone/>
-              </a:pPr>
-              <a:r>
-                <a:t/>
-              </a:r>
-              <a:endParaRPr b="1" sz="1800">
-                <a:latin typeface="Roboto"/>
-                <a:ea typeface="Roboto"/>
-                <a:cs typeface="Roboto"/>
-                <a:sym typeface="Roboto"/>
-              </a:endParaRPr>
-            </a:p>
-          </p:txBody>
-        </p:sp>
-        <p:sp>
-          <p:nvSpPr>
-            <p:cNvPr id="110" name="Google Shape;110;p16"/>
-            <p:cNvSpPr/>
-            <p:nvPr/>
-          </p:nvSpPr>
-          <p:spPr>
-            <a:xfrm>
-              <a:off x="712693" y="1608034"/>
-              <a:ext cx="183600" cy="348600"/>
-            </a:xfrm>
-            <a:prstGeom prst="rect">
-              <a:avLst/>
-            </a:prstGeom>
-            <a:solidFill>
-              <a:srgbClr val="2074B9"/>
-            </a:solidFill>
-            <a:ln>
-              <a:noFill/>
-            </a:ln>
-          </p:spPr>
-          <p:txBody>
-            <a:bodyPr anchorCtr="0" anchor="ctr" bIns="45700" lIns="91425" spcFirstLastPara="1" rIns="91425" wrap="square" tIns="45700">
-              <a:noAutofit/>
-            </a:bodyPr>
-            <a:lstStyle/>
-            <a:p>
-              <a:pPr indent="0" lvl="0" marL="0" marR="0" rtl="0" algn="ctr">
-                <a:lnSpc>
-                  <a:spcPct val="100000"/>
-                </a:lnSpc>
-                <a:spcBef>
-                  <a:spcPts val="0"/>
-                </a:spcBef>
-                <a:spcAft>
-                  <a:spcPts val="0"/>
-                </a:spcAft>
-                <a:buClr>
-                  <a:srgbClr val="000000"/>
-                </a:buClr>
-                <a:buSzPts val="1800"/>
-                <a:buFont typeface="Arial"/>
-                <a:buNone/>
-              </a:pPr>
-              <a:r>
-                <a:t/>
-              </a:r>
-              <a:endParaRPr b="0" i="0" sz="1800" u="none" cap="none" strike="noStrike">
-                <a:solidFill>
-                  <a:srgbClr val="FFFFFF"/>
-                </a:solidFill>
-                <a:latin typeface="Calibri"/>
-                <a:ea typeface="Calibri"/>
-                <a:cs typeface="Calibri"/>
-                <a:sym typeface="Calibri"/>
-              </a:endParaRPr>
-            </a:p>
-          </p:txBody>
-        </p:sp>
-        <p:sp>
-          <p:nvSpPr>
-            <p:cNvPr id="111" name="Google Shape;111;p16"/>
-            <p:cNvSpPr txBox="1"/>
-            <p:nvPr/>
-          </p:nvSpPr>
-          <p:spPr>
-            <a:xfrm>
-              <a:off x="784851" y="1659259"/>
-              <a:ext cx="111600" cy="246300"/>
-            </a:xfrm>
-            <a:prstGeom prst="rect">
-              <a:avLst/>
-            </a:prstGeom>
-            <a:noFill/>
-            <a:ln>
-              <a:noFill/>
-            </a:ln>
-          </p:spPr>
-          <p:txBody>
-            <a:bodyPr anchorCtr="0" anchor="t" bIns="0" lIns="0" spcFirstLastPara="1" rIns="0" wrap="square" tIns="0">
-              <a:noAutofit/>
-            </a:bodyPr>
-            <a:lstStyle/>
-            <a:p>
-              <a:pPr indent="0" lvl="0" marL="0" marR="0" rtl="0" algn="l">
-                <a:lnSpc>
-                  <a:spcPct val="100000"/>
-                </a:lnSpc>
-                <a:spcBef>
-                  <a:spcPts val="0"/>
-                </a:spcBef>
-                <a:spcAft>
-                  <a:spcPts val="0"/>
-                </a:spcAft>
-                <a:buClr>
-                  <a:srgbClr val="000000"/>
-                </a:buClr>
-                <a:buSzPts val="1600"/>
-                <a:buFont typeface="Arial"/>
-                <a:buNone/>
-              </a:pPr>
-              <a:r>
-                <a:rPr b="1" lang="en" sz="1600">
-                  <a:solidFill>
-                    <a:srgbClr val="FFFFFF"/>
-                  </a:solidFill>
-                  <a:latin typeface="Montserrat"/>
-                  <a:ea typeface="Montserrat"/>
-                  <a:cs typeface="Montserrat"/>
-                  <a:sym typeface="Montserrat"/>
-                </a:rPr>
-                <a:t>5</a:t>
-              </a:r>
-              <a:endParaRPr b="1" i="0" sz="1600" u="none" cap="none" strike="noStrike">
-                <a:solidFill>
-                  <a:srgbClr val="FFFFFF"/>
-                </a:solidFill>
-                <a:latin typeface="Montserrat"/>
-                <a:ea typeface="Montserrat"/>
-                <a:cs typeface="Montserrat"/>
-                <a:sym typeface="Montserrat"/>
-              </a:endParaRPr>
-            </a:p>
-          </p:txBody>
-        </p:sp>
-      </p:grpSp>
-      <p:grpSp>
-        <p:nvGrpSpPr>
-          <p:cNvPr id="112" name="Google Shape;112;p16"/>
-          <p:cNvGrpSpPr/>
-          <p:nvPr/>
-        </p:nvGrpSpPr>
-        <p:grpSpPr>
-          <a:xfrm>
-            <a:off x="457167" y="3334634"/>
-            <a:ext cx="2931622" cy="301434"/>
-            <a:chOff x="712693" y="1608034"/>
-            <a:chExt cx="1952072" cy="348600"/>
-          </a:xfrm>
-        </p:grpSpPr>
-        <p:sp>
-          <p:nvSpPr>
-            <p:cNvPr id="113" name="Google Shape;113;p16"/>
-            <p:cNvSpPr txBox="1"/>
-            <p:nvPr/>
-          </p:nvSpPr>
-          <p:spPr>
-            <a:xfrm>
-              <a:off x="1030365" y="1624272"/>
-              <a:ext cx="1634400" cy="246300"/>
-            </a:xfrm>
-            <a:prstGeom prst="rect">
-              <a:avLst/>
-            </a:prstGeom>
-            <a:noFill/>
-            <a:ln>
-              <a:noFill/>
-            </a:ln>
-          </p:spPr>
-          <p:txBody>
-            <a:bodyPr anchorCtr="0" anchor="t" bIns="0" lIns="0" spcFirstLastPara="1" rIns="0" wrap="square" tIns="0">
-              <a:noAutofit/>
-            </a:bodyPr>
-            <a:lstStyle/>
-            <a:p>
-              <a:pPr indent="0" lvl="0" marL="0" rtl="0" algn="l">
-                <a:spcBef>
-                  <a:spcPts val="0"/>
-                </a:spcBef>
-                <a:spcAft>
-                  <a:spcPts val="0"/>
-                </a:spcAft>
-                <a:buClr>
-                  <a:srgbClr val="000000"/>
-                </a:buClr>
-                <a:buSzPts val="1600"/>
-                <a:buFont typeface="Arial"/>
-                <a:buNone/>
-              </a:pPr>
-              <a:r>
-                <a:rPr b="1" lang="en" sz="1800">
-                  <a:latin typeface="Roboto"/>
-                  <a:ea typeface="Roboto"/>
-                  <a:cs typeface="Roboto"/>
-                  <a:sym typeface="Roboto"/>
-                </a:rPr>
-                <a:t>Conclusion</a:t>
-              </a:r>
-              <a:endParaRPr b="1" sz="1600">
-                <a:latin typeface="Montserrat"/>
-                <a:ea typeface="Montserrat"/>
-                <a:cs typeface="Montserrat"/>
-                <a:sym typeface="Montserrat"/>
-              </a:endParaRPr>
-            </a:p>
-            <a:p>
-              <a:pPr indent="0" lvl="0" marL="0" rtl="0" algn="l">
-                <a:lnSpc>
-                  <a:spcPct val="115000"/>
-                </a:lnSpc>
-                <a:spcBef>
-                  <a:spcPts val="0"/>
-                </a:spcBef>
-                <a:spcAft>
-                  <a:spcPts val="1600"/>
-                </a:spcAft>
-                <a:buNone/>
-              </a:pPr>
-              <a:r>
-                <a:t/>
-              </a:r>
-              <a:endParaRPr b="1" sz="1800">
-                <a:latin typeface="Roboto"/>
-                <a:ea typeface="Roboto"/>
-                <a:cs typeface="Roboto"/>
-                <a:sym typeface="Roboto"/>
-              </a:endParaRPr>
-            </a:p>
-          </p:txBody>
-        </p:sp>
-        <p:sp>
-          <p:nvSpPr>
-            <p:cNvPr id="114" name="Google Shape;114;p16"/>
-            <p:cNvSpPr/>
-            <p:nvPr/>
-          </p:nvSpPr>
-          <p:spPr>
-            <a:xfrm>
-              <a:off x="712693" y="1608034"/>
-              <a:ext cx="183600" cy="348600"/>
-            </a:xfrm>
-            <a:prstGeom prst="rect">
-              <a:avLst/>
-            </a:prstGeom>
-            <a:solidFill>
-              <a:srgbClr val="2074B9"/>
-            </a:solidFill>
-            <a:ln>
-              <a:noFill/>
-            </a:ln>
-          </p:spPr>
-          <p:txBody>
-            <a:bodyPr anchorCtr="0" anchor="ctr" bIns="45700" lIns="91425" spcFirstLastPara="1" rIns="91425" wrap="square" tIns="45700">
-              <a:noAutofit/>
-            </a:bodyPr>
-            <a:lstStyle/>
-            <a:p>
-              <a:pPr indent="0" lvl="0" marL="0" marR="0" rtl="0" algn="ctr">
-                <a:lnSpc>
-                  <a:spcPct val="100000"/>
-                </a:lnSpc>
-                <a:spcBef>
-                  <a:spcPts val="0"/>
-                </a:spcBef>
-                <a:spcAft>
-                  <a:spcPts val="0"/>
-                </a:spcAft>
-                <a:buClr>
-                  <a:srgbClr val="000000"/>
-                </a:buClr>
-                <a:buSzPts val="1800"/>
-                <a:buFont typeface="Arial"/>
-                <a:buNone/>
-              </a:pPr>
-              <a:r>
-                <a:t/>
-              </a:r>
-              <a:endParaRPr b="0" i="0" sz="1800" u="none" cap="none" strike="noStrike">
-                <a:solidFill>
-                  <a:srgbClr val="FFFFFF"/>
-                </a:solidFill>
-                <a:latin typeface="Calibri"/>
-                <a:ea typeface="Calibri"/>
-                <a:cs typeface="Calibri"/>
-                <a:sym typeface="Calibri"/>
-              </a:endParaRPr>
-            </a:p>
-          </p:txBody>
-        </p:sp>
-        <p:sp>
-          <p:nvSpPr>
-            <p:cNvPr id="115" name="Google Shape;115;p16"/>
-            <p:cNvSpPr txBox="1"/>
-            <p:nvPr/>
-          </p:nvSpPr>
-          <p:spPr>
-            <a:xfrm>
-              <a:off x="784851" y="1659259"/>
-              <a:ext cx="111600" cy="246300"/>
-            </a:xfrm>
-            <a:prstGeom prst="rect">
-              <a:avLst/>
-            </a:prstGeom>
-            <a:noFill/>
-            <a:ln>
-              <a:noFill/>
-            </a:ln>
-          </p:spPr>
-          <p:txBody>
-            <a:bodyPr anchorCtr="0" anchor="t" bIns="0" lIns="0" spcFirstLastPara="1" rIns="0" wrap="square" tIns="0">
-              <a:noAutofit/>
-            </a:bodyPr>
-            <a:lstStyle/>
-            <a:p>
-              <a:pPr indent="0" lvl="0" marL="0" marR="0" rtl="0" algn="l">
-                <a:lnSpc>
-                  <a:spcPct val="100000"/>
-                </a:lnSpc>
-                <a:spcBef>
-                  <a:spcPts val="0"/>
-                </a:spcBef>
-                <a:spcAft>
-                  <a:spcPts val="0"/>
-                </a:spcAft>
-                <a:buClr>
-                  <a:srgbClr val="000000"/>
-                </a:buClr>
-                <a:buSzPts val="1600"/>
-                <a:buFont typeface="Arial"/>
-                <a:buNone/>
-              </a:pPr>
-              <a:r>
-                <a:rPr b="1" lang="en" sz="1600">
-                  <a:solidFill>
-                    <a:srgbClr val="FFFFFF"/>
-                  </a:solidFill>
-                  <a:latin typeface="Montserrat"/>
-                  <a:ea typeface="Montserrat"/>
-                  <a:cs typeface="Montserrat"/>
-                  <a:sym typeface="Montserrat"/>
-                </a:rPr>
-                <a:t>6</a:t>
-              </a:r>
-              <a:endParaRPr b="1" i="0" sz="1600" u="none" cap="none" strike="noStrike">
-                <a:solidFill>
-                  <a:srgbClr val="FFFFFF"/>
-                </a:solidFill>
-                <a:latin typeface="Montserrat"/>
-                <a:ea typeface="Montserrat"/>
-                <a:cs typeface="Montserrat"/>
-                <a:sym typeface="Montserrat"/>
-              </a:endParaRPr>
-            </a:p>
-          </p:txBody>
-        </p:sp>
-      </p:grpSp>
-      <p:sp>
-        <p:nvSpPr>
-          <p:cNvPr id="116" name="Google Shape;116;p16"/>
-          <p:cNvSpPr txBox="1"/>
-          <p:nvPr>
-            <p:ph idx="12" type="sldNum"/>
-          </p:nvPr>
-        </p:nvSpPr>
-        <p:spPr>
-          <a:xfrm>
-            <a:off x="8460431" y="4803590"/>
-            <a:ext cx="548700" cy="393600"/>
-          </a:xfrm>
-          <a:prstGeom prst="rect">
-            <a:avLst/>
-          </a:prstGeom>
-        </p:spPr>
-        <p:txBody>
-          <a:bodyPr anchorCtr="0" anchor="ctr" bIns="91425" lIns="91425" spcFirstLastPara="1" rIns="91425" wrap="square" tIns="91425">
-            <a:noAutofit/>
-          </a:bodyPr>
-          <a:lstStyle/>
-          <a:p>
-            <a:pPr indent="0" lvl="0" marL="0" rtl="0" algn="r">
-              <a:spcBef>
-                <a:spcPts val="0"/>
-              </a:spcBef>
-              <a:spcAft>
-                <a:spcPts val="0"/>
-              </a:spcAft>
-              <a:buNone/>
-            </a:pPr>
-            <a:fld id="{00000000-1234-1234-1234-123412341234}" type="slidenum">
-              <a:rPr lang="en"/>
-              <a:t>‹#›</a:t>
-            </a:fld>
-            <a:endParaRPr/>
-          </a:p>
-        </p:txBody>
-      </p:sp>
-    </p:spTree>
-  </p:cSld>
-  <p:clrMapOvr>
-    <a:masterClrMapping/>
-  </p:clrMapOvr>
-</p:sld>
-</file>
-
-<file path=ppt/slides/slide20.xml><?xml version="1.0" encoding="utf-8"?>
-<p:sld xmlns:a="http://schemas.openxmlformats.org/drawingml/2006/main" xmlns:r="http://schemas.openxmlformats.org/officeDocument/2006/relationships" xmlns:mc="http://schemas.openxmlformats.org/markup-compatibility/2006" xmlns:mv="urn:schemas-microsoft-com:mac:vml" xmlns:p="http://schemas.openxmlformats.org/presentationml/2006/main" xmlns:c="http://schemas.openxmlformats.org/drawingml/2006/chart" xmlns:dgm="http://schemas.openxmlformats.org/drawingml/2006/diagram" xmlns:o="urn:schemas-microsoft-com:office:office" xmlns:v="urn:schemas-microsoft-com:vml" xmlns:pvml="urn:schemas-microsoft-com:office:powerpoint" xmlns:com="http://schemas.openxmlformats.org/drawingml/2006/compatibility" xmlns:p14="http://schemas.microsoft.com/office/powerpoint/2010/main" xmlns:p15="http://schemas.microsoft.com/office/powerpoint/2012/main" xmlns:ahyp="http://schemas.microsoft.com/office/drawing/2018/hyperlinkcolor">
-  <p:cSld>
-    <p:spTree>
-      <p:nvGrpSpPr>
-        <p:cNvPr id="399" name="Shape 399"/>
+        <p:cNvPr id="406" name="Shape 406"/>
         <p:cNvGrpSpPr/>
         <p:nvPr/>
       </p:nvGrpSpPr>
@@ -30959,7 +31581,7 @@
       </p:grpSpPr>
       <p:graphicFrame>
         <p:nvGraphicFramePr>
-          <p:cNvPr id="400" name="Google Shape;400;p34"/>
+          <p:cNvPr id="407" name="Google Shape;407;p35"/>
           <p:cNvGraphicFramePr/>
           <p:nvPr/>
         </p:nvGraphicFramePr>
@@ -30972,7 +31594,7 @@
             <a:tbl>
               <a:tblPr>
                 <a:noFill/>
-                <a:tableStyleId>{9E483F10-4186-4F37-9A7A-42602BA6B658}</a:tableStyleId>
+                <a:tableStyleId>{88DC93F5-E580-45B9-867B-4424B62B69A4}</a:tableStyleId>
               </a:tblPr>
               <a:tblGrid>
                 <a:gridCol w="1646775"/>
@@ -32126,7 +32748,7 @@
       </p:graphicFrame>
       <p:sp>
         <p:nvSpPr>
-          <p:cNvPr id="401" name="Google Shape;401;p34"/>
+          <p:cNvPr id="408" name="Google Shape;408;p35"/>
           <p:cNvSpPr txBox="1"/>
           <p:nvPr>
             <p:ph type="title"/>
@@ -32166,7 +32788,7 @@
       </p:sp>
       <p:sp>
         <p:nvSpPr>
-          <p:cNvPr id="402" name="Google Shape;402;p34"/>
+          <p:cNvPr id="409" name="Google Shape;409;p35"/>
           <p:cNvSpPr txBox="1"/>
           <p:nvPr>
             <p:ph idx="12" type="sldNum"/>
@@ -32206,7 +32828,7 @@
       </p:sp>
       <p:sp>
         <p:nvSpPr>
-          <p:cNvPr id="403" name="Google Shape;403;p34"/>
+          <p:cNvPr id="410" name="Google Shape;410;p35"/>
           <p:cNvSpPr txBox="1"/>
           <p:nvPr/>
         </p:nvSpPr>
@@ -34648,7 +35270,7 @@
                                           </p:stCondLst>
                                         </p:cTn>
                                         <p:tgtEl>
-                                          <p:spTgt spid="400"/>
+                                          <p:spTgt spid="407"/>
                                         </p:tgtEl>
                                         <p:attrNameLst>
                                           <p:attrName>style.visibility</p:attrName>
@@ -34662,7 +35284,7 @@
                                       <p:cBhvr>
                                         <p:cTn dur="1000"/>
                                         <p:tgtEl>
-                                          <p:spTgt spid="400"/>
+                                          <p:spTgt spid="407"/>
                                         </p:tgtEl>
                                       </p:cBhvr>
                                     </p:animEffect>
@@ -34689,458 +35311,6 @@
                             <p:childTnLst>
                               <p:par>
                                 <p:cTn fill="hold" nodeType="clickEffect" presetClass="entr" presetID="10" presetSubtype="0">
-                                  <p:stCondLst>
-                                    <p:cond delay="0"/>
-                                  </p:stCondLst>
-                                  <p:childTnLst>
-                                    <p:set>
-                                      <p:cBhvr>
-                                        <p:cTn dur="1" fill="hold">
-                                          <p:stCondLst>
-                                            <p:cond delay="0"/>
-                                          </p:stCondLst>
-                                        </p:cTn>
-                                        <p:tgtEl>
-                                          <p:spTgt spid="403"/>
-                                        </p:tgtEl>
-                                        <p:attrNameLst>
-                                          <p:attrName>style.visibility</p:attrName>
-                                        </p:attrNameLst>
-                                      </p:cBhvr>
-                                      <p:to>
-                                        <p:strVal val="visible"/>
-                                      </p:to>
-                                    </p:set>
-                                    <p:animEffect filter="fade" transition="in">
-                                      <p:cBhvr>
-                                        <p:cTn dur="1000"/>
-                                        <p:tgtEl>
-                                          <p:spTgt spid="403"/>
-                                        </p:tgtEl>
-                                      </p:cBhvr>
-                                    </p:animEffect>
-                                  </p:childTnLst>
-                                </p:cTn>
-                              </p:par>
-                            </p:childTnLst>
-                          </p:cTn>
-                        </p:par>
-                      </p:childTnLst>
-                    </p:cTn>
-                  </p:par>
-                </p:childTnLst>
-              </p:cTn>
-              <p:prevCondLst>
-                <p:cond evt="onPrev">
-                  <p:tgtEl>
-                    <p:sldTgt/>
-                  </p:tgtEl>
-                </p:cond>
-              </p:prevCondLst>
-              <p:nextCondLst>
-                <p:cond evt="onNext">
-                  <p:tgtEl>
-                    <p:sldTgt/>
-                  </p:tgtEl>
-                </p:cond>
-              </p:nextCondLst>
-            </p:seq>
-          </p:childTnLst>
-        </p:cTn>
-      </p:par>
-    </p:tnLst>
-  </p:timing>
-</p:sld>
-</file>
-
-<file path=ppt/slides/slide21.xml><?xml version="1.0" encoding="utf-8"?>
-<p:sld xmlns:a="http://schemas.openxmlformats.org/drawingml/2006/main" xmlns:r="http://schemas.openxmlformats.org/officeDocument/2006/relationships" xmlns:mc="http://schemas.openxmlformats.org/markup-compatibility/2006" xmlns:mv="urn:schemas-microsoft-com:mac:vml" xmlns:p="http://schemas.openxmlformats.org/presentationml/2006/main" xmlns:c="http://schemas.openxmlformats.org/drawingml/2006/chart" xmlns:dgm="http://schemas.openxmlformats.org/drawingml/2006/diagram" xmlns:o="urn:schemas-microsoft-com:office:office" xmlns:v="urn:schemas-microsoft-com:vml" xmlns:pvml="urn:schemas-microsoft-com:office:powerpoint" xmlns:com="http://schemas.openxmlformats.org/drawingml/2006/compatibility" xmlns:p14="http://schemas.microsoft.com/office/powerpoint/2010/main" xmlns:p15="http://schemas.microsoft.com/office/powerpoint/2012/main" xmlns:ahyp="http://schemas.microsoft.com/office/drawing/2018/hyperlinkcolor">
-  <p:cSld>
-    <p:spTree>
-      <p:nvGrpSpPr>
-        <p:cNvPr id="407" name="Shape 407"/>
-        <p:cNvGrpSpPr/>
-        <p:nvPr/>
-      </p:nvGrpSpPr>
-      <p:grpSpPr>
-        <a:xfrm>
-          <a:off x="0" y="0"/>
-          <a:ext cx="0" cy="0"/>
-          <a:chOff x="0" y="0"/>
-          <a:chExt cx="0" cy="0"/>
-        </a:xfrm>
-      </p:grpSpPr>
-      <p:sp>
-        <p:nvSpPr>
-          <p:cNvPr id="408" name="Google Shape;408;p35"/>
-          <p:cNvSpPr txBox="1"/>
-          <p:nvPr>
-            <p:ph type="title"/>
-          </p:nvPr>
-        </p:nvSpPr>
-        <p:spPr>
-          <a:xfrm>
-            <a:off x="311700" y="410000"/>
-            <a:ext cx="8520600" cy="607800"/>
-          </a:xfrm>
-          <a:prstGeom prst="rect">
-            <a:avLst/>
-          </a:prstGeom>
-        </p:spPr>
-        <p:txBody>
-          <a:bodyPr anchorCtr="0" anchor="t" bIns="91425" lIns="91425" spcFirstLastPara="1" rIns="91425" wrap="square" tIns="91425">
-            <a:noAutofit/>
-          </a:bodyPr>
-          <a:lstStyle/>
-          <a:p>
-            <a:pPr indent="0" lvl="0" marL="0" rtl="0" algn="l">
-              <a:spcBef>
-                <a:spcPts val="0"/>
-              </a:spcBef>
-              <a:spcAft>
-                <a:spcPts val="0"/>
-              </a:spcAft>
-              <a:buNone/>
-            </a:pPr>
-            <a:r>
-              <a:rPr lang="en"/>
-              <a:t>Results and Discussion</a:t>
-            </a:r>
-            <a:endParaRPr/>
-          </a:p>
-          <a:p>
-            <a:pPr indent="0" lvl="0" marL="0" rtl="0" algn="l">
-              <a:spcBef>
-                <a:spcPts val="0"/>
-              </a:spcBef>
-              <a:spcAft>
-                <a:spcPts val="0"/>
-              </a:spcAft>
-              <a:buNone/>
-            </a:pPr>
-            <a:r>
-              <a:t/>
-            </a:r>
-            <a:endParaRPr/>
-          </a:p>
-        </p:txBody>
-      </p:sp>
-      <p:sp>
-        <p:nvSpPr>
-          <p:cNvPr id="409" name="Google Shape;409;p35"/>
-          <p:cNvSpPr txBox="1"/>
-          <p:nvPr>
-            <p:ph idx="1" type="body"/>
-          </p:nvPr>
-        </p:nvSpPr>
-        <p:spPr>
-          <a:xfrm>
-            <a:off x="311700" y="1229875"/>
-            <a:ext cx="8520600" cy="3339000"/>
-          </a:xfrm>
-          <a:prstGeom prst="rect">
-            <a:avLst/>
-          </a:prstGeom>
-        </p:spPr>
-        <p:txBody>
-          <a:bodyPr anchorCtr="0" anchor="t" bIns="91425" lIns="91425" spcFirstLastPara="1" rIns="91425" wrap="square" tIns="91425">
-            <a:noAutofit/>
-          </a:bodyPr>
-          <a:lstStyle/>
-          <a:p>
-            <a:pPr indent="-342900" lvl="0" marL="457200" rtl="0" algn="just">
-              <a:spcBef>
-                <a:spcPts val="0"/>
-              </a:spcBef>
-              <a:spcAft>
-                <a:spcPts val="0"/>
-              </a:spcAft>
-              <a:buSzPts val="1800"/>
-              <a:buChar char="●"/>
-            </a:pPr>
-            <a:r>
-              <a:rPr lang="en" sz="1800"/>
-              <a:t>4th order polynomial function least validation error</a:t>
-            </a:r>
-            <a:r>
-              <a:rPr lang="en"/>
-              <a:t> among polynomials.</a:t>
-            </a:r>
-            <a:endParaRPr sz="1800"/>
-          </a:p>
-          <a:p>
-            <a:pPr indent="-342900" lvl="0" marL="457200" rtl="0" algn="just">
-              <a:spcBef>
-                <a:spcPts val="0"/>
-              </a:spcBef>
-              <a:spcAft>
-                <a:spcPts val="0"/>
-              </a:spcAft>
-              <a:buSzPts val="1800"/>
-              <a:buChar char="●"/>
-            </a:pPr>
-            <a:r>
-              <a:rPr lang="en"/>
-              <a:t>Fractional powers</a:t>
-            </a:r>
-            <a:r>
-              <a:rPr lang="en" sz="1800"/>
-              <a:t> reduced the validation error.</a:t>
-            </a:r>
-            <a:endParaRPr sz="1800"/>
-          </a:p>
-          <a:p>
-            <a:pPr indent="-342900" lvl="0" marL="457200" rtl="0" algn="just">
-              <a:spcBef>
-                <a:spcPts val="0"/>
-              </a:spcBef>
-              <a:spcAft>
-                <a:spcPts val="0"/>
-              </a:spcAft>
-              <a:buSzPts val="1800"/>
-              <a:buChar char="●"/>
-            </a:pPr>
-            <a:r>
-              <a:rPr lang="en" sz="1800"/>
-              <a:t>Functions with negative powers </a:t>
-            </a:r>
-            <a:r>
-              <a:rPr lang="en"/>
-              <a:t>and</a:t>
-            </a:r>
-            <a:r>
-              <a:rPr lang="en" sz="1800"/>
-              <a:t> log failed (Error: NaN).</a:t>
-            </a:r>
-            <a:endParaRPr sz="1800"/>
-          </a:p>
-          <a:p>
-            <a:pPr indent="-342900" lvl="0" marL="457200" rtl="0" algn="just">
-              <a:spcBef>
-                <a:spcPts val="0"/>
-              </a:spcBef>
-              <a:spcAft>
-                <a:spcPts val="0"/>
-              </a:spcAft>
-              <a:buSzPts val="1800"/>
-              <a:buChar char="●"/>
-            </a:pPr>
-            <a:r>
-              <a:rPr lang="en" sz="1800"/>
-              <a:t>sin() and cos() functions resulted in low validation error.</a:t>
-            </a:r>
-            <a:endParaRPr sz="1800"/>
-          </a:p>
-        </p:txBody>
-      </p:sp>
-      <p:pic>
-        <p:nvPicPr>
-          <p:cNvPr id="410" name="Google Shape;410;p35"/>
-          <p:cNvPicPr preferRelativeResize="0"/>
-          <p:nvPr/>
-        </p:nvPicPr>
-        <p:blipFill>
-          <a:blip r:embed="rId3">
-            <a:alphaModFix/>
-          </a:blip>
-          <a:stretch>
-            <a:fillRect/>
-          </a:stretch>
-        </p:blipFill>
-        <p:spPr>
-          <a:xfrm>
-            <a:off x="3773265" y="2931111"/>
-            <a:ext cx="4223825" cy="503600"/>
-          </a:xfrm>
-          <a:prstGeom prst="rect">
-            <a:avLst/>
-          </a:prstGeom>
-          <a:noFill/>
-          <a:ln>
-            <a:noFill/>
-          </a:ln>
-        </p:spPr>
-      </p:pic>
-      <p:sp>
-        <p:nvSpPr>
-          <p:cNvPr id="411" name="Google Shape;411;p35"/>
-          <p:cNvSpPr txBox="1"/>
-          <p:nvPr>
-            <p:ph idx="1" type="body"/>
-          </p:nvPr>
-        </p:nvSpPr>
-        <p:spPr>
-          <a:xfrm>
-            <a:off x="846100" y="2959125"/>
-            <a:ext cx="2982300" cy="423000"/>
-          </a:xfrm>
-          <a:prstGeom prst="rect">
-            <a:avLst/>
-          </a:prstGeom>
-        </p:spPr>
-        <p:txBody>
-          <a:bodyPr anchorCtr="0" anchor="t" bIns="91425" lIns="91425" spcFirstLastPara="1" rIns="91425" wrap="square" tIns="91425">
-            <a:noAutofit/>
-          </a:bodyPr>
-          <a:lstStyle/>
-          <a:p>
-            <a:pPr indent="0" lvl="0" marL="0" rtl="0" algn="l">
-              <a:spcBef>
-                <a:spcPts val="0"/>
-              </a:spcBef>
-              <a:spcAft>
-                <a:spcPts val="0"/>
-              </a:spcAft>
-              <a:buNone/>
-            </a:pPr>
-            <a:r>
-              <a:rPr b="1" lang="en" sz="1800"/>
-              <a:t>Final selected</a:t>
-            </a:r>
-            <a:r>
-              <a:rPr b="1" lang="en"/>
-              <a:t> </a:t>
-            </a:r>
-            <a:r>
-              <a:rPr b="1" lang="en" sz="1800"/>
-              <a:t>Function:</a:t>
-            </a:r>
-            <a:endParaRPr b="1" sz="1800"/>
-          </a:p>
-          <a:p>
-            <a:pPr indent="0" lvl="0" marL="0" rtl="0" algn="l">
-              <a:spcBef>
-                <a:spcPts val="1600"/>
-              </a:spcBef>
-              <a:spcAft>
-                <a:spcPts val="1600"/>
-              </a:spcAft>
-              <a:buNone/>
-            </a:pPr>
-            <a:r>
-              <a:t/>
-            </a:r>
-            <a:endParaRPr b="1" sz="1800"/>
-          </a:p>
-        </p:txBody>
-      </p:sp>
-      <p:sp>
-        <p:nvSpPr>
-          <p:cNvPr id="412" name="Google Shape;412;p35"/>
-          <p:cNvSpPr txBox="1"/>
-          <p:nvPr>
-            <p:ph idx="12" type="sldNum"/>
-          </p:nvPr>
-        </p:nvSpPr>
-        <p:spPr>
-          <a:xfrm>
-            <a:off x="8460431" y="4803590"/>
-            <a:ext cx="548700" cy="393600"/>
-          </a:xfrm>
-          <a:prstGeom prst="rect">
-            <a:avLst/>
-          </a:prstGeom>
-        </p:spPr>
-        <p:txBody>
-          <a:bodyPr anchorCtr="0" anchor="ctr" bIns="91425" lIns="91425" spcFirstLastPara="1" rIns="91425" wrap="square" tIns="91425">
-            <a:noAutofit/>
-          </a:bodyPr>
-          <a:lstStyle/>
-          <a:p>
-            <a:pPr indent="0" lvl="0" marL="0" rtl="0" algn="r">
-              <a:spcBef>
-                <a:spcPts val="0"/>
-              </a:spcBef>
-              <a:spcAft>
-                <a:spcPts val="0"/>
-              </a:spcAft>
-              <a:buNone/>
-            </a:pPr>
-            <a:fld id="{00000000-1234-1234-1234-123412341234}" type="slidenum">
-              <a:rPr lang="en"/>
-              <a:t>‹#›</a:t>
-            </a:fld>
-            <a:endParaRPr/>
-          </a:p>
-        </p:txBody>
-      </p:sp>
-    </p:spTree>
-  </p:cSld>
-  <p:clrMapOvr>
-    <a:masterClrMapping/>
-  </p:clrMapOvr>
-  <p:timing>
-    <p:tnLst>
-      <p:par>
-        <p:cTn dur="indefinite" nodeType="tmRoot" restart="never">
-          <p:childTnLst>
-            <p:seq concurrent="1" nextAc="seek">
-              <p:cTn dur="indefinite" id="2" nodeType="mainSeq">
-                <p:childTnLst>
-                  <p:par>
-                    <p:cTn fill="hold">
-                      <p:stCondLst>
-                        <p:cond delay="indefinite"/>
-                      </p:stCondLst>
-                      <p:childTnLst>
-                        <p:par>
-                          <p:cTn fill="hold">
-                            <p:stCondLst>
-                              <p:cond delay="0"/>
-                            </p:stCondLst>
-                            <p:childTnLst>
-                              <p:par>
-                                <p:cTn fill="hold" nodeType="clickEffect" presetClass="entr" presetID="2" presetSubtype="8">
-                                  <p:stCondLst>
-                                    <p:cond delay="0"/>
-                                  </p:stCondLst>
-                                  <p:childTnLst>
-                                    <p:set>
-                                      <p:cBhvr>
-                                        <p:cTn dur="1" fill="hold">
-                                          <p:stCondLst>
-                                            <p:cond delay="0"/>
-                                          </p:stCondLst>
-                                        </p:cTn>
-                                        <p:tgtEl>
-                                          <p:spTgt spid="411"/>
-                                        </p:tgtEl>
-                                        <p:attrNameLst>
-                                          <p:attrName>style.visibility</p:attrName>
-                                        </p:attrNameLst>
-                                      </p:cBhvr>
-                                      <p:to>
-                                        <p:strVal val="visible"/>
-                                      </p:to>
-                                    </p:set>
-                                    <p:anim calcmode="lin" valueType="num">
-                                      <p:cBhvr additive="base">
-                                        <p:cTn dur="1000"/>
-                                        <p:tgtEl>
-                                          <p:spTgt spid="411"/>
-                                        </p:tgtEl>
-                                        <p:attrNameLst>
-                                          <p:attrName>ppt_x</p:attrName>
-                                        </p:attrNameLst>
-                                      </p:cBhvr>
-                                      <p:tavLst>
-                                        <p:tav fmla="" tm="0">
-                                          <p:val>
-                                            <p:strVal val="#ppt_x-1"/>
-                                          </p:val>
-                                        </p:tav>
-                                        <p:tav fmla="" tm="100000">
-                                          <p:val>
-                                            <p:strVal val="#ppt_x"/>
-                                          </p:val>
-                                        </p:tav>
-                                      </p:tavLst>
-                                    </p:anim>
-                                  </p:childTnLst>
-                                </p:cTn>
-                              </p:par>
-                              <p:par>
-                                <p:cTn fill="hold" nodeType="withEffect" presetClass="entr" presetID="10" presetSubtype="0">
                                   <p:stCondLst>
                                     <p:cond delay="0"/>
                                   </p:stCondLst>
@@ -35210,7 +35380,7 @@
   <p:cSld>
     <p:spTree>
       <p:nvGrpSpPr>
-        <p:cNvPr id="416" name="Shape 416"/>
+        <p:cNvPr id="414" name="Shape 414"/>
         <p:cNvGrpSpPr/>
         <p:nvPr/>
       </p:nvGrpSpPr>
@@ -35224,7 +35394,7 @@
       </p:grpSpPr>
       <p:sp>
         <p:nvSpPr>
-          <p:cNvPr id="417" name="Google Shape;417;p36"/>
+          <p:cNvPr id="415" name="Google Shape;415;p36"/>
           <p:cNvSpPr txBox="1"/>
           <p:nvPr>
             <p:ph type="title"/>
@@ -35260,11 +35430,463 @@
             </a:r>
             <a:endParaRPr/>
           </a:p>
+          <a:p>
+            <a:pPr indent="0" lvl="0" marL="0" rtl="0" algn="l">
+              <a:spcBef>
+                <a:spcPts val="0"/>
+              </a:spcBef>
+              <a:spcAft>
+                <a:spcPts val="0"/>
+              </a:spcAft>
+              <a:buNone/>
+            </a:pPr>
+            <a:r>
+              <a:t/>
+            </a:r>
+            <a:endParaRPr/>
+          </a:p>
         </p:txBody>
       </p:sp>
       <p:sp>
         <p:nvSpPr>
+          <p:cNvPr id="416" name="Google Shape;416;p36"/>
+          <p:cNvSpPr txBox="1"/>
+          <p:nvPr>
+            <p:ph idx="1" type="body"/>
+          </p:nvPr>
+        </p:nvSpPr>
+        <p:spPr>
+          <a:xfrm>
+            <a:off x="311700" y="1229875"/>
+            <a:ext cx="8520600" cy="3339000"/>
+          </a:xfrm>
+          <a:prstGeom prst="rect">
+            <a:avLst/>
+          </a:prstGeom>
+        </p:spPr>
+        <p:txBody>
+          <a:bodyPr anchorCtr="0" anchor="t" bIns="91425" lIns="91425" spcFirstLastPara="1" rIns="91425" wrap="square" tIns="91425">
+            <a:noAutofit/>
+          </a:bodyPr>
+          <a:lstStyle/>
+          <a:p>
+            <a:pPr indent="-342900" lvl="0" marL="457200" rtl="0" algn="just">
+              <a:spcBef>
+                <a:spcPts val="0"/>
+              </a:spcBef>
+              <a:spcAft>
+                <a:spcPts val="0"/>
+              </a:spcAft>
+              <a:buSzPts val="1800"/>
+              <a:buChar char="●"/>
+            </a:pPr>
+            <a:r>
+              <a:rPr lang="en" sz="1800"/>
+              <a:t>4th order polynomial function had the least validation error</a:t>
+            </a:r>
+            <a:r>
+              <a:rPr lang="en"/>
+              <a:t> among the polynomials.</a:t>
+            </a:r>
+            <a:endParaRPr sz="1800"/>
+          </a:p>
+          <a:p>
+            <a:pPr indent="-342900" lvl="0" marL="457200" rtl="0" algn="just">
+              <a:spcBef>
+                <a:spcPts val="0"/>
+              </a:spcBef>
+              <a:spcAft>
+                <a:spcPts val="0"/>
+              </a:spcAft>
+              <a:buSzPts val="1800"/>
+              <a:buChar char="●"/>
+            </a:pPr>
+            <a:r>
+              <a:rPr lang="en"/>
+              <a:t>Fractional powers</a:t>
+            </a:r>
+            <a:r>
+              <a:rPr lang="en" sz="1800"/>
+              <a:t> reduced the validation error.</a:t>
+            </a:r>
+            <a:endParaRPr sz="1800"/>
+          </a:p>
+          <a:p>
+            <a:pPr indent="-342900" lvl="0" marL="457200" rtl="0" algn="just">
+              <a:spcBef>
+                <a:spcPts val="0"/>
+              </a:spcBef>
+              <a:spcAft>
+                <a:spcPts val="0"/>
+              </a:spcAft>
+              <a:buSzPts val="1800"/>
+              <a:buChar char="●"/>
+            </a:pPr>
+            <a:r>
+              <a:rPr lang="en" sz="1800"/>
+              <a:t>Functions with negative powers </a:t>
+            </a:r>
+            <a:r>
+              <a:rPr lang="en"/>
+              <a:t>and</a:t>
+            </a:r>
+            <a:r>
+              <a:rPr lang="en" sz="1800"/>
+              <a:t> log failed (Error: NaN).</a:t>
+            </a:r>
+            <a:endParaRPr sz="1800"/>
+          </a:p>
+          <a:p>
+            <a:pPr indent="-342900" lvl="0" marL="457200" rtl="0" algn="just">
+              <a:spcBef>
+                <a:spcPts val="0"/>
+              </a:spcBef>
+              <a:spcAft>
+                <a:spcPts val="0"/>
+              </a:spcAft>
+              <a:buSzPts val="1800"/>
+              <a:buChar char="●"/>
+            </a:pPr>
+            <a:r>
+              <a:rPr lang="en" sz="1800"/>
+              <a:t>sin() and cos() functions also resulted in a low validation error.</a:t>
+            </a:r>
+            <a:endParaRPr sz="1800"/>
+          </a:p>
+        </p:txBody>
+      </p:sp>
+      <p:pic>
+        <p:nvPicPr>
+          <p:cNvPr id="417" name="Google Shape;417;p36"/>
+          <p:cNvPicPr preferRelativeResize="0"/>
+          <p:nvPr/>
+        </p:nvPicPr>
+        <p:blipFill>
+          <a:blip r:embed="rId3">
+            <a:alphaModFix/>
+          </a:blip>
+          <a:stretch>
+            <a:fillRect/>
+          </a:stretch>
+        </p:blipFill>
+        <p:spPr>
+          <a:xfrm>
+            <a:off x="3773265" y="2931111"/>
+            <a:ext cx="4223825" cy="503600"/>
+          </a:xfrm>
+          <a:prstGeom prst="rect">
+            <a:avLst/>
+          </a:prstGeom>
+          <a:noFill/>
+          <a:ln>
+            <a:noFill/>
+          </a:ln>
+        </p:spPr>
+      </p:pic>
+      <p:sp>
+        <p:nvSpPr>
           <p:cNvPr id="418" name="Google Shape;418;p36"/>
+          <p:cNvSpPr txBox="1"/>
+          <p:nvPr>
+            <p:ph idx="1" type="body"/>
+          </p:nvPr>
+        </p:nvSpPr>
+        <p:spPr>
+          <a:xfrm>
+            <a:off x="846100" y="2959125"/>
+            <a:ext cx="2982300" cy="423000"/>
+          </a:xfrm>
+          <a:prstGeom prst="rect">
+            <a:avLst/>
+          </a:prstGeom>
+        </p:spPr>
+        <p:txBody>
+          <a:bodyPr anchorCtr="0" anchor="t" bIns="91425" lIns="91425" spcFirstLastPara="1" rIns="91425" wrap="square" tIns="91425">
+            <a:noAutofit/>
+          </a:bodyPr>
+          <a:lstStyle/>
+          <a:p>
+            <a:pPr indent="0" lvl="0" marL="0" rtl="0" algn="l">
+              <a:spcBef>
+                <a:spcPts val="0"/>
+              </a:spcBef>
+              <a:spcAft>
+                <a:spcPts val="0"/>
+              </a:spcAft>
+              <a:buNone/>
+            </a:pPr>
+            <a:r>
+              <a:rPr b="1" lang="en" sz="1800"/>
+              <a:t>Final selected</a:t>
+            </a:r>
+            <a:r>
+              <a:rPr b="1" lang="en"/>
+              <a:t> </a:t>
+            </a:r>
+            <a:r>
+              <a:rPr b="1" lang="en" sz="1800"/>
+              <a:t>Function:</a:t>
+            </a:r>
+            <a:endParaRPr b="1" sz="1800"/>
+          </a:p>
+          <a:p>
+            <a:pPr indent="0" lvl="0" marL="0" rtl="0" algn="l">
+              <a:spcBef>
+                <a:spcPts val="1600"/>
+              </a:spcBef>
+              <a:spcAft>
+                <a:spcPts val="1600"/>
+              </a:spcAft>
+              <a:buNone/>
+            </a:pPr>
+            <a:r>
+              <a:t/>
+            </a:r>
+            <a:endParaRPr b="1" sz="1800"/>
+          </a:p>
+        </p:txBody>
+      </p:sp>
+      <p:sp>
+        <p:nvSpPr>
+          <p:cNvPr id="419" name="Google Shape;419;p36"/>
+          <p:cNvSpPr txBox="1"/>
+          <p:nvPr>
+            <p:ph idx="12" type="sldNum"/>
+          </p:nvPr>
+        </p:nvSpPr>
+        <p:spPr>
+          <a:xfrm>
+            <a:off x="8460431" y="4803590"/>
+            <a:ext cx="548700" cy="393600"/>
+          </a:xfrm>
+          <a:prstGeom prst="rect">
+            <a:avLst/>
+          </a:prstGeom>
+        </p:spPr>
+        <p:txBody>
+          <a:bodyPr anchorCtr="0" anchor="ctr" bIns="91425" lIns="91425" spcFirstLastPara="1" rIns="91425" wrap="square" tIns="91425">
+            <a:noAutofit/>
+          </a:bodyPr>
+          <a:lstStyle/>
+          <a:p>
+            <a:pPr indent="0" lvl="0" marL="0" rtl="0" algn="r">
+              <a:spcBef>
+                <a:spcPts val="0"/>
+              </a:spcBef>
+              <a:spcAft>
+                <a:spcPts val="0"/>
+              </a:spcAft>
+              <a:buNone/>
+            </a:pPr>
+            <a:fld id="{00000000-1234-1234-1234-123412341234}" type="slidenum">
+              <a:rPr lang="en"/>
+              <a:t>‹#›</a:t>
+            </a:fld>
+            <a:endParaRPr/>
+          </a:p>
+        </p:txBody>
+      </p:sp>
+    </p:spTree>
+  </p:cSld>
+  <p:clrMapOvr>
+    <a:masterClrMapping/>
+  </p:clrMapOvr>
+  <p:timing>
+    <p:tnLst>
+      <p:par>
+        <p:cTn dur="indefinite" nodeType="tmRoot" restart="never">
+          <p:childTnLst>
+            <p:seq concurrent="1" nextAc="seek">
+              <p:cTn dur="indefinite" id="2" nodeType="mainSeq">
+                <p:childTnLst>
+                  <p:par>
+                    <p:cTn fill="hold">
+                      <p:stCondLst>
+                        <p:cond delay="indefinite"/>
+                      </p:stCondLst>
+                      <p:childTnLst>
+                        <p:par>
+                          <p:cTn fill="hold">
+                            <p:stCondLst>
+                              <p:cond delay="0"/>
+                            </p:stCondLst>
+                            <p:childTnLst>
+                              <p:par>
+                                <p:cTn fill="hold" nodeType="clickEffect" presetClass="entr" presetID="2" presetSubtype="8">
+                                  <p:stCondLst>
+                                    <p:cond delay="0"/>
+                                  </p:stCondLst>
+                                  <p:childTnLst>
+                                    <p:set>
+                                      <p:cBhvr>
+                                        <p:cTn dur="1" fill="hold">
+                                          <p:stCondLst>
+                                            <p:cond delay="0"/>
+                                          </p:stCondLst>
+                                        </p:cTn>
+                                        <p:tgtEl>
+                                          <p:spTgt spid="418"/>
+                                        </p:tgtEl>
+                                        <p:attrNameLst>
+                                          <p:attrName>style.visibility</p:attrName>
+                                        </p:attrNameLst>
+                                      </p:cBhvr>
+                                      <p:to>
+                                        <p:strVal val="visible"/>
+                                      </p:to>
+                                    </p:set>
+                                    <p:anim calcmode="lin" valueType="num">
+                                      <p:cBhvr additive="base">
+                                        <p:cTn dur="1000"/>
+                                        <p:tgtEl>
+                                          <p:spTgt spid="418"/>
+                                        </p:tgtEl>
+                                        <p:attrNameLst>
+                                          <p:attrName>ppt_x</p:attrName>
+                                        </p:attrNameLst>
+                                      </p:cBhvr>
+                                      <p:tavLst>
+                                        <p:tav fmla="" tm="0">
+                                          <p:val>
+                                            <p:strVal val="#ppt_x-1"/>
+                                          </p:val>
+                                        </p:tav>
+                                        <p:tav fmla="" tm="100000">
+                                          <p:val>
+                                            <p:strVal val="#ppt_x"/>
+                                          </p:val>
+                                        </p:tav>
+                                      </p:tavLst>
+                                    </p:anim>
+                                  </p:childTnLst>
+                                </p:cTn>
+                              </p:par>
+                              <p:par>
+                                <p:cTn fill="hold" nodeType="withEffect" presetClass="entr" presetID="10" presetSubtype="0">
+                                  <p:stCondLst>
+                                    <p:cond delay="0"/>
+                                  </p:stCondLst>
+                                  <p:childTnLst>
+                                    <p:set>
+                                      <p:cBhvr>
+                                        <p:cTn dur="1" fill="hold">
+                                          <p:stCondLst>
+                                            <p:cond delay="0"/>
+                                          </p:stCondLst>
+                                        </p:cTn>
+                                        <p:tgtEl>
+                                          <p:spTgt spid="417"/>
+                                        </p:tgtEl>
+                                        <p:attrNameLst>
+                                          <p:attrName>style.visibility</p:attrName>
+                                        </p:attrNameLst>
+                                      </p:cBhvr>
+                                      <p:to>
+                                        <p:strVal val="visible"/>
+                                      </p:to>
+                                    </p:set>
+                                    <p:animEffect filter="fade" transition="in">
+                                      <p:cBhvr>
+                                        <p:cTn dur="1000"/>
+                                        <p:tgtEl>
+                                          <p:spTgt spid="417"/>
+                                        </p:tgtEl>
+                                      </p:cBhvr>
+                                    </p:animEffect>
+                                  </p:childTnLst>
+                                </p:cTn>
+                              </p:par>
+                            </p:childTnLst>
+                          </p:cTn>
+                        </p:par>
+                      </p:childTnLst>
+                    </p:cTn>
+                  </p:par>
+                </p:childTnLst>
+              </p:cTn>
+              <p:prevCondLst>
+                <p:cond evt="onPrev">
+                  <p:tgtEl>
+                    <p:sldTgt/>
+                  </p:tgtEl>
+                </p:cond>
+              </p:prevCondLst>
+              <p:nextCondLst>
+                <p:cond evt="onNext">
+                  <p:tgtEl>
+                    <p:sldTgt/>
+                  </p:tgtEl>
+                </p:cond>
+              </p:nextCondLst>
+            </p:seq>
+          </p:childTnLst>
+        </p:cTn>
+      </p:par>
+    </p:tnLst>
+  </p:timing>
+</p:sld>
+</file>
+
+<file path=ppt/slides/slide23.xml><?xml version="1.0" encoding="utf-8"?>
+<p:sld xmlns:a="http://schemas.openxmlformats.org/drawingml/2006/main" xmlns:r="http://schemas.openxmlformats.org/officeDocument/2006/relationships" xmlns:mc="http://schemas.openxmlformats.org/markup-compatibility/2006" xmlns:mv="urn:schemas-microsoft-com:mac:vml" xmlns:p="http://schemas.openxmlformats.org/presentationml/2006/main" xmlns:c="http://schemas.openxmlformats.org/drawingml/2006/chart" xmlns:dgm="http://schemas.openxmlformats.org/drawingml/2006/diagram" xmlns:o="urn:schemas-microsoft-com:office:office" xmlns:v="urn:schemas-microsoft-com:vml" xmlns:pvml="urn:schemas-microsoft-com:office:powerpoint" xmlns:com="http://schemas.openxmlformats.org/drawingml/2006/compatibility" xmlns:p14="http://schemas.microsoft.com/office/powerpoint/2010/main" xmlns:p15="http://schemas.microsoft.com/office/powerpoint/2012/main" xmlns:ahyp="http://schemas.microsoft.com/office/drawing/2018/hyperlinkcolor">
+  <p:cSld>
+    <p:spTree>
+      <p:nvGrpSpPr>
+        <p:cNvPr id="423" name="Shape 423"/>
+        <p:cNvGrpSpPr/>
+        <p:nvPr/>
+      </p:nvGrpSpPr>
+      <p:grpSpPr>
+        <a:xfrm>
+          <a:off x="0" y="0"/>
+          <a:ext cx="0" cy="0"/>
+          <a:chOff x="0" y="0"/>
+          <a:chExt cx="0" cy="0"/>
+        </a:xfrm>
+      </p:grpSpPr>
+      <p:sp>
+        <p:nvSpPr>
+          <p:cNvPr id="424" name="Google Shape;424;p37"/>
+          <p:cNvSpPr txBox="1"/>
+          <p:nvPr>
+            <p:ph type="title"/>
+          </p:nvPr>
+        </p:nvSpPr>
+        <p:spPr>
+          <a:xfrm>
+            <a:off x="311700" y="410000"/>
+            <a:ext cx="8520600" cy="607800"/>
+          </a:xfrm>
+          <a:prstGeom prst="rect">
+            <a:avLst/>
+          </a:prstGeom>
+        </p:spPr>
+        <p:txBody>
+          <a:bodyPr anchorCtr="0" anchor="t" bIns="91425" lIns="91425" spcFirstLastPara="1" rIns="91425" wrap="square" tIns="91425">
+            <a:noAutofit/>
+          </a:bodyPr>
+          <a:lstStyle/>
+          <a:p>
+            <a:pPr indent="0" lvl="0" marL="0" rtl="0" algn="l">
+              <a:spcBef>
+                <a:spcPts val="0"/>
+              </a:spcBef>
+              <a:spcAft>
+                <a:spcPts val="0"/>
+              </a:spcAft>
+              <a:buNone/>
+            </a:pPr>
+            <a:r>
+              <a:rPr lang="en"/>
+              <a:t>Results and Discussion</a:t>
+            </a:r>
+            <a:endParaRPr/>
+          </a:p>
+        </p:txBody>
+      </p:sp>
+      <p:sp>
+        <p:nvSpPr>
+          <p:cNvPr id="425" name="Google Shape;425;p37"/>
           <p:cNvSpPr txBox="1"/>
           <p:nvPr>
             <p:ph idx="1" type="body"/>
@@ -35337,7 +35959,7 @@
       </p:sp>
       <p:sp>
         <p:nvSpPr>
-          <p:cNvPr id="419" name="Google Shape;419;p36"/>
+          <p:cNvPr id="426" name="Google Shape;426;p37"/>
           <p:cNvSpPr txBox="1"/>
           <p:nvPr>
             <p:ph idx="1" type="body"/>
@@ -35414,7 +36036,7 @@
       </p:sp>
       <p:sp>
         <p:nvSpPr>
-          <p:cNvPr id="420" name="Google Shape;420;p36"/>
+          <p:cNvPr id="427" name="Google Shape;427;p37"/>
           <p:cNvSpPr txBox="1"/>
           <p:nvPr/>
         </p:nvSpPr>
@@ -35477,7 +36099,7 @@
       </p:sp>
       <p:sp>
         <p:nvSpPr>
-          <p:cNvPr id="421" name="Google Shape;421;p36"/>
+          <p:cNvPr id="428" name="Google Shape;428;p37"/>
           <p:cNvSpPr txBox="1"/>
           <p:nvPr>
             <p:ph idx="12" type="sldNum"/>
@@ -35517,14 +36139,14 @@
       </p:sp>
       <p:sp>
         <p:nvSpPr>
-          <p:cNvPr id="422" name="Google Shape;422;p36"/>
+          <p:cNvPr id="429" name="Google Shape;429;p37"/>
           <p:cNvSpPr txBox="1"/>
           <p:nvPr/>
         </p:nvSpPr>
         <p:spPr>
           <a:xfrm>
-            <a:off x="532750" y="2909425"/>
-            <a:ext cx="7812300" cy="1741800"/>
+            <a:off x="532750" y="2782900"/>
+            <a:ext cx="7812300" cy="2020800"/>
           </a:xfrm>
           <a:prstGeom prst="rect">
             <a:avLst/>
@@ -35696,7 +36318,10 @@
               </a:rPr>
               <a:t>he predicted test mean absolute error is within 10% of the range of target values (Y).</a:t>
             </a:r>
-            <a:endParaRPr>
+            <a:endParaRPr sz="1800">
+              <a:solidFill>
+                <a:schemeClr val="dk2"/>
+              </a:solidFill>
               <a:latin typeface="Roboto"/>
               <a:ea typeface="Roboto"/>
               <a:cs typeface="Roboto"/>
@@ -35744,7 +36369,7 @@
                                           </p:stCondLst>
                                         </p:cTn>
                                         <p:tgtEl>
-                                          <p:spTgt spid="420"/>
+                                          <p:spTgt spid="427"/>
                                         </p:tgtEl>
                                         <p:attrNameLst>
                                           <p:attrName>style.visibility</p:attrName>
@@ -35758,7 +36383,7 @@
                                       <p:cBhvr>
                                         <p:cTn dur="1000"/>
                                         <p:tgtEl>
-                                          <p:spTgt spid="420"/>
+                                          <p:spTgt spid="427"/>
                                         </p:tgtEl>
                                       </p:cBhvr>
                                     </p:animEffect>
@@ -35797,7 +36422,7 @@
                                           </p:stCondLst>
                                         </p:cTn>
                                         <p:tgtEl>
-                                          <p:spTgt spid="418"/>
+                                          <p:spTgt spid="425"/>
                                         </p:tgtEl>
                                         <p:attrNameLst>
                                           <p:attrName>style.visibility</p:attrName>
@@ -35842,7 +36467,7 @@
                                           </p:stCondLst>
                                         </p:cTn>
                                         <p:tgtEl>
-                                          <p:spTgt spid="419"/>
+                                          <p:spTgt spid="426"/>
                                         </p:tgtEl>
                                         <p:attrNameLst>
                                           <p:attrName>style.visibility</p:attrName>
@@ -35856,7 +36481,7 @@
                                       <p:cBhvr additive="base">
                                         <p:cTn dur="1000"/>
                                         <p:tgtEl>
-                                          <p:spTgt spid="419"/>
+                                          <p:spTgt spid="426"/>
                                         </p:tgtEl>
                                         <p:attrNameLst>
                                           <p:attrName>ppt_y</p:attrName>
@@ -35910,7 +36535,7 @@
                                           </p:stCondLst>
                                         </p:cTn>
                                         <p:tgtEl>
-                                          <p:spTgt spid="422"/>
+                                          <p:spTgt spid="429"/>
                                         </p:tgtEl>
                                         <p:attrNameLst>
                                           <p:attrName>style.visibility</p:attrName>
@@ -35924,7 +36549,7 @@
                                       <p:cBhvr>
                                         <p:cTn dur="1000"/>
                                         <p:tgtEl>
-                                          <p:spTgt spid="422"/>
+                                          <p:spTgt spid="429"/>
                                         </p:tgtEl>
                                       </p:cBhvr>
                                     </p:animEffect>
@@ -35962,12 +36587,12 @@
 </p:sld>
 </file>
 
-<file path=ppt/slides/slide23.xml><?xml version="1.0" encoding="utf-8"?>
+<file path=ppt/slides/slide24.xml><?xml version="1.0" encoding="utf-8"?>
 <p:sld xmlns:a="http://schemas.openxmlformats.org/drawingml/2006/main" xmlns:r="http://schemas.openxmlformats.org/officeDocument/2006/relationships" xmlns:mc="http://schemas.openxmlformats.org/markup-compatibility/2006" xmlns:mv="urn:schemas-microsoft-com:mac:vml" xmlns:p="http://schemas.openxmlformats.org/presentationml/2006/main" xmlns:c="http://schemas.openxmlformats.org/drawingml/2006/chart" xmlns:dgm="http://schemas.openxmlformats.org/drawingml/2006/diagram" xmlns:o="urn:schemas-microsoft-com:office:office" xmlns:v="urn:schemas-microsoft-com:vml" xmlns:pvml="urn:schemas-microsoft-com:office:powerpoint" xmlns:com="http://schemas.openxmlformats.org/drawingml/2006/compatibility" xmlns:p14="http://schemas.microsoft.com/office/powerpoint/2010/main" xmlns:p15="http://schemas.microsoft.com/office/powerpoint/2012/main" xmlns:ahyp="http://schemas.microsoft.com/office/drawing/2018/hyperlinkcolor">
   <p:cSld>
     <p:spTree>
       <p:nvGrpSpPr>
-        <p:cNvPr id="426" name="Shape 426"/>
+        <p:cNvPr id="433" name="Shape 433"/>
         <p:cNvGrpSpPr/>
         <p:nvPr/>
       </p:nvGrpSpPr>
@@ -35981,7 +36606,7 @@
       </p:grpSpPr>
       <p:sp>
         <p:nvSpPr>
-          <p:cNvPr id="427" name="Google Shape;427;p37"/>
+          <p:cNvPr id="434" name="Google Shape;434;p38"/>
           <p:cNvSpPr txBox="1"/>
           <p:nvPr>
             <p:ph type="title"/>
@@ -36021,7 +36646,7 @@
       </p:sp>
       <p:grpSp>
         <p:nvGrpSpPr>
-          <p:cNvPr id="428" name="Google Shape;428;p37"/>
+          <p:cNvPr id="435" name="Google Shape;435;p38"/>
           <p:cNvGrpSpPr/>
           <p:nvPr/>
         </p:nvGrpSpPr>
@@ -36035,7 +36660,7 @@
         </p:grpSpPr>
         <p:sp>
           <p:nvSpPr>
-            <p:cNvPr id="429" name="Google Shape;429;p37"/>
+            <p:cNvPr id="436" name="Google Shape;436;p38"/>
             <p:cNvSpPr txBox="1"/>
             <p:nvPr/>
           </p:nvSpPr>
@@ -36096,7 +36721,7 @@
         </p:sp>
         <p:sp>
           <p:nvSpPr>
-            <p:cNvPr id="430" name="Google Shape;430;p37"/>
+            <p:cNvPr id="437" name="Google Shape;437;p38"/>
             <p:cNvSpPr/>
             <p:nvPr/>
           </p:nvSpPr>
@@ -36155,7 +36780,7 @@
         </p:sp>
         <p:sp>
           <p:nvSpPr>
-            <p:cNvPr id="431" name="Google Shape;431;p37"/>
+            <p:cNvPr id="438" name="Google Shape;438;p38"/>
             <p:cNvSpPr txBox="1"/>
             <p:nvPr/>
           </p:nvSpPr>
@@ -36222,7 +36847,7 @@
       </p:grpSp>
       <p:grpSp>
         <p:nvGrpSpPr>
-          <p:cNvPr id="432" name="Google Shape;432;p37"/>
+          <p:cNvPr id="439" name="Google Shape;439;p38"/>
           <p:cNvGrpSpPr/>
           <p:nvPr/>
         </p:nvGrpSpPr>
@@ -36236,7 +36861,7 @@
         </p:grpSpPr>
         <p:sp>
           <p:nvSpPr>
-            <p:cNvPr id="433" name="Google Shape;433;p37"/>
+            <p:cNvPr id="440" name="Google Shape;440;p38"/>
             <p:cNvSpPr txBox="1"/>
             <p:nvPr/>
           </p:nvSpPr>
@@ -36297,7 +36922,7 @@
         </p:sp>
         <p:sp>
           <p:nvSpPr>
-            <p:cNvPr id="434" name="Google Shape;434;p37"/>
+            <p:cNvPr id="441" name="Google Shape;441;p38"/>
             <p:cNvSpPr/>
             <p:nvPr/>
           </p:nvSpPr>
@@ -36356,7 +36981,7 @@
         </p:sp>
         <p:sp>
           <p:nvSpPr>
-            <p:cNvPr id="435" name="Google Shape;435;p37"/>
+            <p:cNvPr id="442" name="Google Shape;442;p38"/>
             <p:cNvSpPr txBox="1"/>
             <p:nvPr/>
           </p:nvSpPr>
@@ -36423,7 +37048,7 @@
       </p:grpSp>
       <p:sp>
         <p:nvSpPr>
-          <p:cNvPr id="436" name="Google Shape;436;p37"/>
+          <p:cNvPr id="443" name="Google Shape;443;p38"/>
           <p:cNvSpPr/>
           <p:nvPr/>
         </p:nvSpPr>
@@ -36491,7 +37116,7 @@
       </p:sp>
       <p:grpSp>
         <p:nvGrpSpPr>
-          <p:cNvPr id="437" name="Google Shape;437;p37"/>
+          <p:cNvPr id="444" name="Google Shape;444;p38"/>
           <p:cNvGrpSpPr/>
           <p:nvPr/>
         </p:nvGrpSpPr>
@@ -36505,7 +37130,7 @@
         </p:grpSpPr>
         <p:sp>
           <p:nvSpPr>
-            <p:cNvPr id="438" name="Google Shape;438;p37"/>
+            <p:cNvPr id="445" name="Google Shape;445;p38"/>
             <p:cNvSpPr txBox="1"/>
             <p:nvPr/>
           </p:nvSpPr>
@@ -36571,7 +37196,7 @@
         </p:sp>
         <p:sp>
           <p:nvSpPr>
-            <p:cNvPr id="439" name="Google Shape;439;p37"/>
+            <p:cNvPr id="446" name="Google Shape;446;p38"/>
             <p:cNvSpPr/>
             <p:nvPr/>
           </p:nvSpPr>
@@ -36630,7 +37255,7 @@
         </p:sp>
         <p:sp>
           <p:nvSpPr>
-            <p:cNvPr id="440" name="Google Shape;440;p37"/>
+            <p:cNvPr id="447" name="Google Shape;447;p38"/>
             <p:cNvSpPr txBox="1"/>
             <p:nvPr/>
           </p:nvSpPr>
@@ -36699,7 +37324,7 @@
       </p:grpSp>
       <p:sp>
         <p:nvSpPr>
-          <p:cNvPr id="441" name="Google Shape;441;p37"/>
+          <p:cNvPr id="448" name="Google Shape;448;p38"/>
           <p:cNvSpPr txBox="1"/>
           <p:nvPr/>
         </p:nvSpPr>
@@ -36765,7 +37390,7 @@
       </p:sp>
       <p:sp>
         <p:nvSpPr>
-          <p:cNvPr id="442" name="Google Shape;442;p37"/>
+          <p:cNvPr id="449" name="Google Shape;449;p38"/>
           <p:cNvSpPr txBox="1"/>
           <p:nvPr>
             <p:ph idx="12" type="sldNum"/>
@@ -36805,7 +37430,7 @@
       </p:sp>
       <p:grpSp>
         <p:nvGrpSpPr>
-          <p:cNvPr id="443" name="Google Shape;443;p37"/>
+          <p:cNvPr id="450" name="Google Shape;450;p38"/>
           <p:cNvGrpSpPr/>
           <p:nvPr/>
         </p:nvGrpSpPr>
@@ -36819,7 +37444,7 @@
         </p:grpSpPr>
         <p:sp>
           <p:nvSpPr>
-            <p:cNvPr id="444" name="Google Shape;444;p37"/>
+            <p:cNvPr id="451" name="Google Shape;451;p38"/>
             <p:cNvSpPr txBox="1"/>
             <p:nvPr/>
           </p:nvSpPr>
@@ -36879,7 +37504,7 @@
         </p:sp>
         <p:sp>
           <p:nvSpPr>
-            <p:cNvPr id="445" name="Google Shape;445;p37"/>
+            <p:cNvPr id="452" name="Google Shape;452;p38"/>
             <p:cNvSpPr/>
             <p:nvPr/>
           </p:nvSpPr>
@@ -36938,7 +37563,7 @@
         </p:sp>
         <p:sp>
           <p:nvSpPr>
-            <p:cNvPr id="446" name="Google Shape;446;p37"/>
+            <p:cNvPr id="453" name="Google Shape;453;p38"/>
             <p:cNvSpPr txBox="1"/>
             <p:nvPr/>
           </p:nvSpPr>
@@ -37005,7 +37630,7 @@
       </p:grpSp>
       <p:grpSp>
         <p:nvGrpSpPr>
-          <p:cNvPr id="447" name="Google Shape;447;p37"/>
+          <p:cNvPr id="454" name="Google Shape;454;p38"/>
           <p:cNvGrpSpPr/>
           <p:nvPr/>
         </p:nvGrpSpPr>
@@ -37019,7 +37644,7 @@
         </p:grpSpPr>
         <p:sp>
           <p:nvSpPr>
-            <p:cNvPr id="448" name="Google Shape;448;p37"/>
+            <p:cNvPr id="455" name="Google Shape;455;p38"/>
             <p:cNvSpPr txBox="1"/>
             <p:nvPr/>
           </p:nvSpPr>
@@ -37080,7 +37705,7 @@
         </p:sp>
         <p:sp>
           <p:nvSpPr>
-            <p:cNvPr id="449" name="Google Shape;449;p37"/>
+            <p:cNvPr id="456" name="Google Shape;456;p38"/>
             <p:cNvSpPr/>
             <p:nvPr/>
           </p:nvSpPr>
@@ -37139,7 +37764,7 @@
         </p:sp>
         <p:sp>
           <p:nvSpPr>
-            <p:cNvPr id="450" name="Google Shape;450;p37"/>
+            <p:cNvPr id="457" name="Google Shape;457;p38"/>
             <p:cNvSpPr txBox="1"/>
             <p:nvPr/>
           </p:nvSpPr>
@@ -37206,7 +37831,7 @@
       </p:grpSp>
       <p:grpSp>
         <p:nvGrpSpPr>
-          <p:cNvPr id="451" name="Google Shape;451;p37"/>
+          <p:cNvPr id="458" name="Google Shape;458;p38"/>
           <p:cNvGrpSpPr/>
           <p:nvPr/>
         </p:nvGrpSpPr>
@@ -37220,7 +37845,7 @@
         </p:grpSpPr>
         <p:sp>
           <p:nvSpPr>
-            <p:cNvPr id="452" name="Google Shape;452;p37"/>
+            <p:cNvPr id="459" name="Google Shape;459;p38"/>
             <p:cNvSpPr txBox="1"/>
             <p:nvPr/>
           </p:nvSpPr>
@@ -37281,7 +37906,7 @@
         </p:sp>
         <p:sp>
           <p:nvSpPr>
-            <p:cNvPr id="453" name="Google Shape;453;p37"/>
+            <p:cNvPr id="460" name="Google Shape;460;p38"/>
             <p:cNvSpPr/>
             <p:nvPr/>
           </p:nvSpPr>
@@ -37340,7 +37965,7 @@
         </p:sp>
         <p:sp>
           <p:nvSpPr>
-            <p:cNvPr id="454" name="Google Shape;454;p37"/>
+            <p:cNvPr id="461" name="Google Shape;461;p38"/>
             <p:cNvSpPr txBox="1"/>
             <p:nvPr/>
           </p:nvSpPr>
@@ -37407,7 +38032,7 @@
       </p:grpSp>
       <p:grpSp>
         <p:nvGrpSpPr>
-          <p:cNvPr id="455" name="Google Shape;455;p37"/>
+          <p:cNvPr id="462" name="Google Shape;462;p38"/>
           <p:cNvGrpSpPr/>
           <p:nvPr/>
         </p:nvGrpSpPr>
@@ -37421,7 +38046,7 @@
         </p:grpSpPr>
         <p:sp>
           <p:nvSpPr>
-            <p:cNvPr id="456" name="Google Shape;456;p37"/>
+            <p:cNvPr id="463" name="Google Shape;463;p38"/>
             <p:cNvSpPr txBox="1"/>
             <p:nvPr/>
           </p:nvSpPr>
@@ -37482,7 +38107,7 @@
         </p:sp>
         <p:sp>
           <p:nvSpPr>
-            <p:cNvPr id="457" name="Google Shape;457;p37"/>
+            <p:cNvPr id="464" name="Google Shape;464;p38"/>
             <p:cNvSpPr/>
             <p:nvPr/>
           </p:nvSpPr>
@@ -37541,7 +38166,7 @@
         </p:sp>
         <p:sp>
           <p:nvSpPr>
-            <p:cNvPr id="458" name="Google Shape;458;p37"/>
+            <p:cNvPr id="465" name="Google Shape;465;p38"/>
             <p:cNvSpPr txBox="1"/>
             <p:nvPr/>
           </p:nvSpPr>
@@ -37614,12 +38239,12 @@
 </p:sld>
 </file>
 
-<file path=ppt/slides/slide24.xml><?xml version="1.0" encoding="utf-8"?>
+<file path=ppt/slides/slide25.xml><?xml version="1.0" encoding="utf-8"?>
 <p:sld xmlns:a="http://schemas.openxmlformats.org/drawingml/2006/main" xmlns:r="http://schemas.openxmlformats.org/officeDocument/2006/relationships" xmlns:mc="http://schemas.openxmlformats.org/markup-compatibility/2006" xmlns:mv="urn:schemas-microsoft-com:mac:vml" xmlns:p="http://schemas.openxmlformats.org/presentationml/2006/main" xmlns:c="http://schemas.openxmlformats.org/drawingml/2006/chart" xmlns:dgm="http://schemas.openxmlformats.org/drawingml/2006/diagram" xmlns:o="urn:schemas-microsoft-com:office:office" xmlns:v="urn:schemas-microsoft-com:vml" xmlns:pvml="urn:schemas-microsoft-com:office:powerpoint" xmlns:com="http://schemas.openxmlformats.org/drawingml/2006/compatibility" xmlns:p14="http://schemas.microsoft.com/office/powerpoint/2010/main" xmlns:p15="http://schemas.microsoft.com/office/powerpoint/2012/main" xmlns:ahyp="http://schemas.microsoft.com/office/drawing/2018/hyperlinkcolor">
   <p:cSld>
     <p:spTree>
       <p:nvGrpSpPr>
-        <p:cNvPr id="462" name="Shape 462"/>
+        <p:cNvPr id="469" name="Shape 469"/>
         <p:cNvGrpSpPr/>
         <p:nvPr/>
       </p:nvGrpSpPr>
@@ -37633,7 +38258,7 @@
       </p:grpSpPr>
       <p:sp>
         <p:nvSpPr>
-          <p:cNvPr id="463" name="Google Shape;463;p38"/>
+          <p:cNvPr id="470" name="Google Shape;470;p39"/>
           <p:cNvSpPr txBox="1"/>
           <p:nvPr>
             <p:ph type="title"/>
@@ -37673,7 +38298,7 @@
       </p:sp>
       <p:sp>
         <p:nvSpPr>
-          <p:cNvPr id="464" name="Google Shape;464;p38"/>
+          <p:cNvPr id="471" name="Google Shape;471;p39"/>
           <p:cNvSpPr txBox="1"/>
           <p:nvPr>
             <p:ph idx="1" type="body"/>
@@ -37782,11 +38407,28 @@
             </a:r>
             <a:endParaRPr sz="1800"/>
           </a:p>
+          <a:p>
+            <a:pPr indent="-342900" lvl="0" marL="457200" rtl="0" algn="l">
+              <a:spcBef>
+                <a:spcPts val="0"/>
+              </a:spcBef>
+              <a:spcAft>
+                <a:spcPts val="0"/>
+              </a:spcAft>
+              <a:buSzPts val="1800"/>
+              <a:buChar char="●"/>
+            </a:pPr>
+            <a:r>
+              <a:rPr lang="en"/>
+              <a:t>The project can be improved by using more complex models and overfitting techniques like regularization.</a:t>
+            </a:r>
+            <a:endParaRPr/>
+          </a:p>
         </p:txBody>
       </p:sp>
       <p:sp>
         <p:nvSpPr>
-          <p:cNvPr id="465" name="Google Shape;465;p38"/>
+          <p:cNvPr id="472" name="Google Shape;472;p39"/>
           <p:cNvSpPr txBox="1"/>
           <p:nvPr>
             <p:ph idx="12" type="sldNum"/>
@@ -37863,7 +38505,7 @@
                                           </p:stCondLst>
                                         </p:cTn>
                                         <p:tgtEl>
-                                          <p:spTgt spid="464">
+                                          <p:spTgt spid="471">
                                             <p:txEl>
                                               <p:pRg end="0" st="0"/>
                                             </p:txEl>
@@ -37881,7 +38523,7 @@
                                       <p:cBhvr>
                                         <p:cTn dur="1000"/>
                                         <p:tgtEl>
-                                          <p:spTgt spid="464">
+                                          <p:spTgt spid="471">
                                             <p:txEl>
                                               <p:pRg end="0" st="0"/>
                                             </p:txEl>
@@ -37924,7 +38566,7 @@
                                           </p:stCondLst>
                                         </p:cTn>
                                         <p:tgtEl>
-                                          <p:spTgt spid="464">
+                                          <p:spTgt spid="471">
                                             <p:txEl>
                                               <p:pRg end="1" st="1"/>
                                             </p:txEl>
@@ -37942,7 +38584,7 @@
                                       <p:cBhvr>
                                         <p:cTn dur="1000"/>
                                         <p:tgtEl>
-                                          <p:spTgt spid="464">
+                                          <p:spTgt spid="471">
                                             <p:txEl>
                                               <p:pRg end="1" st="1"/>
                                             </p:txEl>
@@ -37985,7 +38627,7 @@
                                           </p:stCondLst>
                                         </p:cTn>
                                         <p:tgtEl>
-                                          <p:spTgt spid="464">
+                                          <p:spTgt spid="471">
                                             <p:txEl>
                                               <p:pRg end="2" st="2"/>
                                             </p:txEl>
@@ -38003,7 +38645,7 @@
                                       <p:cBhvr>
                                         <p:cTn dur="1000"/>
                                         <p:tgtEl>
-                                          <p:spTgt spid="464">
+                                          <p:spTgt spid="471">
                                             <p:txEl>
                                               <p:pRg end="2" st="2"/>
                                             </p:txEl>
@@ -38046,7 +38688,7 @@
                                           </p:stCondLst>
                                         </p:cTn>
                                         <p:tgtEl>
-                                          <p:spTgt spid="464">
+                                          <p:spTgt spid="471">
                                             <p:txEl>
                                               <p:pRg end="3" st="3"/>
                                             </p:txEl>
@@ -38064,7 +38706,7 @@
                                       <p:cBhvr>
                                         <p:cTn dur="1000"/>
                                         <p:tgtEl>
-                                          <p:spTgt spid="464">
+                                          <p:spTgt spid="471">
                                             <p:txEl>
                                               <p:pRg end="3" st="3"/>
                                             </p:txEl>
@@ -38107,7 +38749,7 @@
                                           </p:stCondLst>
                                         </p:cTn>
                                         <p:tgtEl>
-                                          <p:spTgt spid="464">
+                                          <p:spTgt spid="471">
                                             <p:txEl>
                                               <p:pRg end="4" st="4"/>
                                             </p:txEl>
@@ -38125,9 +38767,70 @@
                                       <p:cBhvr>
                                         <p:cTn dur="1000"/>
                                         <p:tgtEl>
-                                          <p:spTgt spid="464">
+                                          <p:spTgt spid="471">
                                             <p:txEl>
                                               <p:pRg end="4" st="4"/>
+                                            </p:txEl>
+                                          </p:spTgt>
+                                        </p:tgtEl>
+                                      </p:cBhvr>
+                                    </p:animEffect>
+                                  </p:childTnLst>
+                                </p:cTn>
+                              </p:par>
+                            </p:childTnLst>
+                          </p:cTn>
+                        </p:par>
+                      </p:childTnLst>
+                    </p:cTn>
+                  </p:par>
+                  <p:par>
+                    <p:cTn fill="hold">
+                      <p:stCondLst>
+                        <p:cond delay="indefinite"/>
+                      </p:stCondLst>
+                      <p:childTnLst>
+                        <p:par>
+                          <p:cTn fill="hold">
+                            <p:stCondLst>
+                              <p:cond delay="0"/>
+                            </p:stCondLst>
+                            <p:childTnLst>
+                              <p:par>
+                                <p:cTn fill="hold" nodeType="clickEffect" presetClass="entr" presetID="10" presetSubtype="0">
+                                  <p:stCondLst>
+                                    <p:cond delay="0"/>
+                                  </p:stCondLst>
+                                  <p:childTnLst>
+                                    <p:set>
+                                      <p:cBhvr>
+                                        <p:cTn dur="1" fill="hold">
+                                          <p:stCondLst>
+                                            <p:cond delay="0"/>
+                                          </p:stCondLst>
+                                        </p:cTn>
+                                        <p:tgtEl>
+                                          <p:spTgt spid="471">
+                                            <p:txEl>
+                                              <p:pRg end="5" st="5"/>
+                                            </p:txEl>
+                                          </p:spTgt>
+                                        </p:tgtEl>
+                                        <p:attrNameLst>
+                                          <p:attrName>style.visibility</p:attrName>
+                                        </p:attrNameLst>
+                                      </p:cBhvr>
+                                      <p:to>
+                                        <p:strVal val="visible"/>
+                                      </p:to>
+                                    </p:set>
+                                    <p:animEffect filter="fade" transition="in">
+                                      <p:cBhvr>
+                                        <p:cTn dur="1000"/>
+                                        <p:tgtEl>
+                                          <p:spTgt spid="471">
+                                            <p:txEl>
+                                              <p:pRg end="5" st="5"/>
                                             </p:txEl>
                                           </p:spTgt>
                                         </p:tgtEl>
@@ -38167,12 +38870,12 @@
 </p:sld>
 </file>
 
-<file path=ppt/slides/slide25.xml><?xml version="1.0" encoding="utf-8"?>
+<file path=ppt/slides/slide26.xml><?xml version="1.0" encoding="utf-8"?>
 <p:sld xmlns:a="http://schemas.openxmlformats.org/drawingml/2006/main" xmlns:r="http://schemas.openxmlformats.org/officeDocument/2006/relationships" xmlns:mc="http://schemas.openxmlformats.org/markup-compatibility/2006" xmlns:mv="urn:schemas-microsoft-com:mac:vml" xmlns:p="http://schemas.openxmlformats.org/presentationml/2006/main" xmlns:c="http://schemas.openxmlformats.org/drawingml/2006/chart" xmlns:dgm="http://schemas.openxmlformats.org/drawingml/2006/diagram" xmlns:o="urn:schemas-microsoft-com:office:office" xmlns:v="urn:schemas-microsoft-com:vml" xmlns:pvml="urn:schemas-microsoft-com:office:powerpoint" xmlns:com="http://schemas.openxmlformats.org/drawingml/2006/compatibility" xmlns:p14="http://schemas.microsoft.com/office/powerpoint/2010/main" xmlns:p15="http://schemas.microsoft.com/office/powerpoint/2012/main" xmlns:ahyp="http://schemas.microsoft.com/office/drawing/2018/hyperlinkcolor">
   <p:cSld>
     <p:spTree>
       <p:nvGrpSpPr>
-        <p:cNvPr id="469" name="Shape 469"/>
+        <p:cNvPr id="476" name="Shape 476"/>
         <p:cNvGrpSpPr/>
         <p:nvPr/>
       </p:nvGrpSpPr>
@@ -38186,7 +38889,7 @@
       </p:grpSpPr>
       <p:sp>
         <p:nvSpPr>
-          <p:cNvPr id="470" name="Google Shape;470;p39"/>
+          <p:cNvPr id="477" name="Google Shape;477;p40"/>
           <p:cNvSpPr txBox="1"/>
           <p:nvPr>
             <p:ph idx="12" type="sldNum"/>
@@ -38226,7 +38929,7 @@
       </p:sp>
       <p:pic>
         <p:nvPicPr>
-          <p:cNvPr id="471" name="Google Shape;471;p39"/>
+          <p:cNvPr id="478" name="Google Shape;478;p40"/>
           <p:cNvPicPr preferRelativeResize="0"/>
           <p:nvPr/>
         </p:nvPicPr>
@@ -38260,12 +38963,12 @@
 </p:sld>
 </file>
 
-<file path=ppt/slides/slide26.xml><?xml version="1.0" encoding="utf-8"?>
+<file path=ppt/slides/slide27.xml><?xml version="1.0" encoding="utf-8"?>
 <p:sld xmlns:a="http://schemas.openxmlformats.org/drawingml/2006/main" xmlns:r="http://schemas.openxmlformats.org/officeDocument/2006/relationships" xmlns:mc="http://schemas.openxmlformats.org/markup-compatibility/2006" xmlns:mv="urn:schemas-microsoft-com:mac:vml" xmlns:p="http://schemas.openxmlformats.org/presentationml/2006/main" xmlns:c="http://schemas.openxmlformats.org/drawingml/2006/chart" xmlns:dgm="http://schemas.openxmlformats.org/drawingml/2006/diagram" xmlns:o="urn:schemas-microsoft-com:office:office" xmlns:v="urn:schemas-microsoft-com:vml" xmlns:pvml="urn:schemas-microsoft-com:office:powerpoint" xmlns:com="http://schemas.openxmlformats.org/drawingml/2006/compatibility" xmlns:p14="http://schemas.microsoft.com/office/powerpoint/2010/main" xmlns:p15="http://schemas.microsoft.com/office/powerpoint/2012/main" xmlns:ahyp="http://schemas.microsoft.com/office/drawing/2018/hyperlinkcolor">
   <p:cSld>
     <p:spTree>
       <p:nvGrpSpPr>
-        <p:cNvPr id="475" name="Shape 475"/>
+        <p:cNvPr id="482" name="Shape 482"/>
         <p:cNvGrpSpPr/>
         <p:nvPr/>
       </p:nvGrpSpPr>
@@ -38279,7 +38982,7 @@
       </p:grpSpPr>
       <p:sp>
         <p:nvSpPr>
-          <p:cNvPr id="476" name="Google Shape;476;p40"/>
+          <p:cNvPr id="483" name="Google Shape;483;p41"/>
           <p:cNvSpPr txBox="1"/>
           <p:nvPr>
             <p:ph type="title"/>
@@ -38319,7 +39022,7 @@
       </p:sp>
       <p:pic>
         <p:nvPicPr>
-          <p:cNvPr id="477" name="Google Shape;477;p40"/>
+          <p:cNvPr id="484" name="Google Shape;484;p41"/>
           <p:cNvPicPr preferRelativeResize="0"/>
           <p:nvPr/>
         </p:nvPicPr>
@@ -38347,7 +39050,7 @@
       </p:pic>
       <p:sp>
         <p:nvSpPr>
-          <p:cNvPr id="478" name="Google Shape;478;p40"/>
+          <p:cNvPr id="485" name="Google Shape;485;p41"/>
           <p:cNvSpPr txBox="1"/>
           <p:nvPr>
             <p:ph idx="12" type="sldNum"/>
@@ -40207,6 +40910,23 @@
             <a:r>
               <a:rPr lang="en" sz="1800"/>
               <a:t>Feature Engineering</a:t>
+            </a:r>
+            <a:endParaRPr sz="1800"/>
+          </a:p>
+          <a:p>
+            <a:pPr indent="-342900" lvl="1" marL="914400" rtl="0" algn="l">
+              <a:spcBef>
+                <a:spcPts val="0"/>
+              </a:spcBef>
+              <a:spcAft>
+                <a:spcPts val="0"/>
+              </a:spcAft>
+              <a:buSzPts val="1800"/>
+              <a:buChar char="○"/>
+            </a:pPr>
+            <a:r>
+              <a:rPr lang="en" sz="1800"/>
+              <a:t>Automation of model selection</a:t>
             </a:r>
             <a:endParaRPr sz="1800"/>
           </a:p>
@@ -40795,6 +41515,67 @@
                       </p:childTnLst>
                     </p:cTn>
                   </p:par>
+                  <p:par>
+                    <p:cTn fill="hold">
+                      <p:stCondLst>
+                        <p:cond delay="indefinite"/>
+                      </p:stCondLst>
+                      <p:childTnLst>
+                        <p:par>
+                          <p:cTn fill="hold">
+                            <p:stCondLst>
+                              <p:cond delay="0"/>
+                            </p:stCondLst>
+                            <p:childTnLst>
+                              <p:par>
+                                <p:cTn fill="hold" nodeType="clickEffect" presetClass="entr" presetID="10" presetSubtype="0">
+                                  <p:stCondLst>
+                                    <p:cond delay="0"/>
+                                  </p:stCondLst>
+                                  <p:childTnLst>
+                                    <p:set>
+                                      <p:cBhvr>
+                                        <p:cTn dur="1" fill="hold">
+                                          <p:stCondLst>
+                                            <p:cond delay="0"/>
+                                          </p:stCondLst>
+                                        </p:cTn>
+                                        <p:tgtEl>
+                                          <p:spTgt spid="158">
+                                            <p:txEl>
+                                              <p:pRg end="7" st="7"/>
+                                            </p:txEl>
+                                          </p:spTgt>
+                                        </p:tgtEl>
+                                        <p:attrNameLst>
+                                          <p:attrName>style.visibility</p:attrName>
+                                        </p:attrNameLst>
+                                      </p:cBhvr>
+                                      <p:to>
+                                        <p:strVal val="visible"/>
+                                      </p:to>
+                                    </p:set>
+                                    <p:animEffect filter="fade" transition="in">
+                                      <p:cBhvr>
+                                        <p:cTn dur="1000"/>
+                                        <p:tgtEl>
+                                          <p:spTgt spid="158">
+                                            <p:txEl>
+                                              <p:pRg end="7" st="7"/>
+                                            </p:txEl>
+                                          </p:spTgt>
+                                        </p:tgtEl>
+                                      </p:cBhvr>
+                                    </p:animEffect>
+                                  </p:childTnLst>
+                                </p:cTn>
+                              </p:par>
+                            </p:childTnLst>
+                          </p:cTn>
+                        </p:par>
+                      </p:childTnLst>
+                    </p:cTn>
+                  </p:par>
                 </p:childTnLst>
               </p:cTn>
               <p:prevCondLst>
@@ -42677,7 +43458,7 @@
             </a:pPr>
             <a:r>
               <a:rPr lang="en" sz="1800"/>
-              <a:t>Kendall’s Correlation Coefficients</a:t>
+              <a:t>Kendall’s Correlation Coefficients matrix</a:t>
             </a:r>
             <a:endParaRPr sz="1800"/>
           </a:p>
@@ -42694,7 +43475,7 @@
             </a:pPr>
             <a:r>
               <a:rPr lang="en" sz="1800"/>
-              <a:t>Correlation between input features and target</a:t>
+              <a:t>Correlation plots between input features and target</a:t>
             </a:r>
             <a:endParaRPr sz="1800"/>
           </a:p>
@@ -44312,6 +45093,285 @@
 </file>
 
 <file path=ppt/theme/theme1.xml><?xml version="1.0" encoding="utf-8"?>
+<a:theme xmlns:a="http://schemas.openxmlformats.org/drawingml/2006/main" xmlns:r="http://schemas.openxmlformats.org/officeDocument/2006/relationships">
+  <a:themeElements>
+    <a:clrScheme name="Default">
+      <a:dk1>
+        <a:srgbClr val="000000"/>
+      </a:dk1>
+      <a:lt1>
+        <a:srgbClr val="FFFFFF"/>
+      </a:lt1>
+      <a:dk2>
+        <a:srgbClr val="158158"/>
+      </a:dk2>
+      <a:lt2>
+        <a:srgbClr val="F3F3F3"/>
+      </a:lt2>
+      <a:accent1>
+        <a:srgbClr val="058DC7"/>
+      </a:accent1>
+      <a:accent2>
+        <a:srgbClr val="50B432"/>
+      </a:accent2>
+      <a:accent3>
+        <a:srgbClr val="ED561B"/>
+      </a:accent3>
+      <a:accent4>
+        <a:srgbClr val="EDEF00"/>
+      </a:accent4>
+      <a:accent5>
+        <a:srgbClr val="24CBE5"/>
+      </a:accent5>
+      <a:accent6>
+        <a:srgbClr val="64E572"/>
+      </a:accent6>
+      <a:hlink>
+        <a:srgbClr val="2200CC"/>
+      </a:hlink>
+      <a:folHlink>
+        <a:srgbClr val="551A8B"/>
+      </a:folHlink>
+    </a:clrScheme>
+    <a:fontScheme name="Office">
+      <a:majorFont>
+        <a:latin typeface="Arial"/>
+        <a:ea typeface=""/>
+        <a:cs typeface=""/>
+        <a:font script="Jpan" typeface="ＭＳ Ｐゴシック"/>
+        <a:font script="Hang" typeface="맑은 고딕"/>
+        <a:font script="Hans" typeface="宋体"/>
+        <a:font script="Hant" typeface="新細明體"/>
+        <a:font script="Arab" typeface="Times New Roman"/>
+        <a:font script="Hebr" typeface="Times New Roman"/>
+        <a:font script="Thai" typeface="Angsana New"/>
+        <a:font script="Ethi" typeface="Nyala"/>
+        <a:font script="Beng" typeface="Vrinda"/>
+        <a:font script="Gujr" typeface="Shruti"/>
+        <a:font script="Khmr" typeface="MoolBoran"/>
+        <a:font script="Knda" typeface="Tunga"/>
+        <a:font script="Guru" typeface="Raavi"/>
+        <a:font script="Cans" typeface="Euphemia"/>
+        <a:font script="Cher" typeface="Plantagenet Cherokee"/>
+        <a:font script="Yiii" typeface="Microsoft Yi Baiti"/>
+        <a:font script="Tibt" typeface="Microsoft Himalaya"/>
+        <a:font script="Thaa" typeface="MV Boli"/>
+        <a:font script="Deva" typeface="Mangal"/>
+        <a:font script="Telu" typeface="Gautami"/>
+        <a:font script="Taml" typeface="Latha"/>
+        <a:font script="Syrc" typeface="Estrangelo Edessa"/>
+        <a:font script="Orya" typeface="Kalinga"/>
+        <a:font script="Mlym" typeface="Kartika"/>
+        <a:font script="Laoo" typeface="DokChampa"/>
+        <a:font script="Sinh" typeface="Iskoola Pota"/>
+        <a:font script="Mong" typeface="Mongolian Baiti"/>
+        <a:font script="Viet" typeface="Times New Roman"/>
+        <a:font script="Uigh" typeface="Microsoft Uighur"/>
+        <a:font script="Geor" typeface="Sylfaen"/>
+      </a:majorFont>
+      <a:minorFont>
+        <a:latin typeface="Arial"/>
+        <a:ea typeface=""/>
+        <a:cs typeface=""/>
+        <a:font script="Jpan" typeface="ＭＳ Ｐゴシック"/>
+        <a:font script="Hang" typeface="맑은 고딕"/>
+        <a:font script="Hans" typeface="宋体"/>
+        <a:font script="Hant" typeface="新細明體"/>
+        <a:font script="Arab" typeface="Arial"/>
+        <a:font script="Hebr" typeface="Arial"/>
+        <a:font script="Thai" typeface="Cordia New"/>
+        <a:font script="Ethi" typeface="Nyala"/>
+        <a:font script="Beng" typeface="Vrinda"/>
+        <a:font script="Gujr" typeface="Shruti"/>
+        <a:font script="Khmr" typeface="DaunPenh"/>
+        <a:font script="Knda" typeface="Tunga"/>
+        <a:font script="Guru" typeface="Raavi"/>
+        <a:font script="Cans" typeface="Euphemia"/>
+        <a:font script="Cher" typeface="Plantagenet Cherokee"/>
+        <a:font script="Yiii" typeface="Microsoft Yi Baiti"/>
+        <a:font script="Tibt" typeface="Microsoft Himalaya"/>
+        <a:font script="Thaa" typeface="MV Boli"/>
+        <a:font script="Deva" typeface="Mangal"/>
+        <a:font script="Telu" typeface="Gautami"/>
+        <a:font script="Taml" typeface="Latha"/>
+        <a:font script="Syrc" typeface="Estrangelo Edessa"/>
+        <a:font script="Orya" typeface="Kalinga"/>
+        <a:font script="Mlym" typeface="Kartika"/>
+        <a:font script="Laoo" typeface="DokChampa"/>
+        <a:font script="Sinh" typeface="Iskoola Pota"/>
+        <a:font script="Mong" typeface="Mongolian Baiti"/>
+        <a:font script="Viet" typeface="Arial"/>
+        <a:font script="Uigh" typeface="Microsoft Uighur"/>
+        <a:font script="Geor" typeface="Sylfaen"/>
+      </a:minorFont>
+    </a:fontScheme>
+    <a:fmtScheme name="Office">
+      <a:fillStyleLst>
+        <a:solidFill>
+          <a:schemeClr val="phClr"/>
+        </a:solidFill>
+        <a:gradFill rotWithShape="1">
+          <a:gsLst>
+            <a:gs pos="0">
+              <a:schemeClr val="phClr">
+                <a:tint val="50000"/>
+                <a:satMod val="300000"/>
+              </a:schemeClr>
+            </a:gs>
+            <a:gs pos="35000">
+              <a:schemeClr val="phClr">
+                <a:tint val="37000"/>
+                <a:satMod val="300000"/>
+              </a:schemeClr>
+            </a:gs>
+            <a:gs pos="100000">
+              <a:schemeClr val="phClr">
+                <a:tint val="15000"/>
+                <a:satMod val="350000"/>
+              </a:schemeClr>
+            </a:gs>
+          </a:gsLst>
+          <a:lin ang="16200000" scaled="1"/>
+        </a:gradFill>
+        <a:gradFill rotWithShape="1">
+          <a:gsLst>
+            <a:gs pos="0">
+              <a:schemeClr val="phClr">
+                <a:tint val="100000"/>
+                <a:shade val="100000"/>
+                <a:satMod val="130000"/>
+              </a:schemeClr>
+            </a:gs>
+            <a:gs pos="100000">
+              <a:schemeClr val="phClr">
+                <a:tint val="50000"/>
+                <a:shade val="100000"/>
+                <a:satMod val="350000"/>
+              </a:schemeClr>
+            </a:gs>
+          </a:gsLst>
+          <a:lin ang="16200000" scaled="0"/>
+        </a:gradFill>
+      </a:fillStyleLst>
+      <a:lnStyleLst>
+        <a:ln w="9525" cap="flat" cmpd="sng" algn="ctr">
+          <a:solidFill>
+            <a:schemeClr val="phClr">
+              <a:shade val="95000"/>
+              <a:satMod val="105000"/>
+            </a:schemeClr>
+          </a:solidFill>
+          <a:prstDash val="solid"/>
+        </a:ln>
+        <a:ln w="25400" cap="flat" cmpd="sng" algn="ctr">
+          <a:solidFill>
+            <a:schemeClr val="phClr"/>
+          </a:solidFill>
+          <a:prstDash val="solid"/>
+        </a:ln>
+        <a:ln w="38100" cap="flat" cmpd="sng" algn="ctr">
+          <a:solidFill>
+            <a:schemeClr val="phClr"/>
+          </a:solidFill>
+          <a:prstDash val="solid"/>
+        </a:ln>
+      </a:lnStyleLst>
+      <a:effectStyleLst>
+        <a:effectStyle>
+          <a:effectLst>
+            <a:outerShdw blurRad="40000" dist="20000" dir="5400000" rotWithShape="0">
+              <a:srgbClr val="000000">
+                <a:alpha val="38000"/>
+              </a:srgbClr>
+            </a:outerShdw>
+          </a:effectLst>
+        </a:effectStyle>
+        <a:effectStyle>
+          <a:effectLst>
+            <a:outerShdw blurRad="40000" dist="23000" dir="5400000" rotWithShape="0">
+              <a:srgbClr val="000000">
+                <a:alpha val="35000"/>
+              </a:srgbClr>
+            </a:outerShdw>
+          </a:effectLst>
+        </a:effectStyle>
+        <a:effectStyle>
+          <a:effectLst>
+            <a:outerShdw blurRad="40000" dist="23000" dir="5400000" rotWithShape="0">
+              <a:srgbClr val="000000">
+                <a:alpha val="35000"/>
+              </a:srgbClr>
+            </a:outerShdw>
+          </a:effectLst>
+          <a:scene3d>
+            <a:camera prst="orthographicFront">
+              <a:rot lat="0" lon="0" rev="0"/>
+            </a:camera>
+            <a:lightRig rig="threePt" dir="t">
+              <a:rot lat="0" lon="0" rev="1200000"/>
+            </a:lightRig>
+          </a:scene3d>
+          <a:sp3d>
+            <a:bevelT w="63500" h="25400"/>
+          </a:sp3d>
+        </a:effectStyle>
+      </a:effectStyleLst>
+      <a:bgFillStyleLst>
+        <a:solidFill>
+          <a:schemeClr val="phClr"/>
+        </a:solidFill>
+        <a:gradFill rotWithShape="1">
+          <a:gsLst>
+            <a:gs pos="0">
+              <a:schemeClr val="phClr">
+                <a:tint val="40000"/>
+                <a:satMod val="350000"/>
+              </a:schemeClr>
+            </a:gs>
+            <a:gs pos="40000">
+              <a:schemeClr val="phClr">
+                <a:tint val="45000"/>
+                <a:shade val="99000"/>
+                <a:satMod val="350000"/>
+              </a:schemeClr>
+            </a:gs>
+            <a:gs pos="100000">
+              <a:schemeClr val="phClr">
+                <a:shade val="20000"/>
+                <a:satMod val="255000"/>
+              </a:schemeClr>
+            </a:gs>
+          </a:gsLst>
+          <a:path path="circle">
+            <a:fillToRect l="50000" t="-80000" r="50000" b="180000"/>
+          </a:path>
+        </a:gradFill>
+        <a:gradFill rotWithShape="1">
+          <a:gsLst>
+            <a:gs pos="0">
+              <a:schemeClr val="phClr">
+                <a:tint val="80000"/>
+                <a:satMod val="300000"/>
+              </a:schemeClr>
+            </a:gs>
+            <a:gs pos="100000">
+              <a:schemeClr val="phClr">
+                <a:shade val="30000"/>
+                <a:satMod val="200000"/>
+              </a:schemeClr>
+            </a:gs>
+          </a:gsLst>
+          <a:path path="circle">
+            <a:fillToRect l="50000" t="50000" r="50000" b="50000"/>
+          </a:path>
+        </a:gradFill>
+      </a:bgFillStyleLst>
+    </a:fmtScheme>
+  </a:themeElements>
+</a:theme>
+</file>
+
+<file path=ppt/theme/theme2.xml><?xml version="1.0" encoding="utf-8"?>
 <a:theme xmlns:a="http://schemas.openxmlformats.org/drawingml/2006/main" xmlns:r="http://schemas.openxmlformats.org/officeDocument/2006/relationships" name="Geometric">
   <a:themeElements>
     <a:clrScheme name="Geometric">
@@ -44588,283 +45648,4 @@
     </a:fmtScheme>
   </a:themeElements>
 </a:theme>
-</file>
-
-<file path=ppt/theme/theme2.xml><?xml version="1.0" encoding="utf-8"?>
-<a:theme xmlns:a="http://schemas.openxmlformats.org/drawingml/2006/main" xmlns:r="http://schemas.openxmlformats.org/officeDocument/2006/relationships">
-  <a:themeElements>
-    <a:clrScheme name="Default">
-      <a:dk1>
-        <a:srgbClr val="000000"/>
-      </a:dk1>
-      <a:lt1>
-        <a:srgbClr val="FFFFFF"/>
-      </a:lt1>
-      <a:dk2>
-        <a:srgbClr val="158158"/>
-      </a:dk2>
-      <a:lt2>
-        <a:srgbClr val="F3F3F3"/>
-      </a:lt2>
-      <a:accent1>
-        <a:srgbClr val="058DC7"/>
-      </a:accent1>
-      <a:accent2>
-        <a:srgbClr val="50B432"/>
-      </a:accent2>
-      <a:accent3>
-        <a:srgbClr val="ED561B"/>
-      </a:accent3>
-      <a:accent4>
-        <a:srgbClr val="EDEF00"/>
-      </a:accent4>
-      <a:accent5>
-        <a:srgbClr val="24CBE5"/>
-      </a:accent5>
-      <a:accent6>
-        <a:srgbClr val="64E572"/>
-      </a:accent6>
-      <a:hlink>
-        <a:srgbClr val="2200CC"/>
-      </a:hlink>
-      <a:folHlink>
-        <a:srgbClr val="551A8B"/>
-      </a:folHlink>
-    </a:clrScheme>
-    <a:fontScheme name="Office">
-      <a:majorFont>
-        <a:latin typeface="Arial"/>
-        <a:ea typeface=""/>
-        <a:cs typeface=""/>
-        <a:font script="Jpan" typeface="ＭＳ Ｐゴシック"/>
-        <a:font script="Hang" typeface="맑은 고딕"/>
-        <a:font script="Hans" typeface="宋体"/>
-        <a:font script="Hant" typeface="新細明體"/>
-        <a:font script="Arab" typeface="Times New Roman"/>
-        <a:font script="Hebr" typeface="Times New Roman"/>
-        <a:font script="Thai" typeface="Angsana New"/>
-        <a:font script="Ethi" typeface="Nyala"/>
-        <a:font script="Beng" typeface="Vrinda"/>
-        <a:font script="Gujr" typeface="Shruti"/>
-        <a:font script="Khmr" typeface="MoolBoran"/>
-        <a:font script="Knda" typeface="Tunga"/>
-        <a:font script="Guru" typeface="Raavi"/>
-        <a:font script="Cans" typeface="Euphemia"/>
-        <a:font script="Cher" typeface="Plantagenet Cherokee"/>
-        <a:font script="Yiii" typeface="Microsoft Yi Baiti"/>
-        <a:font script="Tibt" typeface="Microsoft Himalaya"/>
-        <a:font script="Thaa" typeface="MV Boli"/>
-        <a:font script="Deva" typeface="Mangal"/>
-        <a:font script="Telu" typeface="Gautami"/>
-        <a:font script="Taml" typeface="Latha"/>
-        <a:font script="Syrc" typeface="Estrangelo Edessa"/>
-        <a:font script="Orya" typeface="Kalinga"/>
-        <a:font script="Mlym" typeface="Kartika"/>
-        <a:font script="Laoo" typeface="DokChampa"/>
-        <a:font script="Sinh" typeface="Iskoola Pota"/>
-        <a:font script="Mong" typeface="Mongolian Baiti"/>
-        <a:font script="Viet" typeface="Times New Roman"/>
-        <a:font script="Uigh" typeface="Microsoft Uighur"/>
-        <a:font script="Geor" typeface="Sylfaen"/>
-      </a:majorFont>
-      <a:minorFont>
-        <a:latin typeface="Arial"/>
-        <a:ea typeface=""/>
-        <a:cs typeface=""/>
-        <a:font script="Jpan" typeface="ＭＳ Ｐゴシック"/>
-        <a:font script="Hang" typeface="맑은 고딕"/>
-        <a:font script="Hans" typeface="宋体"/>
-        <a:font script="Hant" typeface="新細明體"/>
-        <a:font script="Arab" typeface="Arial"/>
-        <a:font script="Hebr" typeface="Arial"/>
-        <a:font script="Thai" typeface="Cordia New"/>
-        <a:font script="Ethi" typeface="Nyala"/>
-        <a:font script="Beng" typeface="Vrinda"/>
-        <a:font script="Gujr" typeface="Shruti"/>
-        <a:font script="Khmr" typeface="DaunPenh"/>
-        <a:font script="Knda" typeface="Tunga"/>
-        <a:font script="Guru" typeface="Raavi"/>
-        <a:font script="Cans" typeface="Euphemia"/>
-        <a:font script="Cher" typeface="Plantagenet Cherokee"/>
-        <a:font script="Yiii" typeface="Microsoft Yi Baiti"/>
-        <a:font script="Tibt" typeface="Microsoft Himalaya"/>
-        <a:font script="Thaa" typeface="MV Boli"/>
-        <a:font script="Deva" typeface="Mangal"/>
-        <a:font script="Telu" typeface="Gautami"/>
-        <a:font script="Taml" typeface="Latha"/>
-        <a:font script="Syrc" typeface="Estrangelo Edessa"/>
-        <a:font script="Orya" typeface="Kalinga"/>
-        <a:font script="Mlym" typeface="Kartika"/>
-        <a:font script="Laoo" typeface="DokChampa"/>
-        <a:font script="Sinh" typeface="Iskoola Pota"/>
-        <a:font script="Mong" typeface="Mongolian Baiti"/>
-        <a:font script="Viet" typeface="Arial"/>
-        <a:font script="Uigh" typeface="Microsoft Uighur"/>
-        <a:font script="Geor" typeface="Sylfaen"/>
-      </a:minorFont>
-    </a:fontScheme>
-    <a:fmtScheme name="Office">
-      <a:fillStyleLst>
-        <a:solidFill>
-          <a:schemeClr val="phClr"/>
-        </a:solidFill>
-        <a:gradFill rotWithShape="1">
-          <a:gsLst>
-            <a:gs pos="0">
-              <a:schemeClr val="phClr">
-                <a:tint val="50000"/>
-                <a:satMod val="300000"/>
-              </a:schemeClr>
-            </a:gs>
-            <a:gs pos="35000">
-              <a:schemeClr val="phClr">
-                <a:tint val="37000"/>
-                <a:satMod val="300000"/>
-              </a:schemeClr>
-            </a:gs>
-            <a:gs pos="100000">
-              <a:schemeClr val="phClr">
-                <a:tint val="15000"/>
-                <a:satMod val="350000"/>
-              </a:schemeClr>
-            </a:gs>
-          </a:gsLst>
-          <a:lin ang="16200000" scaled="1"/>
-        </a:gradFill>
-        <a:gradFill rotWithShape="1">
-          <a:gsLst>
-            <a:gs pos="0">
-              <a:schemeClr val="phClr">
-                <a:tint val="100000"/>
-                <a:shade val="100000"/>
-                <a:satMod val="130000"/>
-              </a:schemeClr>
-            </a:gs>
-            <a:gs pos="100000">
-              <a:schemeClr val="phClr">
-                <a:tint val="50000"/>
-                <a:shade val="100000"/>
-                <a:satMod val="350000"/>
-              </a:schemeClr>
-            </a:gs>
-          </a:gsLst>
-          <a:lin ang="16200000" scaled="0"/>
-        </a:gradFill>
-      </a:fillStyleLst>
-      <a:lnStyleLst>
-        <a:ln w="9525" cap="flat" cmpd="sng" algn="ctr">
-          <a:solidFill>
-            <a:schemeClr val="phClr">
-              <a:shade val="95000"/>
-              <a:satMod val="105000"/>
-            </a:schemeClr>
-          </a:solidFill>
-          <a:prstDash val="solid"/>
-        </a:ln>
-        <a:ln w="25400" cap="flat" cmpd="sng" algn="ctr">
-          <a:solidFill>
-            <a:schemeClr val="phClr"/>
-          </a:solidFill>
-          <a:prstDash val="solid"/>
-        </a:ln>
-        <a:ln w="38100" cap="flat" cmpd="sng" algn="ctr">
-          <a:solidFill>
-            <a:schemeClr val="phClr"/>
-          </a:solidFill>
-          <a:prstDash val="solid"/>
-        </a:ln>
-      </a:lnStyleLst>
-      <a:effectStyleLst>
-        <a:effectStyle>
-          <a:effectLst>
-            <a:outerShdw blurRad="40000" dist="20000" dir="5400000" rotWithShape="0">
-              <a:srgbClr val="000000">
-                <a:alpha val="38000"/>
-              </a:srgbClr>
-            </a:outerShdw>
-          </a:effectLst>
-        </a:effectStyle>
-        <a:effectStyle>
-          <a:effectLst>
-            <a:outerShdw blurRad="40000" dist="23000" dir="5400000" rotWithShape="0">
-              <a:srgbClr val="000000">
-                <a:alpha val="35000"/>
-              </a:srgbClr>
-            </a:outerShdw>
-          </a:effectLst>
-        </a:effectStyle>
-        <a:effectStyle>
-          <a:effectLst>
-            <a:outerShdw blurRad="40000" dist="23000" dir="5400000" rotWithShape="0">
-              <a:srgbClr val="000000">
-                <a:alpha val="35000"/>
-              </a:srgbClr>
-            </a:outerShdw>
-          </a:effectLst>
-          <a:scene3d>
-            <a:camera prst="orthographicFront">
-              <a:rot lat="0" lon="0" rev="0"/>
-            </a:camera>
-            <a:lightRig rig="threePt" dir="t">
-              <a:rot lat="0" lon="0" rev="1200000"/>
-            </a:lightRig>
-          </a:scene3d>
-          <a:sp3d>
-            <a:bevelT w="63500" h="25400"/>
-          </a:sp3d>
-        </a:effectStyle>
-      </a:effectStyleLst>
-      <a:bgFillStyleLst>
-        <a:solidFill>
-          <a:schemeClr val="phClr"/>
-        </a:solidFill>
-        <a:gradFill rotWithShape="1">
-          <a:gsLst>
-            <a:gs pos="0">
-              <a:schemeClr val="phClr">
-                <a:tint val="40000"/>
-                <a:satMod val="350000"/>
-              </a:schemeClr>
-            </a:gs>
-            <a:gs pos="40000">
-              <a:schemeClr val="phClr">
-                <a:tint val="45000"/>
-                <a:shade val="99000"/>
-                <a:satMod val="350000"/>
-              </a:schemeClr>
-            </a:gs>
-            <a:gs pos="100000">
-              <a:schemeClr val="phClr">
-                <a:shade val="20000"/>
-                <a:satMod val="255000"/>
-              </a:schemeClr>
-            </a:gs>
-          </a:gsLst>
-          <a:path path="circle">
-            <a:fillToRect l="50000" t="-80000" r="50000" b="180000"/>
-          </a:path>
-        </a:gradFill>
-        <a:gradFill rotWithShape="1">
-          <a:gsLst>
-            <a:gs pos="0">
-              <a:schemeClr val="phClr">
-                <a:tint val="80000"/>
-                <a:satMod val="300000"/>
-              </a:schemeClr>
-            </a:gs>
-            <a:gs pos="100000">
-              <a:schemeClr val="phClr">
-                <a:shade val="30000"/>
-                <a:satMod val="200000"/>
-              </a:schemeClr>
-            </a:gs>
-          </a:gsLst>
-          <a:path path="circle">
-            <a:fillToRect l="50000" t="50000" r="50000" b="50000"/>
-          </a:path>
-        </a:gradFill>
-      </a:bgFillStyleLst>
-    </a:fmtScheme>
-  </a:themeElements>
-</a:theme>
 </file>
--- a/documentation/Quantitative Foundations Project 1 - Slide Deck.pptx
+++ b/documentation/Quantitative Foundations Project 1 - Slide Deck.pptx
@@ -14772,7 +14772,7 @@
         <p:spPr>
           <a:xfrm>
             <a:off x="380250" y="741275"/>
-            <a:ext cx="7749900" cy="3828300"/>
+            <a:ext cx="7749900" cy="4000200"/>
           </a:xfrm>
           <a:prstGeom prst="rect">
             <a:avLst/>
@@ -14787,6 +14787,61 @@
             <a:noAutofit/>
           </a:bodyPr>
           <a:lstStyle/>
+          <a:p>
+            <a:pPr indent="0" lvl="0" marL="0" rtl="0" algn="l">
+              <a:spcBef>
+                <a:spcPts val="0"/>
+              </a:spcBef>
+              <a:spcAft>
+                <a:spcPts val="0"/>
+              </a:spcAft>
+              <a:buNone/>
+            </a:pPr>
+            <a:r>
+              <a:rPr b="1" lang="en" sz="1000" u="sng">
+                <a:solidFill>
+                  <a:srgbClr val="CC4125"/>
+                </a:solidFill>
+                <a:latin typeface="Roboto Mono"/>
+                <a:ea typeface="Roboto Mono"/>
+                <a:cs typeface="Roboto Mono"/>
+                <a:sym typeface="Roboto Mono"/>
+              </a:rPr>
+              <a:t>create_custom_models.m</a:t>
+            </a:r>
+            <a:endParaRPr b="1" sz="1000" u="sng">
+              <a:solidFill>
+                <a:srgbClr val="CC4125"/>
+              </a:solidFill>
+              <a:latin typeface="Roboto Mono"/>
+              <a:ea typeface="Roboto Mono"/>
+              <a:cs typeface="Roboto Mono"/>
+              <a:sym typeface="Roboto Mono"/>
+            </a:endParaRPr>
+          </a:p>
+          <a:p>
+            <a:pPr indent="0" lvl="0" marL="0" rtl="0" algn="l">
+              <a:spcBef>
+                <a:spcPts val="0"/>
+              </a:spcBef>
+              <a:spcAft>
+                <a:spcPts val="0"/>
+              </a:spcAft>
+              <a:buNone/>
+            </a:pPr>
+            <a:r>
+              <a:t/>
+            </a:r>
+            <a:endParaRPr sz="1000">
+              <a:solidFill>
+                <a:srgbClr val="37474F"/>
+              </a:solidFill>
+              <a:latin typeface="Roboto Mono"/>
+              <a:ea typeface="Roboto Mono"/>
+              <a:cs typeface="Roboto Mono"/>
+              <a:sym typeface="Roboto Mono"/>
+            </a:endParaRPr>
+          </a:p>
           <a:p>
             <a:pPr indent="0" lvl="0" marL="0" rtl="0" algn="l">
               <a:spcBef>
@@ -19556,7 +19611,7 @@
             </a:pPr>
             <a:r>
               <a:rPr lang="en"/>
-              <a:t>Feature selection</a:t>
+              <a:t>Feature Selection</a:t>
             </a:r>
             <a:endParaRPr/>
           </a:p>
@@ -19627,7 +19682,7 @@
           </a:bodyPr>
           <a:lstStyle/>
           <a:p>
-            <a:pPr indent="-342900" lvl="0" marL="457200" rtl="0" algn="l">
+            <a:pPr indent="0" lvl="0" marL="0" rtl="0" algn="l">
               <a:lnSpc>
                 <a:spcPct val="115000"/>
               </a:lnSpc>
@@ -19637,15 +19692,10 @@
               <a:spcAft>
                 <a:spcPts val="0"/>
               </a:spcAft>
-              <a:buClr>
-                <a:schemeClr val="dk2"/>
-              </a:buClr>
-              <a:buSzPts val="1800"/>
-              <a:buFont typeface="Roboto"/>
-              <a:buChar char="●"/>
+              <a:buNone/>
             </a:pPr>
             <a:r>
-              <a:rPr lang="en" sz="1800">
+              <a:rPr b="1" lang="en" sz="1800">
                 <a:solidFill>
                   <a:schemeClr val="dk2"/>
                 </a:solidFill>
@@ -19654,7 +19704,113 @@
                 <a:cs typeface="Roboto"/>
                 <a:sym typeface="Roboto"/>
               </a:rPr>
-              <a:t>Automation of best model selection performed.</a:t>
+              <a:t>Step 1</a:t>
+            </a:r>
+            <a:r>
+              <a:rPr lang="en" sz="1800">
+                <a:solidFill>
+                  <a:schemeClr val="dk2"/>
+                </a:solidFill>
+                <a:latin typeface="Roboto"/>
+                <a:ea typeface="Roboto"/>
+                <a:cs typeface="Roboto"/>
+                <a:sym typeface="Roboto"/>
+              </a:rPr>
+              <a:t>: Best polynomial model selected on training data.</a:t>
+            </a:r>
+            <a:endParaRPr sz="1800">
+              <a:solidFill>
+                <a:schemeClr val="dk2"/>
+              </a:solidFill>
+              <a:latin typeface="Roboto"/>
+              <a:ea typeface="Roboto"/>
+              <a:cs typeface="Roboto"/>
+              <a:sym typeface="Roboto"/>
+            </a:endParaRPr>
+          </a:p>
+          <a:p>
+            <a:pPr indent="0" lvl="0" marL="0" rtl="0" algn="l">
+              <a:lnSpc>
+                <a:spcPct val="115000"/>
+              </a:lnSpc>
+              <a:spcBef>
+                <a:spcPts val="1600"/>
+              </a:spcBef>
+              <a:spcAft>
+                <a:spcPts val="0"/>
+              </a:spcAft>
+              <a:buNone/>
+            </a:pPr>
+            <a:r>
+              <a:rPr b="1" lang="en" sz="1800">
+                <a:solidFill>
+                  <a:schemeClr val="dk2"/>
+                </a:solidFill>
+                <a:latin typeface="Roboto"/>
+                <a:ea typeface="Roboto"/>
+                <a:cs typeface="Roboto"/>
+                <a:sym typeface="Roboto"/>
+              </a:rPr>
+              <a:t>Step 2</a:t>
+            </a:r>
+            <a:r>
+              <a:rPr lang="en" sz="1800">
+                <a:solidFill>
+                  <a:schemeClr val="dk2"/>
+                </a:solidFill>
+                <a:latin typeface="Roboto"/>
+                <a:ea typeface="Roboto"/>
+                <a:cs typeface="Roboto"/>
+                <a:sym typeface="Roboto"/>
+              </a:rPr>
+              <a:t>: Custom models added and evaluated on training data.</a:t>
+            </a:r>
+            <a:endParaRPr sz="1800">
+              <a:solidFill>
+                <a:schemeClr val="dk2"/>
+              </a:solidFill>
+              <a:latin typeface="Roboto"/>
+              <a:ea typeface="Roboto"/>
+              <a:cs typeface="Roboto"/>
+              <a:sym typeface="Roboto"/>
+            </a:endParaRPr>
+          </a:p>
+          <a:p>
+            <a:pPr indent="0" lvl="0" marL="0" rtl="0" algn="l">
+              <a:lnSpc>
+                <a:spcPct val="115000"/>
+              </a:lnSpc>
+              <a:spcBef>
+                <a:spcPts val="1600"/>
+              </a:spcBef>
+              <a:spcAft>
+                <a:spcPts val="0"/>
+              </a:spcAft>
+              <a:buNone/>
+            </a:pPr>
+            <a:r>
+              <a:rPr b="1" lang="en" sz="1800">
+                <a:solidFill>
+                  <a:schemeClr val="dk2"/>
+                </a:solidFill>
+                <a:latin typeface="Roboto"/>
+                <a:ea typeface="Roboto"/>
+                <a:cs typeface="Roboto"/>
+                <a:sym typeface="Roboto"/>
+              </a:rPr>
+              <a:t>Step 3</a:t>
+            </a:r>
+            <a:r>
+              <a:rPr lang="en" sz="1800">
+                <a:solidFill>
+                  <a:schemeClr val="dk2"/>
+                </a:solidFill>
+                <a:latin typeface="Roboto"/>
+                <a:ea typeface="Roboto"/>
+                <a:cs typeface="Roboto"/>
+                <a:sym typeface="Roboto"/>
+              </a:rPr>
+              <a:t>: Final best model selected among best polynomial and custom functions.</a:t>
             </a:r>
             <a:endParaRPr sz="1800">
               <a:solidFill>
@@ -19672,7 +19828,7 @@
                 <a:spcPct val="115000"/>
               </a:lnSpc>
               <a:spcBef>
-                <a:spcPts val="0"/>
+                <a:spcPts val="1600"/>
               </a:spcBef>
               <a:spcAft>
                 <a:spcPts val="0"/>
@@ -19694,7 +19850,7 @@
                 <a:cs typeface="Roboto"/>
                 <a:sym typeface="Roboto"/>
               </a:rPr>
-              <a:t>Based on least validation error in K-fold cross validation step.</a:t>
+              <a:t>Model fitted using least squares method.</a:t>
             </a:r>
             <a:endParaRPr sz="1800">
               <a:solidFill>
@@ -19734,19 +19890,8 @@
                 <a:cs typeface="Roboto"/>
                 <a:sym typeface="Roboto"/>
               </a:rPr>
-              <a:t>Model fitted using least squares method.</a:t>
-            </a:r>
-            <a:br>
-              <a:rPr lang="en" sz="1800">
-                <a:solidFill>
-                  <a:schemeClr val="dk2"/>
-                </a:solidFill>
-                <a:latin typeface="Roboto"/>
-                <a:ea typeface="Roboto"/>
-                <a:cs typeface="Roboto"/>
-                <a:sym typeface="Roboto"/>
-              </a:rPr>
-            </a:br>
+              <a:t>Automation of best model selection performed.</a:t>
+            </a:r>
             <a:endParaRPr sz="1800">
               <a:solidFill>
                 <a:schemeClr val="dk2"/>
@@ -19785,87 +19930,7 @@
                 <a:cs typeface="Roboto"/>
                 <a:sym typeface="Roboto"/>
               </a:rPr>
-              <a:t>First, best polynomial model selected on training data.</a:t>
-            </a:r>
-            <a:endParaRPr sz="1800">
-              <a:solidFill>
-                <a:schemeClr val="dk2"/>
-              </a:solidFill>
-              <a:latin typeface="Roboto"/>
-              <a:ea typeface="Roboto"/>
-              <a:cs typeface="Roboto"/>
-              <a:sym typeface="Roboto"/>
-            </a:endParaRPr>
-          </a:p>
-          <a:p>
-            <a:pPr indent="-342900" lvl="0" marL="457200" rtl="0" algn="l">
-              <a:lnSpc>
-                <a:spcPct val="115000"/>
-              </a:lnSpc>
-              <a:spcBef>
-                <a:spcPts val="0"/>
-              </a:spcBef>
-              <a:spcAft>
-                <a:spcPts val="0"/>
-              </a:spcAft>
-              <a:buClr>
-                <a:schemeClr val="dk2"/>
-              </a:buClr>
-              <a:buSzPts val="1800"/>
-              <a:buFont typeface="Roboto"/>
-              <a:buChar char="●"/>
-            </a:pPr>
-            <a:r>
-              <a:rPr lang="en" sz="1800">
-                <a:solidFill>
-                  <a:schemeClr val="dk2"/>
-                </a:solidFill>
-                <a:latin typeface="Roboto"/>
-                <a:ea typeface="Roboto"/>
-                <a:cs typeface="Roboto"/>
-                <a:sym typeface="Roboto"/>
-              </a:rPr>
-              <a:t>Custom models added and evaluated on training data.</a:t>
-            </a:r>
-            <a:endParaRPr sz="1800">
-              <a:solidFill>
-                <a:schemeClr val="dk2"/>
-              </a:solidFill>
-              <a:latin typeface="Roboto"/>
-              <a:ea typeface="Roboto"/>
-              <a:cs typeface="Roboto"/>
-              <a:sym typeface="Roboto"/>
-            </a:endParaRPr>
-          </a:p>
-          <a:p>
-            <a:pPr indent="-342900" lvl="0" marL="457200" rtl="0" algn="l">
-              <a:lnSpc>
-                <a:spcPct val="115000"/>
-              </a:lnSpc>
-              <a:spcBef>
-                <a:spcPts val="0"/>
-              </a:spcBef>
-              <a:spcAft>
-                <a:spcPts val="0"/>
-              </a:spcAft>
-              <a:buClr>
-                <a:schemeClr val="dk2"/>
-              </a:buClr>
-              <a:buSzPts val="1800"/>
-              <a:buFont typeface="Roboto"/>
-              <a:buChar char="●"/>
-            </a:pPr>
-            <a:r>
-              <a:rPr lang="en" sz="1800">
-                <a:solidFill>
-                  <a:schemeClr val="dk2"/>
-                </a:solidFill>
-                <a:latin typeface="Roboto"/>
-                <a:ea typeface="Roboto"/>
-                <a:cs typeface="Roboto"/>
-                <a:sym typeface="Roboto"/>
-              </a:rPr>
-              <a:t>Final best model selected among best polynomial and custom functions.</a:t>
+              <a:t>Based on least validation error in K-fold cross validation step.</a:t>
             </a:r>
             <a:endParaRPr sz="1800">
               <a:solidFill>
@@ -24161,7 +24226,138 @@
                 <a:cs typeface="Roboto Mono"/>
                 <a:sym typeface="Roboto Mono"/>
               </a:rPr>
-              <a:t>&gt;&gt; y_pred = get_predictions();</a:t>
+              <a:t>&gt;&gt; y_pred = get_predictions(); 	</a:t>
+            </a:r>
+            <a:r>
+              <a:rPr lang="en" sz="1800">
+                <a:solidFill>
+                  <a:srgbClr val="38761D"/>
+                </a:solidFill>
+                <a:latin typeface="Roboto Mono"/>
+                <a:ea typeface="Roboto Mono"/>
+                <a:cs typeface="Roboto Mono"/>
+                <a:sym typeface="Roboto Mono"/>
+              </a:rPr>
+              <a:t>% </a:t>
+            </a:r>
+            <a:r>
+              <a:rPr lang="en" sz="1800">
+                <a:solidFill>
+                  <a:srgbClr val="38761D"/>
+                </a:solidFill>
+                <a:latin typeface="Roboto Mono"/>
+                <a:ea typeface="Roboto Mono"/>
+                <a:cs typeface="Roboto Mono"/>
+                <a:sym typeface="Roboto Mono"/>
+              </a:rPr>
+              <a:t>OR</a:t>
+            </a:r>
+            <a:endParaRPr sz="1800">
+              <a:solidFill>
+                <a:srgbClr val="38761D"/>
+              </a:solidFill>
+              <a:latin typeface="Roboto Mono"/>
+              <a:ea typeface="Roboto Mono"/>
+              <a:cs typeface="Roboto Mono"/>
+              <a:sym typeface="Roboto Mono"/>
+            </a:endParaRPr>
+          </a:p>
+          <a:p>
+            <a:pPr indent="457200" lvl="0" marL="0" rtl="0" algn="l">
+              <a:lnSpc>
+                <a:spcPct val="150000"/>
+              </a:lnSpc>
+              <a:spcBef>
+                <a:spcPts val="0"/>
+              </a:spcBef>
+              <a:spcAft>
+                <a:spcPts val="0"/>
+              </a:spcAft>
+              <a:buNone/>
+            </a:pPr>
+            <a:r>
+              <a:rPr lang="en" sz="1800">
+                <a:solidFill>
+                  <a:srgbClr val="37474F"/>
+                </a:solidFill>
+                <a:latin typeface="Roboto Mono"/>
+                <a:ea typeface="Roboto Mono"/>
+                <a:cs typeface="Roboto Mono"/>
+                <a:sym typeface="Roboto Mono"/>
+              </a:rPr>
+              <a:t>&gt;&gt; y_pred = get_predictions(</a:t>
+            </a:r>
+            <a:r>
+              <a:rPr lang="en" sz="1800">
+                <a:solidFill>
+                  <a:srgbClr val="C53929"/>
+                </a:solidFill>
+                <a:latin typeface="Roboto Mono"/>
+                <a:ea typeface="Roboto Mono"/>
+                <a:cs typeface="Roboto Mono"/>
+                <a:sym typeface="Roboto Mono"/>
+              </a:rPr>
+              <a:t>0</a:t>
+            </a:r>
+            <a:r>
+              <a:rPr lang="en" sz="1800">
+                <a:solidFill>
+                  <a:srgbClr val="37474F"/>
+                </a:solidFill>
+                <a:latin typeface="Roboto Mono"/>
+                <a:ea typeface="Roboto Mono"/>
+                <a:cs typeface="Roboto Mono"/>
+                <a:sym typeface="Roboto Mono"/>
+              </a:rPr>
+              <a:t>:</a:t>
+            </a:r>
+            <a:r>
+              <a:rPr lang="en" sz="1800">
+                <a:solidFill>
+                  <a:srgbClr val="C53929"/>
+                </a:solidFill>
+                <a:latin typeface="Roboto Mono"/>
+                <a:ea typeface="Roboto Mono"/>
+                <a:cs typeface="Roboto Mono"/>
+                <a:sym typeface="Roboto Mono"/>
+              </a:rPr>
+              <a:t>10</a:t>
+            </a:r>
+            <a:r>
+              <a:rPr lang="en" sz="1800">
+                <a:solidFill>
+                  <a:srgbClr val="37474F"/>
+                </a:solidFill>
+                <a:latin typeface="Roboto Mono"/>
+                <a:ea typeface="Roboto Mono"/>
+                <a:cs typeface="Roboto Mono"/>
+                <a:sym typeface="Roboto Mono"/>
+              </a:rPr>
+              <a:t>, </a:t>
+            </a:r>
+            <a:r>
+              <a:rPr lang="en" sz="1800">
+                <a:solidFill>
+                  <a:srgbClr val="C53929"/>
+                </a:solidFill>
+                <a:latin typeface="Roboto Mono"/>
+                <a:ea typeface="Roboto Mono"/>
+                <a:cs typeface="Roboto Mono"/>
+                <a:sym typeface="Roboto Mono"/>
+              </a:rPr>
+              <a:t>10</a:t>
+            </a:r>
+            <a:r>
+              <a:rPr lang="en" sz="1800">
+                <a:solidFill>
+                  <a:srgbClr val="37474F"/>
+                </a:solidFill>
+                <a:latin typeface="Roboto Mono"/>
+                <a:ea typeface="Roboto Mono"/>
+                <a:cs typeface="Roboto Mono"/>
+                <a:sym typeface="Roboto Mono"/>
+              </a:rPr>
+              <a:t>);</a:t>
             </a:r>
             <a:endParaRPr sz="1800">
               <a:solidFill>
@@ -24184,157 +24380,6 @@
               <a:buNone/>
             </a:pPr>
             <a:r>
-              <a:rPr lang="en" sz="1800">
-                <a:solidFill>
-                  <a:srgbClr val="37474F"/>
-                </a:solidFill>
-                <a:latin typeface="Roboto Mono"/>
-                <a:ea typeface="Roboto Mono"/>
-                <a:cs typeface="Roboto Mono"/>
-                <a:sym typeface="Roboto Mono"/>
-              </a:rPr>
-              <a:t>% </a:t>
-            </a:r>
-            <a:r>
-              <a:rPr lang="en" sz="1800">
-                <a:solidFill>
-                  <a:srgbClr val="C53929"/>
-                </a:solidFill>
-                <a:latin typeface="Roboto Mono"/>
-                <a:ea typeface="Roboto Mono"/>
-                <a:cs typeface="Roboto Mono"/>
-                <a:sym typeface="Roboto Mono"/>
-              </a:rPr>
-              <a:t>OR</a:t>
-            </a:r>
-            <a:endParaRPr sz="1800">
-              <a:solidFill>
-                <a:srgbClr val="37474F"/>
-              </a:solidFill>
-              <a:latin typeface="Roboto Mono"/>
-              <a:ea typeface="Roboto Mono"/>
-              <a:cs typeface="Roboto Mono"/>
-              <a:sym typeface="Roboto Mono"/>
-            </a:endParaRPr>
-          </a:p>
-          <a:p>
-            <a:pPr indent="457200" lvl="0" marL="0" rtl="0" algn="l">
-              <a:lnSpc>
-                <a:spcPct val="150000"/>
-              </a:lnSpc>
-              <a:spcBef>
-                <a:spcPts val="0"/>
-              </a:spcBef>
-              <a:spcAft>
-                <a:spcPts val="0"/>
-              </a:spcAft>
-              <a:buNone/>
-            </a:pPr>
-            <a:r>
-              <a:rPr lang="en" sz="1800">
-                <a:solidFill>
-                  <a:srgbClr val="37474F"/>
-                </a:solidFill>
-                <a:latin typeface="Roboto Mono"/>
-                <a:ea typeface="Roboto Mono"/>
-                <a:cs typeface="Roboto Mono"/>
-                <a:sym typeface="Roboto Mono"/>
-              </a:rPr>
-              <a:t>&gt;&gt; y_pred = get_predictions(</a:t>
-            </a:r>
-            <a:r>
-              <a:rPr lang="en" sz="1800">
-                <a:solidFill>
-                  <a:srgbClr val="C53929"/>
-                </a:solidFill>
-                <a:latin typeface="Roboto Mono"/>
-                <a:ea typeface="Roboto Mono"/>
-                <a:cs typeface="Roboto Mono"/>
-                <a:sym typeface="Roboto Mono"/>
-              </a:rPr>
-              <a:t>0</a:t>
-            </a:r>
-            <a:r>
-              <a:rPr lang="en" sz="1800">
-                <a:solidFill>
-                  <a:srgbClr val="37474F"/>
-                </a:solidFill>
-                <a:latin typeface="Roboto Mono"/>
-                <a:ea typeface="Roboto Mono"/>
-                <a:cs typeface="Roboto Mono"/>
-                <a:sym typeface="Roboto Mono"/>
-              </a:rPr>
-              <a:t>:</a:t>
-            </a:r>
-            <a:r>
-              <a:rPr lang="en" sz="1800">
-                <a:solidFill>
-                  <a:srgbClr val="C53929"/>
-                </a:solidFill>
-                <a:latin typeface="Roboto Mono"/>
-                <a:ea typeface="Roboto Mono"/>
-                <a:cs typeface="Roboto Mono"/>
-                <a:sym typeface="Roboto Mono"/>
-              </a:rPr>
-              <a:t>10</a:t>
-            </a:r>
-            <a:r>
-              <a:rPr lang="en" sz="1800">
-                <a:solidFill>
-                  <a:srgbClr val="37474F"/>
-                </a:solidFill>
-                <a:latin typeface="Roboto Mono"/>
-                <a:ea typeface="Roboto Mono"/>
-                <a:cs typeface="Roboto Mono"/>
-                <a:sym typeface="Roboto Mono"/>
-              </a:rPr>
-              <a:t>, </a:t>
-            </a:r>
-            <a:r>
-              <a:rPr lang="en" sz="1800">
-                <a:solidFill>
-                  <a:srgbClr val="C53929"/>
-                </a:solidFill>
-                <a:latin typeface="Roboto Mono"/>
-                <a:ea typeface="Roboto Mono"/>
-                <a:cs typeface="Roboto Mono"/>
-                <a:sym typeface="Roboto Mono"/>
-              </a:rPr>
-              <a:t>10</a:t>
-            </a:r>
-            <a:r>
-              <a:rPr lang="en" sz="1800">
-                <a:solidFill>
-                  <a:srgbClr val="37474F"/>
-                </a:solidFill>
-                <a:latin typeface="Roboto Mono"/>
-                <a:ea typeface="Roboto Mono"/>
-                <a:cs typeface="Roboto Mono"/>
-                <a:sym typeface="Roboto Mono"/>
-              </a:rPr>
-              <a:t>);</a:t>
-            </a:r>
-            <a:endParaRPr sz="1800">
-              <a:solidFill>
-                <a:srgbClr val="37474F"/>
-              </a:solidFill>
-              <a:latin typeface="Roboto Mono"/>
-              <a:ea typeface="Roboto Mono"/>
-              <a:cs typeface="Roboto Mono"/>
-              <a:sym typeface="Roboto Mono"/>
-            </a:endParaRPr>
-          </a:p>
-          <a:p>
-            <a:pPr indent="457200" lvl="0" marL="0" rtl="0" algn="l">
-              <a:spcBef>
-                <a:spcPts val="0"/>
-              </a:spcBef>
-              <a:spcAft>
-                <a:spcPts val="0"/>
-              </a:spcAft>
-              <a:buNone/>
-            </a:pPr>
-            <a:r>
               <a:t/>
             </a:r>
             <a:endParaRPr sz="1800">
@@ -24391,7 +24436,43 @@
                 <a:cs typeface="Roboto"/>
                 <a:sym typeface="Roboto"/>
               </a:rPr>
-              <a:t>Selects the best model automatically with least validation error using K-fold cross validation.</a:t>
+              <a:t>Selects the best model with least validation </a:t>
+            </a:r>
+            <a:r>
+              <a:rPr lang="en" sz="1800">
+                <a:latin typeface="Roboto"/>
+                <a:ea typeface="Roboto"/>
+                <a:cs typeface="Roboto"/>
+                <a:sym typeface="Roboto"/>
+              </a:rPr>
+              <a:t>error</a:t>
+            </a:r>
+            <a:r>
+              <a:rPr lang="en" sz="1800">
+                <a:latin typeface="Roboto"/>
+                <a:ea typeface="Roboto"/>
+                <a:cs typeface="Roboto"/>
+                <a:sym typeface="Roboto"/>
+              </a:rPr>
+              <a:t> </a:t>
+            </a:r>
+            <a:r>
+              <a:rPr lang="en" sz="1800">
+                <a:latin typeface="Roboto"/>
+                <a:ea typeface="Roboto"/>
+                <a:cs typeface="Roboto"/>
+                <a:sym typeface="Roboto"/>
+              </a:rPr>
+              <a:t>automatically </a:t>
+            </a:r>
+            <a:r>
+              <a:rPr lang="en" sz="1800">
+                <a:latin typeface="Roboto"/>
+                <a:ea typeface="Roboto"/>
+                <a:cs typeface="Roboto"/>
+                <a:sym typeface="Roboto"/>
+              </a:rPr>
+              <a:t>using K-fold cross validation.</a:t>
             </a:r>
             <a:endParaRPr sz="1800">
               <a:latin typeface="Roboto"/>
@@ -24526,7 +24607,7 @@
             <a:tbl>
               <a:tblPr>
                 <a:noFill/>
-                <a:tableStyleId>{88DC93F5-E580-45B9-867B-4424B62B69A4}</a:tableStyleId>
+                <a:tableStyleId>{0B35CA03-7A03-455C-A552-CFD1A153C3A2}</a:tableStyleId>
               </a:tblPr>
               <a:tblGrid>
                 <a:gridCol w="953050"/>
@@ -27658,7 +27739,7 @@
             <a:tbl>
               <a:tblPr>
                 <a:noFill/>
-                <a:tableStyleId>{88DC93F5-E580-45B9-867B-4424B62B69A4}</a:tableStyleId>
+                <a:tableStyleId>{0B35CA03-7A03-455C-A552-CFD1A153C3A2}</a:tableStyleId>
               </a:tblPr>
               <a:tblGrid>
                 <a:gridCol w="1646775"/>
@@ -31594,7 +31675,7 @@
             <a:tbl>
               <a:tblPr>
                 <a:noFill/>
-                <a:tableStyleId>{88DC93F5-E580-45B9-867B-4424B62B69A4}</a:tableStyleId>
+                <a:tableStyleId>{0B35CA03-7A03-455C-A552-CFD1A153C3A2}</a:tableStyleId>
               </a:tblPr>
               <a:tblGrid>
                 <a:gridCol w="1646775"/>
@@ -38420,7 +38501,7 @@
             </a:pPr>
             <a:r>
               <a:rPr lang="en"/>
-              <a:t>The project can be improved by using more complex models and overfitting techniques like regularization.</a:t>
+              <a:t>The project can be improved by using more complex models and overfitting reduction techniques like regularization.</a:t>
             </a:r>
             <a:endParaRPr/>
           </a:p>
@@ -40717,7 +40798,7 @@
                 <a:cs typeface="Roboto"/>
                 <a:sym typeface="Roboto"/>
               </a:rPr>
-              <a:t>Introduction to the project</a:t>
+              <a:t>Tasks performed in the project</a:t>
             </a:r>
             <a:endParaRPr b="1" i="0" sz="1400" u="none" cap="none" strike="noStrike">
               <a:solidFill>
@@ -40847,7 +40928,7 @@
         <p:spPr>
           <a:xfrm>
             <a:off x="311700" y="1229875"/>
-            <a:ext cx="8520600" cy="3339000"/>
+            <a:ext cx="8520600" cy="2722500"/>
           </a:xfrm>
           <a:prstGeom prst="rect">
             <a:avLst/>
@@ -40871,7 +40952,7 @@
             </a:pPr>
             <a:r>
               <a:rPr b="1" lang="en"/>
-              <a:t>Problems implemented</a:t>
+              <a:t>Tasks performed</a:t>
             </a:r>
             <a:r>
               <a:rPr b="1" lang="en" sz="1800"/>
@@ -40892,7 +40973,7 @@
             </a:pPr>
             <a:r>
               <a:rPr lang="en" sz="1800"/>
-              <a:t>Linear Regression</a:t>
+              <a:t>Data Analysis</a:t>
             </a:r>
             <a:endParaRPr sz="1800"/>
           </a:p>
@@ -40909,7 +40990,7 @@
             </a:pPr>
             <a:r>
               <a:rPr lang="en" sz="1800"/>
-              <a:t>Feature Engineering</a:t>
+              <a:t>Linear Regression</a:t>
             </a:r>
             <a:endParaRPr sz="1800"/>
           </a:p>
@@ -40926,7 +41007,41 @@
             </a:pPr>
             <a:r>
               <a:rPr lang="en" sz="1800"/>
-              <a:t>Automation of model selection</a:t>
+              <a:t>Feature Engineering</a:t>
+            </a:r>
+            <a:endParaRPr sz="1800"/>
+          </a:p>
+          <a:p>
+            <a:pPr indent="-342900" lvl="2" marL="1371600" rtl="0" algn="l">
+              <a:spcBef>
+                <a:spcPts val="0"/>
+              </a:spcBef>
+              <a:spcAft>
+                <a:spcPts val="0"/>
+              </a:spcAft>
+              <a:buSzPts val="1800"/>
+              <a:buChar char="■"/>
+            </a:pPr>
+            <a:r>
+              <a:rPr lang="en" sz="1800"/>
+              <a:t>Polynomial selection</a:t>
+            </a:r>
+            <a:endParaRPr sz="1800"/>
+          </a:p>
+          <a:p>
+            <a:pPr indent="-342900" lvl="2" marL="1371600" rtl="0" algn="l">
+              <a:spcBef>
+                <a:spcPts val="0"/>
+              </a:spcBef>
+              <a:spcAft>
+                <a:spcPts val="0"/>
+              </a:spcAft>
+              <a:buSzPts val="1800"/>
+              <a:buChar char="■"/>
+            </a:pPr>
+            <a:r>
+              <a:rPr lang="en" sz="1800"/>
+              <a:t>Various custom functions selection</a:t>
             </a:r>
             <a:endParaRPr sz="1800"/>
           </a:p>
@@ -40943,15 +41058,12 @@
             </a:pPr>
             <a:r>
               <a:rPr lang="en" sz="1800"/>
-              <a:t>Overfitting reduction (using K-fold Cross Validation)</a:t>
-            </a:r>
-            <a:br>
-              <a:rPr lang="en" sz="1800"/>
-            </a:br>
+              <a:t>Automation of model selection</a:t>
+            </a:r>
             <a:endParaRPr sz="1800"/>
           </a:p>
           <a:p>
-            <a:pPr indent="-342900" lvl="0" marL="457200" rtl="0" algn="l">
+            <a:pPr indent="-342900" lvl="1" marL="914400" rtl="0" algn="l">
               <a:spcBef>
                 <a:spcPts val="0"/>
               </a:spcBef>
@@ -40959,77 +41071,11 @@
                 <a:spcPts val="0"/>
               </a:spcAft>
               <a:buSzPts val="1800"/>
-              <a:buChar char="●"/>
+              <a:buChar char="○"/>
             </a:pPr>
             <a:r>
-              <a:rPr b="1" lang="en" sz="1800"/>
-              <a:t>Dataset</a:t>
-            </a:r>
-            <a:r>
-              <a:rPr lang="en"/>
-              <a:t>: </a:t>
-            </a:r>
-            <a:r>
               <a:rPr lang="en" sz="1800"/>
-              <a:t>926 training samples and </a:t>
-            </a:r>
-            <a:r>
-              <a:rPr lang="en" sz="1800"/>
-              <a:t>103 test samples.</a:t>
-            </a:r>
-            <a:endParaRPr sz="1800"/>
-          </a:p>
-          <a:p>
-            <a:pPr indent="-342900" lvl="0" marL="457200" rtl="0" algn="l">
-              <a:spcBef>
-                <a:spcPts val="0"/>
-              </a:spcBef>
-              <a:spcAft>
-                <a:spcPts val="0"/>
-              </a:spcAft>
-              <a:buSzPts val="1800"/>
-              <a:buChar char="●"/>
-            </a:pPr>
-            <a:r>
-              <a:rPr b="1" lang="en"/>
-              <a:t>Each T</a:t>
-            </a:r>
-            <a:r>
-              <a:rPr b="1" lang="en" sz="1800"/>
-              <a:t>raining sample</a:t>
-            </a:r>
-            <a:r>
-              <a:rPr lang="en"/>
-              <a:t>: </a:t>
-            </a:r>
-            <a:r>
-              <a:rPr lang="en" sz="1800"/>
-              <a:t>8 attributes and 1 target value.</a:t>
-            </a:r>
-            <a:endParaRPr sz="1800"/>
-          </a:p>
-          <a:p>
-            <a:pPr indent="-342900" lvl="0" marL="457200" rtl="0" algn="l">
-              <a:spcBef>
-                <a:spcPts val="0"/>
-              </a:spcBef>
-              <a:spcAft>
-                <a:spcPts val="0"/>
-              </a:spcAft>
-              <a:buSzPts val="1800"/>
-              <a:buChar char="●"/>
-            </a:pPr>
-            <a:r>
-              <a:rPr b="1" lang="en"/>
-              <a:t>Each T</a:t>
-            </a:r>
-            <a:r>
-              <a:rPr b="1" lang="en" sz="1800"/>
-              <a:t>est sample</a:t>
-            </a:r>
-            <a:r>
-              <a:rPr lang="en" sz="1800"/>
-              <a:t>: 8 attributes (without target value).</a:t>
+              <a:t>Overfitting reduction using 10-fold Cross Validation</a:t>
             </a:r>
             <a:endParaRPr sz="1800"/>
           </a:p>
@@ -43440,6 +43486,69 @@
               <a:buChar char="●"/>
             </a:pPr>
             <a:r>
+              <a:rPr b="1" lang="en"/>
+              <a:t>Dataset</a:t>
+            </a:r>
+            <a:r>
+              <a:rPr lang="en"/>
+              <a:t>: 926 training samples and 103 test samples.</a:t>
+            </a:r>
+            <a:endParaRPr/>
+          </a:p>
+          <a:p>
+            <a:pPr indent="-342900" lvl="0" marL="457200" rtl="0" algn="l">
+              <a:spcBef>
+                <a:spcPts val="0"/>
+              </a:spcBef>
+              <a:spcAft>
+                <a:spcPts val="0"/>
+              </a:spcAft>
+              <a:buSzPts val="1800"/>
+              <a:buChar char="●"/>
+            </a:pPr>
+            <a:r>
+              <a:rPr b="1" lang="en"/>
+              <a:t>Each Training sample</a:t>
+            </a:r>
+            <a:r>
+              <a:rPr lang="en"/>
+              <a:t>: 8 attributes and 1 target value.</a:t>
+            </a:r>
+            <a:endParaRPr/>
+          </a:p>
+          <a:p>
+            <a:pPr indent="-342900" lvl="0" marL="457200" rtl="0" algn="l">
+              <a:spcBef>
+                <a:spcPts val="0"/>
+              </a:spcBef>
+              <a:spcAft>
+                <a:spcPts val="0"/>
+              </a:spcAft>
+              <a:buSzPts val="1800"/>
+              <a:buChar char="●"/>
+            </a:pPr>
+            <a:r>
+              <a:rPr b="1" lang="en"/>
+              <a:t>Each Test sample</a:t>
+            </a:r>
+            <a:r>
+              <a:rPr lang="en"/>
+              <a:t>: 8 attributes (without target value).</a:t>
+            </a:r>
+            <a:endParaRPr/>
+          </a:p>
+          <a:p>
+            <a:pPr indent="-342900" lvl="0" marL="457200" rtl="0" algn="l">
+              <a:spcBef>
+                <a:spcPts val="0"/>
+              </a:spcBef>
+              <a:spcAft>
+                <a:spcPts val="0"/>
+              </a:spcAft>
+              <a:buSzPts val="1800"/>
+              <a:buChar char="●"/>
+            </a:pPr>
+            <a:r>
               <a:rPr lang="en" sz="1800"/>
               <a:t>Performed the following analysis:</a:t>
             </a:r>
@@ -43497,19 +43606,17 @@
             <a:endParaRPr sz="1800"/>
           </a:p>
           <a:p>
-            <a:pPr indent="-342900" lvl="0" marL="457200" rtl="0" algn="l">
-              <a:spcBef>
-                <a:spcPts val="0"/>
-              </a:spcBef>
-              <a:spcAft>
-                <a:spcPts val="0"/>
-              </a:spcAft>
-              <a:buSzPts val="1800"/>
-              <a:buChar char="●"/>
+            <a:pPr indent="0" lvl="0" marL="457200" rtl="0" algn="l">
+              <a:spcBef>
+                <a:spcPts val="1600"/>
+              </a:spcBef>
+              <a:spcAft>
+                <a:spcPts val="1600"/>
+              </a:spcAft>
+              <a:buNone/>
             </a:pPr>
             <a:r>
-              <a:rPr lang="en" sz="1800"/>
-              <a:t>Minimal benefit due to the lack of domain knowledge.</a:t>
+              <a:t/>
             </a:r>
             <a:endParaRPr sz="1800"/>
           </a:p>
@@ -43934,6 +44041,189 @@
                       </p:childTnLst>
                     </p:cTn>
                   </p:par>
+                  <p:par>
+                    <p:cTn fill="hold">
+                      <p:stCondLst>
+                        <p:cond delay="indefinite"/>
+                      </p:stCondLst>
+                      <p:childTnLst>
+                        <p:par>
+                          <p:cTn fill="hold">
+                            <p:stCondLst>
+                              <p:cond delay="0"/>
+                            </p:stCondLst>
+                            <p:childTnLst>
+                              <p:par>
+                                <p:cTn fill="hold" nodeType="clickEffect" presetClass="entr" presetID="10" presetSubtype="0">
+                                  <p:stCondLst>
+                                    <p:cond delay="0"/>
+                                  </p:stCondLst>
+                                  <p:childTnLst>
+                                    <p:set>
+                                      <p:cBhvr>
+                                        <p:cTn dur="1" fill="hold">
+                                          <p:stCondLst>
+                                            <p:cond delay="0"/>
+                                          </p:stCondLst>
+                                        </p:cTn>
+                                        <p:tgtEl>
+                                          <p:spTgt spid="201">
+                                            <p:txEl>
+                                              <p:pRg end="6" st="6"/>
+                                            </p:txEl>
+                                          </p:spTgt>
+                                        </p:tgtEl>
+                                        <p:attrNameLst>
+                                          <p:attrName>style.visibility</p:attrName>
+                                        </p:attrNameLst>
+                                      </p:cBhvr>
+                                      <p:to>
+                                        <p:strVal val="visible"/>
+                                      </p:to>
+                                    </p:set>
+                                    <p:animEffect filter="fade" transition="in">
+                                      <p:cBhvr>
+                                        <p:cTn dur="1000"/>
+                                        <p:tgtEl>
+                                          <p:spTgt spid="201">
+                                            <p:txEl>
+                                              <p:pRg end="6" st="6"/>
+                                            </p:txEl>
+                                          </p:spTgt>
+                                        </p:tgtEl>
+                                      </p:cBhvr>
+                                    </p:animEffect>
+                                  </p:childTnLst>
+                                </p:cTn>
+                              </p:par>
+                            </p:childTnLst>
+                          </p:cTn>
+                        </p:par>
+                      </p:childTnLst>
+                    </p:cTn>
+                  </p:par>
+                  <p:par>
+                    <p:cTn fill="hold">
+                      <p:stCondLst>
+                        <p:cond delay="indefinite"/>
+                      </p:stCondLst>
+                      <p:childTnLst>
+                        <p:par>
+                          <p:cTn fill="hold">
+                            <p:stCondLst>
+                              <p:cond delay="0"/>
+                            </p:stCondLst>
+                            <p:childTnLst>
+                              <p:par>
+                                <p:cTn fill="hold" nodeType="clickEffect" presetClass="entr" presetID="10" presetSubtype="0">
+                                  <p:stCondLst>
+                                    <p:cond delay="0"/>
+                                  </p:stCondLst>
+                                  <p:childTnLst>
+                                    <p:set>
+                                      <p:cBhvr>
+                                        <p:cTn dur="1" fill="hold">
+                                          <p:stCondLst>
+                                            <p:cond delay="0"/>
+                                          </p:stCondLst>
+                                        </p:cTn>
+                                        <p:tgtEl>
+                                          <p:spTgt spid="201">
+                                            <p:txEl>
+                                              <p:pRg end="7" st="7"/>
+                                            </p:txEl>
+                                          </p:spTgt>
+                                        </p:tgtEl>
+                                        <p:attrNameLst>
+                                          <p:attrName>style.visibility</p:attrName>
+                                        </p:attrNameLst>
+                                      </p:cBhvr>
+                                      <p:to>
+                                        <p:strVal val="visible"/>
+                                      </p:to>
+                                    </p:set>
+                                    <p:animEffect filter="fade" transition="in">
+                                      <p:cBhvr>
+                                        <p:cTn dur="1000"/>
+                                        <p:tgtEl>
+                                          <p:spTgt spid="201">
+                                            <p:txEl>
+                                              <p:pRg end="7" st="7"/>
+                                            </p:txEl>
+                                          </p:spTgt>
+                                        </p:tgtEl>
+                                      </p:cBhvr>
+                                    </p:animEffect>
+                                  </p:childTnLst>
+                                </p:cTn>
+                              </p:par>
+                            </p:childTnLst>
+                          </p:cTn>
+                        </p:par>
+                      </p:childTnLst>
+                    </p:cTn>
+                  </p:par>
+                  <p:par>
+                    <p:cTn fill="hold">
+                      <p:stCondLst>
+                        <p:cond delay="indefinite"/>
+                      </p:stCondLst>
+                      <p:childTnLst>
+                        <p:par>
+                          <p:cTn fill="hold">
+                            <p:stCondLst>
+                              <p:cond delay="0"/>
+                            </p:stCondLst>
+                            <p:childTnLst>
+                              <p:par>
+                                <p:cTn fill="hold" nodeType="clickEffect" presetClass="entr" presetID="10" presetSubtype="0">
+                                  <p:stCondLst>
+                                    <p:cond delay="0"/>
+                                  </p:stCondLst>
+                                  <p:childTnLst>
+                                    <p:set>
+                                      <p:cBhvr>
+                                        <p:cTn dur="1" fill="hold">
+                                          <p:stCondLst>
+                                            <p:cond delay="0"/>
+                                          </p:stCondLst>
+                                        </p:cTn>
+                                        <p:tgtEl>
+                                          <p:spTgt spid="201">
+                                            <p:txEl>
+                                              <p:pRg end="8" st="8"/>
+                                            </p:txEl>
+                                          </p:spTgt>
+                                        </p:tgtEl>
+                                        <p:attrNameLst>
+                                          <p:attrName>style.visibility</p:attrName>
+                                        </p:attrNameLst>
+                                      </p:cBhvr>
+                                      <p:to>
+                                        <p:strVal val="visible"/>
+                                      </p:to>
+                                    </p:set>
+                                    <p:animEffect filter="fade" transition="in">
+                                      <p:cBhvr>
+                                        <p:cTn dur="1000"/>
+                                        <p:tgtEl>
+                                          <p:spTgt spid="201">
+                                            <p:txEl>
+                                              <p:pRg end="8" st="8"/>
+                                            </p:txEl>
+                                          </p:spTgt>
+                                        </p:tgtEl>
+                                      </p:cBhvr>
+                                    </p:animEffect>
+                                  </p:childTnLst>
+                                </p:cTn>
+                              </p:par>
+                            </p:childTnLst>
+                          </p:cTn>
+                        </p:par>
+                      </p:childTnLst>
+                    </p:cTn>
+                  </p:par>
                 </p:childTnLst>
               </p:cTn>
               <p:prevCondLst>
@@ -44480,6 +44770,23 @@
               <a:t>So, all eight features are important in the dataset.</a:t>
             </a:r>
             <a:endParaRPr sz="1800"/>
+          </a:p>
+          <a:p>
+            <a:pPr indent="-342900" lvl="0" marL="457200" rtl="0" algn="l">
+              <a:spcBef>
+                <a:spcPts val="0"/>
+              </a:spcBef>
+              <a:spcAft>
+                <a:spcPts val="0"/>
+              </a:spcAft>
+              <a:buSzPts val="1800"/>
+              <a:buChar char="●"/>
+            </a:pPr>
+            <a:r>
+              <a:rPr lang="en"/>
+              <a:t>Minimal benefit due to the lack of domain knowledge.</a:t>
+            </a:r>
+            <a:endParaRPr/>
           </a:p>
         </p:txBody>
       </p:sp>
